--- a/fmi-intro-to-python.pptx
+++ b/fmi-intro-to-python.pptx
@@ -5,39 +5,41 @@
     <p:sldMasterId id="2147483648" r:id="rId1"/>
   </p:sldMasterIdLst>
   <p:notesMasterIdLst>
-    <p:notesMasterId r:id="rId32"/>
+    <p:notesMasterId r:id="rId34"/>
   </p:notesMasterIdLst>
   <p:sldIdLst>
     <p:sldId id="256" r:id="rId2"/>
     <p:sldId id="258" r:id="rId3"/>
-    <p:sldId id="330" r:id="rId4"/>
-    <p:sldId id="266" r:id="rId5"/>
-    <p:sldId id="267" r:id="rId6"/>
-    <p:sldId id="352" r:id="rId7"/>
-    <p:sldId id="328" r:id="rId8"/>
-    <p:sldId id="324" r:id="rId9"/>
-    <p:sldId id="341" r:id="rId10"/>
-    <p:sldId id="348" r:id="rId11"/>
-    <p:sldId id="340" r:id="rId12"/>
-    <p:sldId id="349" r:id="rId13"/>
-    <p:sldId id="275" r:id="rId14"/>
-    <p:sldId id="344" r:id="rId15"/>
-    <p:sldId id="351" r:id="rId16"/>
-    <p:sldId id="342" r:id="rId17"/>
-    <p:sldId id="347" r:id="rId18"/>
-    <p:sldId id="354" r:id="rId19"/>
-    <p:sldId id="322" r:id="rId20"/>
-    <p:sldId id="350" r:id="rId21"/>
-    <p:sldId id="343" r:id="rId22"/>
-    <p:sldId id="346" r:id="rId23"/>
-    <p:sldId id="329" r:id="rId24"/>
-    <p:sldId id="306" r:id="rId25"/>
-    <p:sldId id="338" r:id="rId26"/>
-    <p:sldId id="356" r:id="rId27"/>
-    <p:sldId id="357" r:id="rId28"/>
-    <p:sldId id="355" r:id="rId29"/>
-    <p:sldId id="336" r:id="rId30"/>
-    <p:sldId id="358" r:id="rId31"/>
+    <p:sldId id="360" r:id="rId4"/>
+    <p:sldId id="361" r:id="rId5"/>
+    <p:sldId id="330" r:id="rId6"/>
+    <p:sldId id="266" r:id="rId7"/>
+    <p:sldId id="267" r:id="rId8"/>
+    <p:sldId id="352" r:id="rId9"/>
+    <p:sldId id="328" r:id="rId10"/>
+    <p:sldId id="324" r:id="rId11"/>
+    <p:sldId id="341" r:id="rId12"/>
+    <p:sldId id="348" r:id="rId13"/>
+    <p:sldId id="340" r:id="rId14"/>
+    <p:sldId id="349" r:id="rId15"/>
+    <p:sldId id="275" r:id="rId16"/>
+    <p:sldId id="344" r:id="rId17"/>
+    <p:sldId id="351" r:id="rId18"/>
+    <p:sldId id="342" r:id="rId19"/>
+    <p:sldId id="347" r:id="rId20"/>
+    <p:sldId id="354" r:id="rId21"/>
+    <p:sldId id="322" r:id="rId22"/>
+    <p:sldId id="350" r:id="rId23"/>
+    <p:sldId id="343" r:id="rId24"/>
+    <p:sldId id="346" r:id="rId25"/>
+    <p:sldId id="329" r:id="rId26"/>
+    <p:sldId id="306" r:id="rId27"/>
+    <p:sldId id="338" r:id="rId28"/>
+    <p:sldId id="356" r:id="rId29"/>
+    <p:sldId id="357" r:id="rId30"/>
+    <p:sldId id="355" r:id="rId31"/>
+    <p:sldId id="336" r:id="rId32"/>
+    <p:sldId id="358" r:id="rId33"/>
   </p:sldIdLst>
   <p:sldSz cx="12192000" cy="6858000"/>
   <p:notesSz cx="6858000" cy="9144000"/>
@@ -2256,15 +2258,25 @@
           <a:p>
             <a:r>
               <a:rPr lang="en-US" dirty="0"/>
-              <a:t>OK so what we are going to do here is go back to your session or open a new one. Go to the </a:t>
-            </a:r>
-            <a:r>
-              <a:rPr lang="en-US" dirty="0" err="1"/>
-              <a:t>diamonds.r</a:t>
-            </a:r>
+              <a:t>OK again, what I want to do here is just show you the basics of working with Jupyter. You will see in the repo there is an option to launch an interactive session, so do that and let’s navigate the four sections of Jupyter and get comfortable working there. </a:t>
+            </a:r>
+          </a:p>
+          <a:p>
+            <a:endParaRPr lang="en-US" dirty="0"/>
+          </a:p>
+          <a:p>
             <a:r>
               <a:rPr lang="en-US" dirty="0"/>
-              <a:t> dataset. And let’s actually conduct the analysis that was hinted at earlier. </a:t>
+              <a:t>In the demo you’ll get a tour of the notebook and how to work a bit with functions and objects. </a:t>
+            </a:r>
+          </a:p>
+          <a:p>
+            <a:endParaRPr lang="en-US" dirty="0"/>
+          </a:p>
+          <a:p>
+            <a:r>
+              <a:rPr lang="en-US" dirty="0"/>
+              <a:t>Possibly come up with some demo notes for this  </a:t>
             </a:r>
           </a:p>
         </p:txBody>
@@ -2295,7 +2307,7 @@
     </p:spTree>
     <p:extLst>
       <p:ext uri="{BB962C8B-B14F-4D97-AF65-F5344CB8AC3E}">
-        <p14:creationId xmlns:p14="http://schemas.microsoft.com/office/powerpoint/2010/main" val="3669274824"/>
+        <p14:creationId xmlns:p14="http://schemas.microsoft.com/office/powerpoint/2010/main" val="2263882747"/>
       </p:ext>
     </p:extLst>
   </p:cSld>
@@ -2379,7 +2391,7 @@
     </p:spTree>
     <p:extLst>
       <p:ext uri="{BB962C8B-B14F-4D97-AF65-F5344CB8AC3E}">
-        <p14:creationId xmlns:p14="http://schemas.microsoft.com/office/powerpoint/2010/main" val="1548743503"/>
+        <p14:creationId xmlns:p14="http://schemas.microsoft.com/office/powerpoint/2010/main" val="4257777998"/>
       </p:ext>
     </p:extLst>
   </p:cSld>
@@ -2433,7 +2445,18 @@
           <a:bodyPr/>
           <a:lstStyle/>
           <a:p>
-            <a:endParaRPr lang="en-US" dirty="0"/>
+            <a:r>
+              <a:rPr lang="en-US" dirty="0"/>
+              <a:t>OK so what we are going to do here is go back to your session or open a new one. Go to the </a:t>
+            </a:r>
+            <a:r>
+              <a:rPr lang="en-US" dirty="0" err="1"/>
+              <a:t>diamonds.r</a:t>
+            </a:r>
+            <a:r>
+              <a:rPr lang="en-US" dirty="0"/>
+              <a:t> dataset. And let’s actually conduct the analysis that was hinted at earlier. </a:t>
+            </a:r>
           </a:p>
         </p:txBody>
       </p:sp>
@@ -2463,7 +2486,7 @@
     </p:spTree>
     <p:extLst>
       <p:ext uri="{BB962C8B-B14F-4D97-AF65-F5344CB8AC3E}">
-        <p14:creationId xmlns:p14="http://schemas.microsoft.com/office/powerpoint/2010/main" val="3230393688"/>
+        <p14:creationId xmlns:p14="http://schemas.microsoft.com/office/powerpoint/2010/main" val="3669274824"/>
       </p:ext>
     </p:extLst>
   </p:cSld>
@@ -2517,10 +2540,7 @@
           <a:bodyPr/>
           <a:lstStyle/>
           <a:p>
-            <a:r>
-              <a:rPr lang="en-US" dirty="0"/>
-              <a:t>Now another thing unique to open source programs is this idea of packages. You can kind of think of this as like add-ins for Excel – the analogy I like to use is as apps on a phone. </a:t>
-            </a:r>
+            <a:endParaRPr lang="en-US" dirty="0"/>
           </a:p>
         </p:txBody>
       </p:sp>
@@ -2550,7 +2570,7 @@
     </p:spTree>
     <p:extLst>
       <p:ext uri="{BB962C8B-B14F-4D97-AF65-F5344CB8AC3E}">
-        <p14:creationId xmlns:p14="http://schemas.microsoft.com/office/powerpoint/2010/main" val="246833019"/>
+        <p14:creationId xmlns:p14="http://schemas.microsoft.com/office/powerpoint/2010/main" val="1548743503"/>
       </p:ext>
     </p:extLst>
   </p:cSld>
@@ -2604,19 +2624,7 @@
           <a:bodyPr/>
           <a:lstStyle/>
           <a:p>
-            <a:r>
-              <a:rPr lang="en-US" dirty="0"/>
-              <a:t>OK again, what I want to do here is just show you the basics of working with Jupyter. You will see in the repo there is an option to launch an interactive session, so do that and let’s navigate the four sections of Jupyter and get comfortable working there. </a:t>
-            </a:r>
-          </a:p>
-          <a:p>
             <a:endParaRPr lang="en-US" dirty="0"/>
-          </a:p>
-          <a:p>
-            <a:r>
-              <a:rPr lang="en-US" dirty="0"/>
-              <a:t>Possibly come up with some demo notes for this  </a:t>
-            </a:r>
           </a:p>
         </p:txBody>
       </p:sp>
@@ -2646,7 +2654,7 @@
     </p:spTree>
     <p:extLst>
       <p:ext uri="{BB962C8B-B14F-4D97-AF65-F5344CB8AC3E}">
-        <p14:creationId xmlns:p14="http://schemas.microsoft.com/office/powerpoint/2010/main" val="1541855448"/>
+        <p14:creationId xmlns:p14="http://schemas.microsoft.com/office/powerpoint/2010/main" val="3230393688"/>
       </p:ext>
     </p:extLst>
   </p:cSld>
@@ -2702,22 +2710,7 @@
           <a:p>
             <a:r>
               <a:rPr lang="en-US" dirty="0"/>
-              <a:t>Any questions so far about using R? </a:t>
-            </a:r>
-          </a:p>
-          <a:p>
-            <a:r>
-              <a:rPr lang="en-US" dirty="0"/>
-              <a:t>Again I just want to show you how easy it is to get up and running there as an Excel user and what to expect when working with open source programs. </a:t>
-            </a:r>
-          </a:p>
-          <a:p>
-            <a:endParaRPr lang="en-US" dirty="0"/>
-          </a:p>
-          <a:p>
-            <a:r>
-              <a:rPr lang="en-US" dirty="0"/>
-              <a:t>Now I guess one of the questions I might have in your shoes is what’s the big deal, we can do the same kind of stuff with Power Query. So I want to acknowledge that. </a:t>
+              <a:t>Now another thing unique to open source programs is this idea of packages. You can kind of think of this as like add-ins for Excel – the analogy I like to use is as apps on a phone. </a:t>
             </a:r>
           </a:p>
         </p:txBody>
@@ -2748,7 +2741,7 @@
     </p:spTree>
     <p:extLst>
       <p:ext uri="{BB962C8B-B14F-4D97-AF65-F5344CB8AC3E}">
-        <p14:creationId xmlns:p14="http://schemas.microsoft.com/office/powerpoint/2010/main" val="847681158"/>
+        <p14:creationId xmlns:p14="http://schemas.microsoft.com/office/powerpoint/2010/main" val="246833019"/>
       </p:ext>
     </p:extLst>
   </p:cSld>
@@ -2802,7 +2795,19 @@
           <a:bodyPr/>
           <a:lstStyle/>
           <a:p>
+            <a:r>
+              <a:rPr lang="en-US" dirty="0"/>
+              <a:t>OK again, what I want to do here is just show you the basics of working with Jupyter. You will see in the repo there is an option to launch an interactive session, so do that and let’s navigate the four sections of Jupyter and get comfortable working there. </a:t>
+            </a:r>
+          </a:p>
+          <a:p>
             <a:endParaRPr lang="en-US" dirty="0"/>
+          </a:p>
+          <a:p>
+            <a:r>
+              <a:rPr lang="en-US" dirty="0"/>
+              <a:t>Possibly come up with some demo notes for this  </a:t>
+            </a:r>
           </a:p>
         </p:txBody>
       </p:sp>
@@ -2832,7 +2837,7 @@
     </p:spTree>
     <p:extLst>
       <p:ext uri="{BB962C8B-B14F-4D97-AF65-F5344CB8AC3E}">
-        <p14:creationId xmlns:p14="http://schemas.microsoft.com/office/powerpoint/2010/main" val="157423635"/>
+        <p14:creationId xmlns:p14="http://schemas.microsoft.com/office/powerpoint/2010/main" val="1541855448"/>
       </p:ext>
     </p:extLst>
   </p:cSld>
@@ -2888,7 +2893,22 @@
           <a:p>
             <a:r>
               <a:rPr lang="en-US" dirty="0"/>
-              <a:t>Now another thing unique to open source programs is this idea of packages. You can kind of think of this as like add-ins for Excel – the analogy I like to use is as apps on a phone. </a:t>
+              <a:t>Any questions so far about using R? </a:t>
+            </a:r>
+          </a:p>
+          <a:p>
+            <a:r>
+              <a:rPr lang="en-US" dirty="0"/>
+              <a:t>Again I just want to show you how easy it is to get up and running there as an Excel user and what to expect when working with open source programs. </a:t>
+            </a:r>
+          </a:p>
+          <a:p>
+            <a:endParaRPr lang="en-US" dirty="0"/>
+          </a:p>
+          <a:p>
+            <a:r>
+              <a:rPr lang="en-US" dirty="0"/>
+              <a:t>Now I guess one of the questions I might have in your shoes is what’s the big deal, we can do the same kind of stuff with Power Query. So I want to acknowledge that. </a:t>
             </a:r>
           </a:p>
         </p:txBody>
@@ -2919,7 +2939,7 @@
     </p:spTree>
     <p:extLst>
       <p:ext uri="{BB962C8B-B14F-4D97-AF65-F5344CB8AC3E}">
-        <p14:creationId xmlns:p14="http://schemas.microsoft.com/office/powerpoint/2010/main" val="2453663335"/>
+        <p14:creationId xmlns:p14="http://schemas.microsoft.com/office/powerpoint/2010/main" val="847681158"/>
       </p:ext>
     </p:extLst>
   </p:cSld>
@@ -2973,10 +2993,7 @@
           <a:bodyPr/>
           <a:lstStyle/>
           <a:p>
-            <a:r>
-              <a:rPr lang="en-US" dirty="0"/>
-              <a:t>Now another thing unique to open source programs is this idea of packages. You can kind of think of this as like add-ins for Excel – the analogy I like to use is as apps on a phone. </a:t>
-            </a:r>
+            <a:endParaRPr lang="en-US" dirty="0"/>
           </a:p>
         </p:txBody>
       </p:sp>
@@ -3006,7 +3023,7 @@
     </p:spTree>
     <p:extLst>
       <p:ext uri="{BB962C8B-B14F-4D97-AF65-F5344CB8AC3E}">
-        <p14:creationId xmlns:p14="http://schemas.microsoft.com/office/powerpoint/2010/main" val="4160286385"/>
+        <p14:creationId xmlns:p14="http://schemas.microsoft.com/office/powerpoint/2010/main" val="157423635"/>
       </p:ext>
     </p:extLst>
   </p:cSld>
@@ -3062,15 +3079,7 @@
           <a:p>
             <a:r>
               <a:rPr lang="en-US" dirty="0"/>
-              <a:t>OK so what we are going to do here is go back to your session or open a new one. Go to the </a:t>
-            </a:r>
-            <a:r>
-              <a:rPr lang="en-US" dirty="0" err="1"/>
-              <a:t>diamonds.r</a:t>
-            </a:r>
-            <a:r>
-              <a:rPr lang="en-US" dirty="0"/>
-              <a:t> dataset. And let’s actually conduct the analysis that was hinted at earlier. </a:t>
+              <a:t>Now another thing unique to open source programs is this idea of packages. You can kind of think of this as like add-ins for Excel – the analogy I like to use is as apps on a phone. </a:t>
             </a:r>
           </a:p>
         </p:txBody>
@@ -3101,7 +3110,7 @@
     </p:spTree>
     <p:extLst>
       <p:ext uri="{BB962C8B-B14F-4D97-AF65-F5344CB8AC3E}">
-        <p14:creationId xmlns:p14="http://schemas.microsoft.com/office/powerpoint/2010/main" val="886286121"/>
+        <p14:creationId xmlns:p14="http://schemas.microsoft.com/office/powerpoint/2010/main" val="2453663335"/>
       </p:ext>
     </p:extLst>
   </p:cSld>
@@ -3241,24 +3250,7 @@
           <a:p>
             <a:r>
               <a:rPr lang="en-US" dirty="0"/>
-              <a:t>One of the things that people get confused about is why learn Python if you’re getting into Power Query… or which to focus on.</a:t>
-            </a:r>
-          </a:p>
-          <a:p>
-            <a:endParaRPr lang="en-US" dirty="0"/>
-          </a:p>
-          <a:p>
-            <a:r>
-              <a:rPr lang="en-US" dirty="0"/>
-              <a:t>You’re not leaving Microsoft’s stack. I have some documentation and a great book here. Now of course these are more about </a:t>
-            </a:r>
-            <a:r>
-              <a:rPr lang="en-US" dirty="0" err="1"/>
-              <a:t>PowerBI</a:t>
-            </a:r>
-            <a:r>
-              <a:rPr lang="en-US" dirty="0"/>
-              <a:t> but there’s every indication there’s more to come with Excel. </a:t>
+              <a:t>Now another thing unique to open source programs is this idea of packages. You can kind of think of this as like add-ins for Excel – the analogy I like to use is as apps on a phone. </a:t>
             </a:r>
           </a:p>
         </p:txBody>
@@ -3289,7 +3281,7 @@
     </p:spTree>
     <p:extLst>
       <p:ext uri="{BB962C8B-B14F-4D97-AF65-F5344CB8AC3E}">
-        <p14:creationId xmlns:p14="http://schemas.microsoft.com/office/powerpoint/2010/main" val="748458497"/>
+        <p14:creationId xmlns:p14="http://schemas.microsoft.com/office/powerpoint/2010/main" val="4160286385"/>
       </p:ext>
     </p:extLst>
   </p:cSld>
@@ -3345,7 +3337,15 @@
           <a:p>
             <a:r>
               <a:rPr lang="en-US" dirty="0"/>
-              <a:t>Now this is scary, it’s literally learning another language! </a:t>
+              <a:t>OK so what we are going to do here is go back to your session or open a new one. Go to the </a:t>
+            </a:r>
+            <a:r>
+              <a:rPr lang="en-US" dirty="0" err="1"/>
+              <a:t>diamonds.r</a:t>
+            </a:r>
+            <a:r>
+              <a:rPr lang="en-US" dirty="0"/>
+              <a:t> dataset. And let’s actually conduct the analysis that was hinted at earlier. </a:t>
             </a:r>
           </a:p>
         </p:txBody>
@@ -3376,7 +3376,7 @@
     </p:spTree>
     <p:extLst>
       <p:ext uri="{BB962C8B-B14F-4D97-AF65-F5344CB8AC3E}">
-        <p14:creationId xmlns:p14="http://schemas.microsoft.com/office/powerpoint/2010/main" val="3399850265"/>
+        <p14:creationId xmlns:p14="http://schemas.microsoft.com/office/powerpoint/2010/main" val="886286121"/>
       </p:ext>
     </p:extLst>
   </p:cSld>
@@ -3432,15 +3432,24 @@
           <a:p>
             <a:r>
               <a:rPr lang="en-US" dirty="0"/>
-              <a:t>Now the Excel community is </a:t>
+              <a:t>One of the things that people get confused about is why learn Python if you’re getting into Power Query… or which to focus on.</a:t>
+            </a:r>
+          </a:p>
+          <a:p>
+            <a:endParaRPr lang="en-US" dirty="0"/>
+          </a:p>
+          <a:p>
+            <a:r>
+              <a:rPr lang="en-US" dirty="0"/>
+              <a:t>You’re not leaving Microsoft’s stack. I have some documentation and a great book here. Now of course these are more about </a:t>
             </a:r>
             <a:r>
               <a:rPr lang="en-US" dirty="0" err="1"/>
-              <a:t>sooo</a:t>
+              <a:t>PowerBI</a:t>
             </a:r>
             <a:r>
               <a:rPr lang="en-US" dirty="0"/>
-              <a:t> welcoming that is can be jarring when you get elsewhere. The forums can be pretty brutal. So take some time to learn for yourself. </a:t>
+              <a:t> but there’s every indication there’s more to come with Excel. </a:t>
             </a:r>
           </a:p>
         </p:txBody>
@@ -3471,7 +3480,7 @@
     </p:spTree>
     <p:extLst>
       <p:ext uri="{BB962C8B-B14F-4D97-AF65-F5344CB8AC3E}">
-        <p14:creationId xmlns:p14="http://schemas.microsoft.com/office/powerpoint/2010/main" val="4195261101"/>
+        <p14:creationId xmlns:p14="http://schemas.microsoft.com/office/powerpoint/2010/main" val="748458497"/>
       </p:ext>
     </p:extLst>
   </p:cSld>
@@ -3527,22 +3536,7 @@
           <a:p>
             <a:r>
               <a:rPr lang="en-US" dirty="0"/>
-              <a:t>Any questions so far about using R? </a:t>
-            </a:r>
-          </a:p>
-          <a:p>
-            <a:r>
-              <a:rPr lang="en-US" dirty="0"/>
-              <a:t>Again I just want to show you how easy it is to get up and running there as an Excel user and what to expect when working with open source programs. </a:t>
-            </a:r>
-          </a:p>
-          <a:p>
-            <a:endParaRPr lang="en-US" dirty="0"/>
-          </a:p>
-          <a:p>
-            <a:r>
-              <a:rPr lang="en-US" dirty="0"/>
-              <a:t>Now I guess one of the questions I might have in your shoes is what’s the big deal, we can do the same kind of stuff with Power Query. So I want to acknowledge that. </a:t>
+              <a:t>Now this is scary, it’s literally learning another language! </a:t>
             </a:r>
           </a:p>
         </p:txBody>
@@ -3573,7 +3567,7 @@
     </p:spTree>
     <p:extLst>
       <p:ext uri="{BB962C8B-B14F-4D97-AF65-F5344CB8AC3E}">
-        <p14:creationId xmlns:p14="http://schemas.microsoft.com/office/powerpoint/2010/main" val="2041702506"/>
+        <p14:creationId xmlns:p14="http://schemas.microsoft.com/office/powerpoint/2010/main" val="3399850265"/>
       </p:ext>
     </p:extLst>
   </p:cSld>
@@ -3627,39 +3621,18 @@
           <a:bodyPr/>
           <a:lstStyle/>
           <a:p>
-            <a:pPr>
-              <a:buClr>
-                <a:srgbClr val="CF3338"/>
-              </a:buClr>
-            </a:pPr>
-            <a:r>
-              <a:rPr lang="en-US" sz="1200" i="1" dirty="0">
-                <a:solidFill>
-                  <a:srgbClr val="707070"/>
-                </a:solidFill>
-                <a:latin typeface="Pragmatica" panose="020B0403040502020204" pitchFamily="34" charset="0"/>
-              </a:rPr>
-              <a:t>By the end of this book, you should be able to conduct exploratory data analysis and</a:t>
-            </a:r>
-          </a:p>
-          <a:p>
-            <a:pPr>
-              <a:buClr>
-                <a:srgbClr val="CF3338"/>
-              </a:buClr>
-            </a:pPr>
-            <a:r>
-              <a:rPr lang="en-US" sz="1200" i="1" dirty="0">
-                <a:solidFill>
-                  <a:srgbClr val="707070"/>
-                </a:solidFill>
-                <a:latin typeface="Pragmatica" panose="020B0403040502020204" pitchFamily="34" charset="0"/>
-              </a:rPr>
-              <a:t>hypothesis testing using a programming language.</a:t>
-            </a:r>
-          </a:p>
-          <a:p>
-            <a:endParaRPr lang="en-US" dirty="0"/>
+            <a:r>
+              <a:rPr lang="en-US" dirty="0"/>
+              <a:t>Now the Excel community is </a:t>
+            </a:r>
+            <a:r>
+              <a:rPr lang="en-US" dirty="0" err="1"/>
+              <a:t>sooo</a:t>
+            </a:r>
+            <a:r>
+              <a:rPr lang="en-US" dirty="0"/>
+              <a:t> welcoming that is can be jarring when you get elsewhere. The forums can be pretty brutal. So take some time to learn for yourself. </a:t>
+            </a:r>
           </a:p>
         </p:txBody>
       </p:sp>
@@ -3680,7 +3653,7 @@
           <a:p>
             <a:fld id="{3BB66621-ADCC-4EF8-8003-B9D3E881DCD2}" type="slidenum">
               <a:rPr lang="en-US" smtClean="0"/>
-              <a:t>25</a:t>
+              <a:t>24</a:t>
             </a:fld>
             <a:endParaRPr lang="en-US"/>
           </a:p>
@@ -3689,7 +3662,7 @@
     </p:spTree>
     <p:extLst>
       <p:ext uri="{BB962C8B-B14F-4D97-AF65-F5344CB8AC3E}">
-        <p14:creationId xmlns:p14="http://schemas.microsoft.com/office/powerpoint/2010/main" val="128776136"/>
+        <p14:creationId xmlns:p14="http://schemas.microsoft.com/office/powerpoint/2010/main" val="4195261101"/>
       </p:ext>
     </p:extLst>
   </p:cSld>
@@ -3743,39 +3716,25 @@
           <a:bodyPr/>
           <a:lstStyle/>
           <a:p>
-            <a:pPr>
-              <a:buClr>
-                <a:srgbClr val="CF3338"/>
-              </a:buClr>
-            </a:pPr>
-            <a:r>
-              <a:rPr lang="en-US" sz="1200" i="1" dirty="0">
-                <a:solidFill>
-                  <a:srgbClr val="707070"/>
-                </a:solidFill>
-                <a:latin typeface="Pragmatica" panose="020B0403040502020204" pitchFamily="34" charset="0"/>
-              </a:rPr>
-              <a:t>By the end of this book, you should be able to conduct exploratory data analysis and</a:t>
-            </a:r>
-          </a:p>
-          <a:p>
-            <a:pPr>
-              <a:buClr>
-                <a:srgbClr val="CF3338"/>
-              </a:buClr>
-            </a:pPr>
-            <a:r>
-              <a:rPr lang="en-US" sz="1200" i="1" dirty="0">
-                <a:solidFill>
-                  <a:srgbClr val="707070"/>
-                </a:solidFill>
-                <a:latin typeface="Pragmatica" panose="020B0403040502020204" pitchFamily="34" charset="0"/>
-              </a:rPr>
-              <a:t>hypothesis testing using a programming language.</a:t>
+            <a:r>
+              <a:rPr lang="en-US" dirty="0"/>
+              <a:t>Any questions so far about using R? </a:t>
+            </a:r>
+          </a:p>
+          <a:p>
+            <a:r>
+              <a:rPr lang="en-US" dirty="0"/>
+              <a:t>Again I just want to show you how easy it is to get up and running there as an Excel user and what to expect when working with open source programs. </a:t>
             </a:r>
           </a:p>
           <a:p>
             <a:endParaRPr lang="en-US" dirty="0"/>
+          </a:p>
+          <a:p>
+            <a:r>
+              <a:rPr lang="en-US" dirty="0"/>
+              <a:t>Now I guess one of the questions I might have in your shoes is what’s the big deal, we can do the same kind of stuff with Power Query. So I want to acknowledge that. </a:t>
+            </a:r>
           </a:p>
         </p:txBody>
       </p:sp>
@@ -3796,7 +3755,7 @@
           <a:p>
             <a:fld id="{3BB66621-ADCC-4EF8-8003-B9D3E881DCD2}" type="slidenum">
               <a:rPr lang="en-US" smtClean="0"/>
-              <a:t>26</a:t>
+              <a:t>25</a:t>
             </a:fld>
             <a:endParaRPr lang="en-US"/>
           </a:p>
@@ -3805,7 +3764,7 @@
     </p:spTree>
     <p:extLst>
       <p:ext uri="{BB962C8B-B14F-4D97-AF65-F5344CB8AC3E}">
-        <p14:creationId xmlns:p14="http://schemas.microsoft.com/office/powerpoint/2010/main" val="2096946352"/>
+        <p14:creationId xmlns:p14="http://schemas.microsoft.com/office/powerpoint/2010/main" val="2041702506"/>
       </p:ext>
     </p:extLst>
   </p:cSld>
@@ -3913,6 +3872,238 @@
             <a:fld id="{3BB66621-ADCC-4EF8-8003-B9D3E881DCD2}" type="slidenum">
               <a:rPr lang="en-US" smtClean="0"/>
               <a:t>27</a:t>
+            </a:fld>
+            <a:endParaRPr lang="en-US"/>
+          </a:p>
+        </p:txBody>
+      </p:sp>
+    </p:spTree>
+    <p:extLst>
+      <p:ext uri="{BB962C8B-B14F-4D97-AF65-F5344CB8AC3E}">
+        <p14:creationId xmlns:p14="http://schemas.microsoft.com/office/powerpoint/2010/main" val="128776136"/>
+      </p:ext>
+    </p:extLst>
+  </p:cSld>
+  <p:clrMapOvr>
+    <a:masterClrMapping/>
+  </p:clrMapOvr>
+</p:notes>
+</file>
+
+<file path=ppt/notesSlides/notesSlide27.xml><?xml version="1.0" encoding="utf-8"?>
+<p:notes xmlns:a="http://schemas.openxmlformats.org/drawingml/2006/main" xmlns:r="http://schemas.openxmlformats.org/officeDocument/2006/relationships" xmlns:p="http://schemas.openxmlformats.org/presentationml/2006/main">
+  <p:cSld>
+    <p:spTree>
+      <p:nvGrpSpPr>
+        <p:cNvPr id="1" name=""/>
+        <p:cNvGrpSpPr/>
+        <p:nvPr/>
+      </p:nvGrpSpPr>
+      <p:grpSpPr>
+        <a:xfrm>
+          <a:off x="0" y="0"/>
+          <a:ext cx="0" cy="0"/>
+          <a:chOff x="0" y="0"/>
+          <a:chExt cx="0" cy="0"/>
+        </a:xfrm>
+      </p:grpSpPr>
+      <p:sp>
+        <p:nvSpPr>
+          <p:cNvPr id="2" name="Slide Image Placeholder 1"/>
+          <p:cNvSpPr>
+            <a:spLocks noGrp="1" noRot="1" noChangeAspect="1"/>
+          </p:cNvSpPr>
+          <p:nvPr>
+            <p:ph type="sldImg"/>
+          </p:nvPr>
+        </p:nvSpPr>
+        <p:spPr/>
+      </p:sp>
+      <p:sp>
+        <p:nvSpPr>
+          <p:cNvPr id="3" name="Notes Placeholder 2"/>
+          <p:cNvSpPr>
+            <a:spLocks noGrp="1"/>
+          </p:cNvSpPr>
+          <p:nvPr>
+            <p:ph type="body" idx="1"/>
+          </p:nvPr>
+        </p:nvSpPr>
+        <p:spPr/>
+        <p:txBody>
+          <a:bodyPr/>
+          <a:lstStyle/>
+          <a:p>
+            <a:pPr>
+              <a:buClr>
+                <a:srgbClr val="CF3338"/>
+              </a:buClr>
+            </a:pPr>
+            <a:r>
+              <a:rPr lang="en-US" sz="1200" i="1" dirty="0">
+                <a:solidFill>
+                  <a:srgbClr val="707070"/>
+                </a:solidFill>
+                <a:latin typeface="Pragmatica" panose="020B0403040502020204" pitchFamily="34" charset="0"/>
+              </a:rPr>
+              <a:t>By the end of this book, you should be able to conduct exploratory data analysis and</a:t>
+            </a:r>
+          </a:p>
+          <a:p>
+            <a:pPr>
+              <a:buClr>
+                <a:srgbClr val="CF3338"/>
+              </a:buClr>
+            </a:pPr>
+            <a:r>
+              <a:rPr lang="en-US" sz="1200" i="1" dirty="0">
+                <a:solidFill>
+                  <a:srgbClr val="707070"/>
+                </a:solidFill>
+                <a:latin typeface="Pragmatica" panose="020B0403040502020204" pitchFamily="34" charset="0"/>
+              </a:rPr>
+              <a:t>hypothesis testing using a programming language.</a:t>
+            </a:r>
+          </a:p>
+          <a:p>
+            <a:endParaRPr lang="en-US" dirty="0"/>
+          </a:p>
+        </p:txBody>
+      </p:sp>
+      <p:sp>
+        <p:nvSpPr>
+          <p:cNvPr id="4" name="Slide Number Placeholder 3"/>
+          <p:cNvSpPr>
+            <a:spLocks noGrp="1"/>
+          </p:cNvSpPr>
+          <p:nvPr>
+            <p:ph type="sldNum" sz="quarter" idx="5"/>
+          </p:nvPr>
+        </p:nvSpPr>
+        <p:spPr/>
+        <p:txBody>
+          <a:bodyPr/>
+          <a:lstStyle/>
+          <a:p>
+            <a:fld id="{3BB66621-ADCC-4EF8-8003-B9D3E881DCD2}" type="slidenum">
+              <a:rPr lang="en-US" smtClean="0"/>
+              <a:t>28</a:t>
+            </a:fld>
+            <a:endParaRPr lang="en-US"/>
+          </a:p>
+        </p:txBody>
+      </p:sp>
+    </p:spTree>
+    <p:extLst>
+      <p:ext uri="{BB962C8B-B14F-4D97-AF65-F5344CB8AC3E}">
+        <p14:creationId xmlns:p14="http://schemas.microsoft.com/office/powerpoint/2010/main" val="2096946352"/>
+      </p:ext>
+    </p:extLst>
+  </p:cSld>
+  <p:clrMapOvr>
+    <a:masterClrMapping/>
+  </p:clrMapOvr>
+</p:notes>
+</file>
+
+<file path=ppt/notesSlides/notesSlide28.xml><?xml version="1.0" encoding="utf-8"?>
+<p:notes xmlns:a="http://schemas.openxmlformats.org/drawingml/2006/main" xmlns:r="http://schemas.openxmlformats.org/officeDocument/2006/relationships" xmlns:p="http://schemas.openxmlformats.org/presentationml/2006/main">
+  <p:cSld>
+    <p:spTree>
+      <p:nvGrpSpPr>
+        <p:cNvPr id="1" name=""/>
+        <p:cNvGrpSpPr/>
+        <p:nvPr/>
+      </p:nvGrpSpPr>
+      <p:grpSpPr>
+        <a:xfrm>
+          <a:off x="0" y="0"/>
+          <a:ext cx="0" cy="0"/>
+          <a:chOff x="0" y="0"/>
+          <a:chExt cx="0" cy="0"/>
+        </a:xfrm>
+      </p:grpSpPr>
+      <p:sp>
+        <p:nvSpPr>
+          <p:cNvPr id="2" name="Slide Image Placeholder 1"/>
+          <p:cNvSpPr>
+            <a:spLocks noGrp="1" noRot="1" noChangeAspect="1"/>
+          </p:cNvSpPr>
+          <p:nvPr>
+            <p:ph type="sldImg"/>
+          </p:nvPr>
+        </p:nvSpPr>
+        <p:spPr/>
+      </p:sp>
+      <p:sp>
+        <p:nvSpPr>
+          <p:cNvPr id="3" name="Notes Placeholder 2"/>
+          <p:cNvSpPr>
+            <a:spLocks noGrp="1"/>
+          </p:cNvSpPr>
+          <p:nvPr>
+            <p:ph type="body" idx="1"/>
+          </p:nvPr>
+        </p:nvSpPr>
+        <p:spPr/>
+        <p:txBody>
+          <a:bodyPr/>
+          <a:lstStyle/>
+          <a:p>
+            <a:pPr>
+              <a:buClr>
+                <a:srgbClr val="CF3338"/>
+              </a:buClr>
+            </a:pPr>
+            <a:r>
+              <a:rPr lang="en-US" sz="1200" i="1" dirty="0">
+                <a:solidFill>
+                  <a:srgbClr val="707070"/>
+                </a:solidFill>
+                <a:latin typeface="Pragmatica" panose="020B0403040502020204" pitchFamily="34" charset="0"/>
+              </a:rPr>
+              <a:t>By the end of this book, you should be able to conduct exploratory data analysis and</a:t>
+            </a:r>
+          </a:p>
+          <a:p>
+            <a:pPr>
+              <a:buClr>
+                <a:srgbClr val="CF3338"/>
+              </a:buClr>
+            </a:pPr>
+            <a:r>
+              <a:rPr lang="en-US" sz="1200" i="1" dirty="0">
+                <a:solidFill>
+                  <a:srgbClr val="707070"/>
+                </a:solidFill>
+                <a:latin typeface="Pragmatica" panose="020B0403040502020204" pitchFamily="34" charset="0"/>
+              </a:rPr>
+              <a:t>hypothesis testing using a programming language.</a:t>
+            </a:r>
+          </a:p>
+          <a:p>
+            <a:endParaRPr lang="en-US" dirty="0"/>
+          </a:p>
+        </p:txBody>
+      </p:sp>
+      <p:sp>
+        <p:nvSpPr>
+          <p:cNvPr id="4" name="Slide Number Placeholder 3"/>
+          <p:cNvSpPr>
+            <a:spLocks noGrp="1"/>
+          </p:cNvSpPr>
+          <p:nvPr>
+            <p:ph type="sldNum" sz="quarter" idx="5"/>
+          </p:nvPr>
+        </p:nvSpPr>
+        <p:spPr/>
+        <p:txBody>
+          <a:bodyPr/>
+          <a:lstStyle/>
+          <a:p>
+            <a:fld id="{3BB66621-ADCC-4EF8-8003-B9D3E881DCD2}" type="slidenum">
+              <a:rPr lang="en-US" smtClean="0"/>
+              <a:t>29</a:t>
             </a:fld>
             <a:endParaRPr lang="en-US"/>
           </a:p>
@@ -4005,7 +4196,7 @@
     </p:spTree>
     <p:extLst>
       <p:ext uri="{BB962C8B-B14F-4D97-AF65-F5344CB8AC3E}">
-        <p14:creationId xmlns:p14="http://schemas.microsoft.com/office/powerpoint/2010/main" val="4261733413"/>
+        <p14:creationId xmlns:p14="http://schemas.microsoft.com/office/powerpoint/2010/main" val="2598490024"/>
       </p:ext>
     </p:extLst>
   </p:cSld>
@@ -4089,7 +4280,7 @@
     </p:spTree>
     <p:extLst>
       <p:ext uri="{BB962C8B-B14F-4D97-AF65-F5344CB8AC3E}">
-        <p14:creationId xmlns:p14="http://schemas.microsoft.com/office/powerpoint/2010/main" val="2105261237"/>
+        <p14:creationId xmlns:p14="http://schemas.microsoft.com/office/powerpoint/2010/main" val="1171820938"/>
       </p:ext>
     </p:extLst>
   </p:cSld>
@@ -4143,16 +4334,7 @@
           <a:bodyPr/>
           <a:lstStyle/>
           <a:p>
-            <a:r>
-              <a:rPr lang="en-US" dirty="0"/>
-              <a:t>This is different coming from Microsoft, proprietary technology</a:t>
-            </a:r>
-          </a:p>
-          <a:p>
-            <a:r>
-              <a:rPr lang="en-US" dirty="0"/>
-              <a:t>Python is open source what does that mean? </a:t>
-            </a:r>
+            <a:endParaRPr lang="en-US" dirty="0"/>
           </a:p>
         </p:txBody>
       </p:sp>
@@ -4182,7 +4364,7 @@
     </p:spTree>
     <p:extLst>
       <p:ext uri="{BB962C8B-B14F-4D97-AF65-F5344CB8AC3E}">
-        <p14:creationId xmlns:p14="http://schemas.microsoft.com/office/powerpoint/2010/main" val="3138835969"/>
+        <p14:creationId xmlns:p14="http://schemas.microsoft.com/office/powerpoint/2010/main" val="4261733413"/>
       </p:ext>
     </p:extLst>
   </p:cSld>
@@ -4266,7 +4448,7 @@
     </p:spTree>
     <p:extLst>
       <p:ext uri="{BB962C8B-B14F-4D97-AF65-F5344CB8AC3E}">
-        <p14:creationId xmlns:p14="http://schemas.microsoft.com/office/powerpoint/2010/main" val="1413153760"/>
+        <p14:creationId xmlns:p14="http://schemas.microsoft.com/office/powerpoint/2010/main" val="2105261237"/>
       </p:ext>
     </p:extLst>
   </p:cSld>
@@ -4322,15 +4504,13 @@
           <a:p>
             <a:r>
               <a:rPr lang="en-US" dirty="0"/>
-              <a:t>OK now remember that being open source means anyone is free to repackage and redistribute code. In the case of Python the official source code lives with the Python foundation and can be found there. It’s more common however to download from the Anaconda _distribution_ of that code. One of the reasons why is Anaconda comes with some goodies that don’t come with the raw </a:t>
-            </a:r>
-            <a:r>
-              <a:rPr lang="en-US" dirty="0" err="1"/>
-              <a:t>Pyhon</a:t>
-            </a:r>
+              <a:t>This is different coming from Microsoft, proprietary technology</a:t>
+            </a:r>
+          </a:p>
+          <a:p>
             <a:r>
               <a:rPr lang="en-US" dirty="0"/>
-              <a:t> installation. One of those is the Jupyter notebook, which is a browser-based app we’ll be using to work with Python. </a:t>
+              <a:t>Python is open source what does that mean? </a:t>
             </a:r>
           </a:p>
         </p:txBody>
@@ -4361,7 +4541,7 @@
     </p:spTree>
     <p:extLst>
       <p:ext uri="{BB962C8B-B14F-4D97-AF65-F5344CB8AC3E}">
-        <p14:creationId xmlns:p14="http://schemas.microsoft.com/office/powerpoint/2010/main" val="586087745"/>
+        <p14:creationId xmlns:p14="http://schemas.microsoft.com/office/powerpoint/2010/main" val="3138835969"/>
       </p:ext>
     </p:extLst>
   </p:cSld>
@@ -4415,28 +4595,7 @@
           <a:bodyPr/>
           <a:lstStyle/>
           <a:p>
-            <a:r>
-              <a:rPr lang="en-US" dirty="0"/>
-              <a:t>OK again, what I want to do here is just show you the basics of working with Jupyter. You will see in the repo there is an option to launch an interactive session, so do that and let’s navigate the four sections of Jupyter and get comfortable working there. </a:t>
-            </a:r>
-          </a:p>
-          <a:p>
             <a:endParaRPr lang="en-US" dirty="0"/>
-          </a:p>
-          <a:p>
-            <a:r>
-              <a:rPr lang="en-US" dirty="0"/>
-              <a:t>In the demo you’ll get a tour of the notebook and how to work a bit with functions and objects. </a:t>
-            </a:r>
-          </a:p>
-          <a:p>
-            <a:endParaRPr lang="en-US" dirty="0"/>
-          </a:p>
-          <a:p>
-            <a:r>
-              <a:rPr lang="en-US" dirty="0"/>
-              <a:t>Possibly come up with some demo notes for this  </a:t>
-            </a:r>
           </a:p>
         </p:txBody>
       </p:sp>
@@ -4466,7 +4625,7 @@
     </p:spTree>
     <p:extLst>
       <p:ext uri="{BB962C8B-B14F-4D97-AF65-F5344CB8AC3E}">
-        <p14:creationId xmlns:p14="http://schemas.microsoft.com/office/powerpoint/2010/main" val="2263882747"/>
+        <p14:creationId xmlns:p14="http://schemas.microsoft.com/office/powerpoint/2010/main" val="1413153760"/>
       </p:ext>
     </p:extLst>
   </p:cSld>
@@ -4520,7 +4679,18 @@
           <a:bodyPr/>
           <a:lstStyle/>
           <a:p>
-            <a:endParaRPr lang="en-US" dirty="0"/>
+            <a:r>
+              <a:rPr lang="en-US" dirty="0"/>
+              <a:t>OK now remember that being open source means anyone is free to repackage and redistribute code. In the case of Python the official source code lives with the Python foundation and can be found there. It’s more common however to download from the Anaconda _distribution_ of that code. One of the reasons why is Anaconda comes with some goodies that don’t come with the raw </a:t>
+            </a:r>
+            <a:r>
+              <a:rPr lang="en-US" dirty="0" err="1"/>
+              <a:t>Pyhon</a:t>
+            </a:r>
+            <a:r>
+              <a:rPr lang="en-US" dirty="0"/>
+              <a:t> installation. One of those is the Jupyter notebook, which is a browser-based app we’ll be using to work with Python. </a:t>
+            </a:r>
           </a:p>
         </p:txBody>
       </p:sp>
@@ -4550,7 +4720,7 @@
     </p:spTree>
     <p:extLst>
       <p:ext uri="{BB962C8B-B14F-4D97-AF65-F5344CB8AC3E}">
-        <p14:creationId xmlns:p14="http://schemas.microsoft.com/office/powerpoint/2010/main" val="4257777998"/>
+        <p14:creationId xmlns:p14="http://schemas.microsoft.com/office/powerpoint/2010/main" val="586087745"/>
       </p:ext>
     </p:extLst>
   </p:cSld>
@@ -7669,8 +7839,8 @@
         </p:nvSpPr>
         <p:spPr>
           <a:xfrm>
-            <a:off x="173620" y="219919"/>
-            <a:ext cx="5937813" cy="954107"/>
+            <a:off x="57991" y="218174"/>
+            <a:ext cx="6516429" cy="3970318"/>
           </a:xfrm>
           <a:prstGeom prst="rect">
             <a:avLst/>
@@ -7690,7 +7860,44 @@
                 </a:solidFill>
                 <a:latin typeface="Pragmatica" pitchFamily="2" charset="0"/>
               </a:rPr>
-              <a:t>File: </a:t>
+              <a:t>Navigate </a:t>
+            </a:r>
+            <a:r>
+              <a:rPr lang="en-US" sz="2800" b="1" dirty="0" err="1">
+                <a:solidFill>
+                  <a:srgbClr val="CF3338"/>
+                </a:solidFill>
+                <a:latin typeface="Pragmatica" pitchFamily="2" charset="0"/>
+              </a:rPr>
+              <a:t>Jupyter</a:t>
+            </a:r>
+            <a:r>
+              <a:rPr lang="en-US" sz="2800" b="1" dirty="0">
+                <a:solidFill>
+                  <a:srgbClr val="CF3338"/>
+                </a:solidFill>
+                <a:latin typeface="Pragmatica" pitchFamily="2" charset="0"/>
+              </a:rPr>
+              <a:t>, starting with 1 + 1</a:t>
+            </a:r>
+          </a:p>
+          <a:p>
+            <a:endParaRPr lang="en-US" sz="2800" b="1" dirty="0">
+              <a:solidFill>
+                <a:srgbClr val="CF3338"/>
+              </a:solidFill>
+              <a:latin typeface="Pragmatica" pitchFamily="2" charset="0"/>
+            </a:endParaRPr>
+          </a:p>
+          <a:p>
+            <a:r>
+              <a:rPr lang="en-US" sz="2800" b="1" dirty="0">
+                <a:solidFill>
+                  <a:srgbClr val="CF3338"/>
+                </a:solidFill>
+                <a:latin typeface="Pragmatica" pitchFamily="2" charset="0"/>
+              </a:rPr>
+              <a:t>File: Open a new </a:t>
             </a:r>
             <a:r>
               <a:rPr lang="en-US" sz="2800" b="1" dirty="0">
@@ -7699,7 +7906,25 @@
                 </a:solidFill>
                 <a:latin typeface="Consolas" panose="020B0609020204030204" pitchFamily="49" charset="0"/>
               </a:rPr>
-              <a:t>thing-2.ipynb</a:t>
+              <a:t>.</a:t>
+            </a:r>
+            <a:r>
+              <a:rPr lang="en-US" sz="2800" b="1" dirty="0" err="1">
+                <a:solidFill>
+                  <a:srgbClr val="CF3338"/>
+                </a:solidFill>
+                <a:latin typeface="Consolas" panose="020B0609020204030204" pitchFamily="49" charset="0"/>
+              </a:rPr>
+              <a:t>ipynb</a:t>
+            </a:r>
+            <a:r>
+              <a:rPr lang="en-US" sz="2800" b="1" dirty="0">
+                <a:solidFill>
+                  <a:srgbClr val="CF3338"/>
+                </a:solidFill>
+                <a:latin typeface="Pragmatica" pitchFamily="2" charset="0"/>
+              </a:rPr>
+              <a:t> notebook…</a:t>
             </a:r>
           </a:p>
           <a:p>
@@ -7707,17 +7932,117 @@
               <a:solidFill>
                 <a:srgbClr val="CF3338"/>
               </a:solidFill>
-              <a:latin typeface="Consolas" panose="020B0609020204030204" pitchFamily="49" charset="0"/>
+              <a:latin typeface="Pragmatica" pitchFamily="2" charset="0"/>
             </a:endParaRPr>
           </a:p>
-        </p:txBody>
-      </p:sp>
-      <p:sp>
-        <p:nvSpPr>
-          <p:cNvPr id="7" name="TextBox 6">
+          <a:p>
+            <a:endParaRPr lang="en-US" sz="2800" b="1" dirty="0">
+              <a:solidFill>
+                <a:srgbClr val="CF3338"/>
+              </a:solidFill>
+              <a:latin typeface="Pragmatica" pitchFamily="2" charset="0"/>
+            </a:endParaRPr>
+          </a:p>
+          <a:p>
+            <a:endParaRPr lang="en-US" sz="2800" b="1" dirty="0">
+              <a:solidFill>
+                <a:srgbClr val="CF3338"/>
+              </a:solidFill>
+              <a:latin typeface="Pragmatica" pitchFamily="2" charset="0"/>
+            </a:endParaRPr>
+          </a:p>
+          <a:p>
+            <a:endParaRPr lang="en-US" sz="2800" b="1" dirty="0">
+              <a:solidFill>
+                <a:srgbClr val="CF3338"/>
+              </a:solidFill>
+              <a:latin typeface="Pragmatica" pitchFamily="2" charset="0"/>
+            </a:endParaRPr>
+          </a:p>
+          <a:p>
+            <a:endParaRPr lang="en-US" sz="2800" b="1" dirty="0">
+              <a:solidFill>
+                <a:srgbClr val="CF3338"/>
+              </a:solidFill>
+              <a:latin typeface="Pragmatica" pitchFamily="2" charset="0"/>
+            </a:endParaRPr>
+          </a:p>
+          <a:p>
+            <a:endParaRPr lang="en-US" sz="2800" b="1" dirty="0">
+              <a:solidFill>
+                <a:srgbClr val="CF3338"/>
+              </a:solidFill>
+              <a:latin typeface="Pragmatica" pitchFamily="2" charset="0"/>
+            </a:endParaRPr>
+          </a:p>
+        </p:txBody>
+      </p:sp>
+      <p:pic>
+        <p:nvPicPr>
+          <p:cNvPr id="9" name="Picture 8">
             <a:extLst>
               <a:ext uri="{FF2B5EF4-FFF2-40B4-BE49-F238E27FC236}">
-                <a16:creationId xmlns:a16="http://schemas.microsoft.com/office/drawing/2014/main" id="{855BC584-A237-4C91-9DAB-ADA80256CAC8}"/>
+                <a16:creationId xmlns:a16="http://schemas.microsoft.com/office/drawing/2014/main" id="{54086B7D-6DA5-45E4-BFAC-565935D853D4}"/>
+              </a:ext>
+            </a:extLst>
+          </p:cNvPr>
+          <p:cNvPicPr>
+            <a:picLocks noChangeAspect="1"/>
+          </p:cNvPicPr>
+          <p:nvPr/>
+        </p:nvPicPr>
+        <p:blipFill>
+          <a:blip r:embed="rId4"/>
+          <a:stretch>
+            <a:fillRect/>
+          </a:stretch>
+        </p:blipFill>
+        <p:spPr>
+          <a:xfrm>
+            <a:off x="392397" y="3923670"/>
+            <a:ext cx="9856197" cy="2646866"/>
+          </a:xfrm>
+          <a:prstGeom prst="rect">
+            <a:avLst/>
+          </a:prstGeom>
+        </p:spPr>
+      </p:pic>
+      <p:pic>
+        <p:nvPicPr>
+          <p:cNvPr id="11" name="Picture 10">
+            <a:extLst>
+              <a:ext uri="{FF2B5EF4-FFF2-40B4-BE49-F238E27FC236}">
+                <a16:creationId xmlns:a16="http://schemas.microsoft.com/office/drawing/2014/main" id="{3CD83BF2-3603-4E70-91DF-99EE1A9BEFA8}"/>
+              </a:ext>
+            </a:extLst>
+          </p:cNvPr>
+          <p:cNvPicPr>
+            <a:picLocks noChangeAspect="1"/>
+          </p:cNvPicPr>
+          <p:nvPr/>
+        </p:nvPicPr>
+        <p:blipFill>
+          <a:blip r:embed="rId5"/>
+          <a:stretch>
+            <a:fillRect/>
+          </a:stretch>
+        </p:blipFill>
+        <p:spPr>
+          <a:xfrm>
+            <a:off x="893963" y="2632993"/>
+            <a:ext cx="4844484" cy="835256"/>
+          </a:xfrm>
+          <a:prstGeom prst="rect">
+            <a:avLst/>
+          </a:prstGeom>
+        </p:spPr>
+      </p:pic>
+      <p:sp>
+        <p:nvSpPr>
+          <p:cNvPr id="13" name="TextBox 12">
+            <a:extLst>
+              <a:ext uri="{FF2B5EF4-FFF2-40B4-BE49-F238E27FC236}">
+                <a16:creationId xmlns:a16="http://schemas.microsoft.com/office/drawing/2014/main" id="{15039CAE-3A25-441F-86F2-FB512EB8851E}"/>
               </a:ext>
             </a:extLst>
           </p:cNvPr>
@@ -7726,8 +8051,8 @@
         </p:nvSpPr>
         <p:spPr>
           <a:xfrm>
-            <a:off x="158187" y="1446550"/>
-            <a:ext cx="5937813" cy="1692771"/>
+            <a:off x="5429963" y="4120693"/>
+            <a:ext cx="1963024" cy="523220"/>
           </a:xfrm>
           <a:prstGeom prst="rect">
             <a:avLst/>
@@ -7741,66 +8066,131 @@
           <a:lstStyle/>
           <a:p>
             <a:r>
-              <a:rPr lang="en-US" sz="2600" b="1" dirty="0">
+              <a:rPr lang="en-US" sz="2800" dirty="0">
                 <a:solidFill>
                   <a:srgbClr val="CF3338"/>
                 </a:solidFill>
-                <a:latin typeface="Pragmatica" pitchFamily="2" charset="0"/>
+                <a:latin typeface="Aliens &amp; cows" panose="00000500000000000000" pitchFamily="2" charset="0"/>
               </a:rPr>
-              <a:t>How does Python handle</a:t>
-            </a:r>
-          </a:p>
-          <a:p>
-            <a:pPr marL="457200" indent="-457200">
-              <a:buFont typeface="Arial" panose="020B0604020202020204" pitchFamily="34" charset="0"/>
-              <a:buChar char="•"/>
-            </a:pPr>
-            <a:r>
-              <a:rPr lang="en-US" sz="2600" b="1" dirty="0">
+              <a:t>Menu bar</a:t>
+            </a:r>
+          </a:p>
+        </p:txBody>
+      </p:sp>
+      <p:sp>
+        <p:nvSpPr>
+          <p:cNvPr id="14" name="TextBox 13">
+            <a:extLst>
+              <a:ext uri="{FF2B5EF4-FFF2-40B4-BE49-F238E27FC236}">
+                <a16:creationId xmlns:a16="http://schemas.microsoft.com/office/drawing/2014/main" id="{B4BC673B-ED2C-4075-A2A9-AF56F43DCED5}"/>
+              </a:ext>
+            </a:extLst>
+          </p:cNvPr>
+          <p:cNvSpPr txBox="1"/>
+          <p:nvPr/>
+        </p:nvSpPr>
+        <p:spPr>
+          <a:xfrm>
+            <a:off x="6091171" y="4522932"/>
+            <a:ext cx="1963024" cy="523220"/>
+          </a:xfrm>
+          <a:prstGeom prst="rect">
+            <a:avLst/>
+          </a:prstGeom>
+          <a:noFill/>
+        </p:spPr>
+        <p:txBody>
+          <a:bodyPr wrap="square" rtlCol="0">
+            <a:spAutoFit/>
+          </a:bodyPr>
+          <a:lstStyle/>
+          <a:p>
+            <a:r>
+              <a:rPr lang="en-US" sz="2800" dirty="0">
                 <a:solidFill>
                   <a:srgbClr val="CF3338"/>
                 </a:solidFill>
-                <a:latin typeface="Pragmatica" pitchFamily="2" charset="0"/>
+                <a:latin typeface="Aliens &amp; cows" panose="00000500000000000000" pitchFamily="2" charset="0"/>
               </a:rPr>
-              <a:t>Case sensitivity?</a:t>
-            </a:r>
-          </a:p>
-          <a:p>
-            <a:pPr marL="457200" indent="-457200">
-              <a:buFont typeface="Arial" panose="020B0604020202020204" pitchFamily="34" charset="0"/>
-              <a:buChar char="•"/>
-            </a:pPr>
-            <a:r>
-              <a:rPr lang="en-US" sz="2600" b="1" dirty="0">
+              <a:t>Toolbar</a:t>
+            </a:r>
+          </a:p>
+        </p:txBody>
+      </p:sp>
+      <p:sp>
+        <p:nvSpPr>
+          <p:cNvPr id="15" name="TextBox 14">
+            <a:extLst>
+              <a:ext uri="{FF2B5EF4-FFF2-40B4-BE49-F238E27FC236}">
+                <a16:creationId xmlns:a16="http://schemas.microsoft.com/office/drawing/2014/main" id="{65490B59-D9B7-4C84-BA19-C822A1B450EF}"/>
+              </a:ext>
+            </a:extLst>
+          </p:cNvPr>
+          <p:cNvSpPr txBox="1"/>
+          <p:nvPr/>
+        </p:nvSpPr>
+        <p:spPr>
+          <a:xfrm>
+            <a:off x="1933748" y="5247103"/>
+            <a:ext cx="1963024" cy="523220"/>
+          </a:xfrm>
+          <a:prstGeom prst="rect">
+            <a:avLst/>
+          </a:prstGeom>
+          <a:noFill/>
+        </p:spPr>
+        <p:txBody>
+          <a:bodyPr wrap="square" rtlCol="0">
+            <a:spAutoFit/>
+          </a:bodyPr>
+          <a:lstStyle/>
+          <a:p>
+            <a:r>
+              <a:rPr lang="en-US" sz="2800" dirty="0">
                 <a:solidFill>
                   <a:srgbClr val="CF3338"/>
                 </a:solidFill>
-                <a:latin typeface="Pragmatica" pitchFamily="2" charset="0"/>
+                <a:latin typeface="Aliens &amp; cows" panose="00000500000000000000" pitchFamily="2" charset="0"/>
               </a:rPr>
-              <a:t>Indexing?</a:t>
-            </a:r>
-          </a:p>
-          <a:p>
-            <a:pPr marL="457200" indent="-457200">
-              <a:buFont typeface="Arial" panose="020B0604020202020204" pitchFamily="34" charset="0"/>
-              <a:buChar char="•"/>
-            </a:pPr>
-            <a:r>
-              <a:rPr lang="en-US" sz="2600" b="1" dirty="0">
-                <a:solidFill>
-                  <a:srgbClr val="CF3338"/>
-                </a:solidFill>
-                <a:latin typeface="Pragmatica" pitchFamily="2" charset="0"/>
-              </a:rPr>
-              <a:t>Whitespace?</a:t>
-            </a:r>
-          </a:p>
-        </p:txBody>
-      </p:sp>
+              <a:t>Code cell</a:t>
+            </a:r>
+          </a:p>
+        </p:txBody>
+      </p:sp>
+      <p:pic>
+        <p:nvPicPr>
+          <p:cNvPr id="7" name="Picture 6">
+            <a:extLst>
+              <a:ext uri="{FF2B5EF4-FFF2-40B4-BE49-F238E27FC236}">
+                <a16:creationId xmlns:a16="http://schemas.microsoft.com/office/drawing/2014/main" id="{0F85E3EE-BAB2-4C99-9B93-4F60B150B0CA}"/>
+              </a:ext>
+            </a:extLst>
+          </p:cNvPr>
+          <p:cNvPicPr>
+            <a:picLocks noChangeAspect="1"/>
+          </p:cNvPicPr>
+          <p:nvPr/>
+        </p:nvPicPr>
+        <p:blipFill>
+          <a:blip r:embed="rId6"/>
+          <a:stretch>
+            <a:fillRect/>
+          </a:stretch>
+        </p:blipFill>
+        <p:spPr>
+          <a:xfrm>
+            <a:off x="9252068" y="829504"/>
+            <a:ext cx="2100460" cy="2605088"/>
+          </a:xfrm>
+          <a:prstGeom prst="rect">
+            <a:avLst/>
+          </a:prstGeom>
+        </p:spPr>
+      </p:pic>
     </p:spTree>
     <p:extLst>
       <p:ext uri="{BB962C8B-B14F-4D97-AF65-F5344CB8AC3E}">
-        <p14:creationId xmlns:p14="http://schemas.microsoft.com/office/powerpoint/2010/main" val="3395063419"/>
+        <p14:creationId xmlns:p14="http://schemas.microsoft.com/office/powerpoint/2010/main" val="160382419"/>
       </p:ext>
     </p:extLst>
   </p:cSld>
@@ -7899,6 +8289,385 @@
                 </a:solidFill>
                 <a:latin typeface="Pragmatica" panose="020B0403040502020204"/>
               </a:rPr>
+              <a:t>2. It’s finnicky… or maybe logical?</a:t>
+            </a:r>
+          </a:p>
+        </p:txBody>
+      </p:sp>
+    </p:spTree>
+    <p:extLst>
+      <p:ext uri="{BB962C8B-B14F-4D97-AF65-F5344CB8AC3E}">
+        <p14:creationId xmlns:p14="http://schemas.microsoft.com/office/powerpoint/2010/main" val="1991586970"/>
+      </p:ext>
+    </p:extLst>
+  </p:cSld>
+  <p:clrMapOvr>
+    <a:masterClrMapping/>
+  </p:clrMapOvr>
+</p:sld>
+</file>
+
+<file path=ppt/slides/slide12.xml><?xml version="1.0" encoding="utf-8"?>
+<p:sld xmlns:a="http://schemas.openxmlformats.org/drawingml/2006/main" xmlns:r="http://schemas.openxmlformats.org/officeDocument/2006/relationships" xmlns:p="http://schemas.openxmlformats.org/presentationml/2006/main">
+  <p:cSld>
+    <p:spTree>
+      <p:nvGrpSpPr>
+        <p:cNvPr id="1" name=""/>
+        <p:cNvGrpSpPr/>
+        <p:nvPr/>
+      </p:nvGrpSpPr>
+      <p:grpSpPr>
+        <a:xfrm>
+          <a:off x="0" y="0"/>
+          <a:ext cx="0" cy="0"/>
+          <a:chOff x="0" y="0"/>
+          <a:chExt cx="0" cy="0"/>
+        </a:xfrm>
+      </p:grpSpPr>
+      <p:sp>
+        <p:nvSpPr>
+          <p:cNvPr id="4" name="Rectangle 3"/>
+          <p:cNvSpPr/>
+          <p:nvPr/>
+        </p:nvSpPr>
+        <p:spPr>
+          <a:xfrm>
+            <a:off x="6574420" y="0"/>
+            <a:ext cx="5617580" cy="6858000"/>
+          </a:xfrm>
+          <a:prstGeom prst="rect">
+            <a:avLst/>
+          </a:prstGeom>
+          <a:solidFill>
+            <a:srgbClr val="CF3338"/>
+          </a:solidFill>
+        </p:spPr>
+        <p:style>
+          <a:lnRef idx="2">
+            <a:schemeClr val="accent1">
+              <a:shade val="50000"/>
+            </a:schemeClr>
+          </a:lnRef>
+          <a:fillRef idx="1">
+            <a:schemeClr val="accent1"/>
+          </a:fillRef>
+          <a:effectRef idx="0">
+            <a:schemeClr val="accent1"/>
+          </a:effectRef>
+          <a:fontRef idx="minor">
+            <a:schemeClr val="lt1"/>
+          </a:fontRef>
+        </p:style>
+        <p:txBody>
+          <a:bodyPr rtlCol="0" anchor="ctr"/>
+          <a:lstStyle/>
+          <a:p>
+            <a:pPr algn="ctr"/>
+            <a:endParaRPr lang="en-US"/>
+          </a:p>
+        </p:txBody>
+      </p:sp>
+      <p:sp>
+        <p:nvSpPr>
+          <p:cNvPr id="5" name="TextBox 4"/>
+          <p:cNvSpPr txBox="1"/>
+          <p:nvPr/>
+        </p:nvSpPr>
+        <p:spPr>
+          <a:xfrm>
+            <a:off x="6817489" y="0"/>
+            <a:ext cx="4120587" cy="1446550"/>
+          </a:xfrm>
+          <a:prstGeom prst="rect">
+            <a:avLst/>
+          </a:prstGeom>
+          <a:noFill/>
+        </p:spPr>
+        <p:txBody>
+          <a:bodyPr wrap="square" rtlCol="0">
+            <a:spAutoFit/>
+          </a:bodyPr>
+          <a:lstStyle/>
+          <a:p>
+            <a:r>
+              <a:rPr lang="en-US" sz="8800" dirty="0">
+                <a:solidFill>
+                  <a:schemeClr val="bg1"/>
+                </a:solidFill>
+                <a:latin typeface="Aliens &amp; cows" panose="00000500000000000000" pitchFamily="2" charset="0"/>
+              </a:rPr>
+              <a:t>Demo</a:t>
+            </a:r>
+          </a:p>
+        </p:txBody>
+      </p:sp>
+      <p:pic>
+        <p:nvPicPr>
+          <p:cNvPr id="2" name="Picture 1"/>
+          <p:cNvPicPr>
+            <a:picLocks noChangeAspect="1"/>
+          </p:cNvPicPr>
+          <p:nvPr/>
+        </p:nvPicPr>
+        <p:blipFill rotWithShape="1">
+          <a:blip r:embed="rId3">
+            <a:extLst>
+              <a:ext uri="{28A0092B-C50C-407E-A947-70E740481C1C}">
+                <a14:useLocalDpi xmlns:a14="http://schemas.microsoft.com/office/drawing/2010/main" val="0"/>
+              </a:ext>
+            </a:extLst>
+          </a:blip>
+          <a:srcRect l="69227" t="33418" r="20112" b="50548"/>
+          <a:stretch/>
+        </p:blipFill>
+        <p:spPr>
+          <a:xfrm>
+            <a:off x="10386349" y="5029795"/>
+            <a:ext cx="1805651" cy="1991719"/>
+          </a:xfrm>
+          <a:prstGeom prst="rect">
+            <a:avLst/>
+          </a:prstGeom>
+        </p:spPr>
+      </p:pic>
+      <p:sp>
+        <p:nvSpPr>
+          <p:cNvPr id="3" name="TextBox 2"/>
+          <p:cNvSpPr txBox="1"/>
+          <p:nvPr/>
+        </p:nvSpPr>
+        <p:spPr>
+          <a:xfrm>
+            <a:off x="173620" y="219919"/>
+            <a:ext cx="5937813" cy="954107"/>
+          </a:xfrm>
+          <a:prstGeom prst="rect">
+            <a:avLst/>
+          </a:prstGeom>
+          <a:noFill/>
+        </p:spPr>
+        <p:txBody>
+          <a:bodyPr wrap="square" rtlCol="0">
+            <a:spAutoFit/>
+          </a:bodyPr>
+          <a:lstStyle/>
+          <a:p>
+            <a:r>
+              <a:rPr lang="en-US" sz="2800" b="1" dirty="0">
+                <a:solidFill>
+                  <a:srgbClr val="CF3338"/>
+                </a:solidFill>
+                <a:latin typeface="Pragmatica" pitchFamily="2" charset="0"/>
+              </a:rPr>
+              <a:t>File: </a:t>
+            </a:r>
+            <a:r>
+              <a:rPr lang="en-US" sz="2800" b="1" dirty="0">
+                <a:solidFill>
+                  <a:srgbClr val="CF3338"/>
+                </a:solidFill>
+                <a:latin typeface="Consolas" panose="020B0609020204030204" pitchFamily="49" charset="0"/>
+              </a:rPr>
+              <a:t>thing-2.ipynb</a:t>
+            </a:r>
+          </a:p>
+          <a:p>
+            <a:endParaRPr lang="en-US" sz="2800" b="1" dirty="0">
+              <a:solidFill>
+                <a:srgbClr val="CF3338"/>
+              </a:solidFill>
+              <a:latin typeface="Consolas" panose="020B0609020204030204" pitchFamily="49" charset="0"/>
+            </a:endParaRPr>
+          </a:p>
+        </p:txBody>
+      </p:sp>
+      <p:sp>
+        <p:nvSpPr>
+          <p:cNvPr id="7" name="TextBox 6">
+            <a:extLst>
+              <a:ext uri="{FF2B5EF4-FFF2-40B4-BE49-F238E27FC236}">
+                <a16:creationId xmlns:a16="http://schemas.microsoft.com/office/drawing/2014/main" id="{855BC584-A237-4C91-9DAB-ADA80256CAC8}"/>
+              </a:ext>
+            </a:extLst>
+          </p:cNvPr>
+          <p:cNvSpPr txBox="1"/>
+          <p:nvPr/>
+        </p:nvSpPr>
+        <p:spPr>
+          <a:xfrm>
+            <a:off x="158187" y="1446550"/>
+            <a:ext cx="5937813" cy="1692771"/>
+          </a:xfrm>
+          <a:prstGeom prst="rect">
+            <a:avLst/>
+          </a:prstGeom>
+          <a:noFill/>
+        </p:spPr>
+        <p:txBody>
+          <a:bodyPr wrap="square" rtlCol="0">
+            <a:spAutoFit/>
+          </a:bodyPr>
+          <a:lstStyle/>
+          <a:p>
+            <a:r>
+              <a:rPr lang="en-US" sz="2600" b="1" dirty="0">
+                <a:solidFill>
+                  <a:srgbClr val="CF3338"/>
+                </a:solidFill>
+                <a:latin typeface="Pragmatica" pitchFamily="2" charset="0"/>
+              </a:rPr>
+              <a:t>How does Python handle</a:t>
+            </a:r>
+          </a:p>
+          <a:p>
+            <a:pPr marL="457200" indent="-457200">
+              <a:buFont typeface="Arial" panose="020B0604020202020204" pitchFamily="34" charset="0"/>
+              <a:buChar char="•"/>
+            </a:pPr>
+            <a:r>
+              <a:rPr lang="en-US" sz="2600" b="1" dirty="0">
+                <a:solidFill>
+                  <a:srgbClr val="CF3338"/>
+                </a:solidFill>
+                <a:latin typeface="Pragmatica" pitchFamily="2" charset="0"/>
+              </a:rPr>
+              <a:t>Case sensitivity?</a:t>
+            </a:r>
+          </a:p>
+          <a:p>
+            <a:pPr marL="457200" indent="-457200">
+              <a:buFont typeface="Arial" panose="020B0604020202020204" pitchFamily="34" charset="0"/>
+              <a:buChar char="•"/>
+            </a:pPr>
+            <a:r>
+              <a:rPr lang="en-US" sz="2600" b="1" dirty="0">
+                <a:solidFill>
+                  <a:srgbClr val="CF3338"/>
+                </a:solidFill>
+                <a:latin typeface="Pragmatica" pitchFamily="2" charset="0"/>
+              </a:rPr>
+              <a:t>Indexing?</a:t>
+            </a:r>
+          </a:p>
+          <a:p>
+            <a:pPr marL="457200" indent="-457200">
+              <a:buFont typeface="Arial" panose="020B0604020202020204" pitchFamily="34" charset="0"/>
+              <a:buChar char="•"/>
+            </a:pPr>
+            <a:r>
+              <a:rPr lang="en-US" sz="2600" b="1" dirty="0">
+                <a:solidFill>
+                  <a:srgbClr val="CF3338"/>
+                </a:solidFill>
+                <a:latin typeface="Pragmatica" pitchFamily="2" charset="0"/>
+              </a:rPr>
+              <a:t>Whitespace?</a:t>
+            </a:r>
+          </a:p>
+        </p:txBody>
+      </p:sp>
+    </p:spTree>
+    <p:extLst>
+      <p:ext uri="{BB962C8B-B14F-4D97-AF65-F5344CB8AC3E}">
+        <p14:creationId xmlns:p14="http://schemas.microsoft.com/office/powerpoint/2010/main" val="3395063419"/>
+      </p:ext>
+    </p:extLst>
+  </p:cSld>
+  <p:clrMapOvr>
+    <a:masterClrMapping/>
+  </p:clrMapOvr>
+</p:sld>
+</file>
+
+<file path=ppt/slides/slide13.xml><?xml version="1.0" encoding="utf-8"?>
+<p:sld xmlns:a="http://schemas.openxmlformats.org/drawingml/2006/main" xmlns:r="http://schemas.openxmlformats.org/officeDocument/2006/relationships" xmlns:p="http://schemas.openxmlformats.org/presentationml/2006/main">
+  <p:cSld>
+    <p:spTree>
+      <p:nvGrpSpPr>
+        <p:cNvPr id="1" name=""/>
+        <p:cNvGrpSpPr/>
+        <p:nvPr/>
+      </p:nvGrpSpPr>
+      <p:grpSpPr>
+        <a:xfrm>
+          <a:off x="0" y="0"/>
+          <a:ext cx="0" cy="0"/>
+          <a:chOff x="0" y="0"/>
+          <a:chExt cx="0" cy="0"/>
+        </a:xfrm>
+      </p:grpSpPr>
+      <p:sp>
+        <p:nvSpPr>
+          <p:cNvPr id="4" name="Rectangle 3"/>
+          <p:cNvSpPr/>
+          <p:nvPr/>
+        </p:nvSpPr>
+        <p:spPr>
+          <a:xfrm>
+            <a:off x="0" y="0"/>
+            <a:ext cx="12192000" cy="6858000"/>
+          </a:xfrm>
+          <a:prstGeom prst="rect">
+            <a:avLst/>
+          </a:prstGeom>
+          <a:solidFill>
+            <a:srgbClr val="CF3338"/>
+          </a:solidFill>
+        </p:spPr>
+        <p:style>
+          <a:lnRef idx="2">
+            <a:schemeClr val="accent1">
+              <a:shade val="50000"/>
+            </a:schemeClr>
+          </a:lnRef>
+          <a:fillRef idx="1">
+            <a:schemeClr val="accent1"/>
+          </a:fillRef>
+          <a:effectRef idx="0">
+            <a:schemeClr val="accent1"/>
+          </a:effectRef>
+          <a:fontRef idx="minor">
+            <a:schemeClr val="lt1"/>
+          </a:fontRef>
+        </p:style>
+        <p:txBody>
+          <a:bodyPr rtlCol="0" anchor="ctr"/>
+          <a:lstStyle/>
+          <a:p>
+            <a:pPr algn="ctr"/>
+            <a:endParaRPr lang="en-US"/>
+          </a:p>
+        </p:txBody>
+      </p:sp>
+      <p:sp>
+        <p:nvSpPr>
+          <p:cNvPr id="5" name="TextBox 4"/>
+          <p:cNvSpPr txBox="1"/>
+          <p:nvPr/>
+        </p:nvSpPr>
+        <p:spPr>
+          <a:xfrm>
+            <a:off x="520861" y="393539"/>
+            <a:ext cx="10324617" cy="2123658"/>
+          </a:xfrm>
+          <a:prstGeom prst="rect">
+            <a:avLst/>
+          </a:prstGeom>
+          <a:noFill/>
+        </p:spPr>
+        <p:txBody>
+          <a:bodyPr wrap="square" rtlCol="0">
+            <a:spAutoFit/>
+          </a:bodyPr>
+          <a:lstStyle/>
+          <a:p>
+            <a:r>
+              <a:rPr lang="en-US" sz="6600" b="1" dirty="0">
+                <a:solidFill>
+                  <a:schemeClr val="bg1"/>
+                </a:solidFill>
+                <a:latin typeface="Pragmatica" panose="020B0403040502020204"/>
+              </a:rPr>
               <a:t>3. There’s a package for that!</a:t>
             </a:r>
           </a:p>
@@ -7917,7 +8686,7 @@
 </p:sld>
 </file>
 
-<file path=ppt/slides/slide12.xml><?xml version="1.0" encoding="utf-8"?>
+<file path=ppt/slides/slide14.xml><?xml version="1.0" encoding="utf-8"?>
 <p:sld xmlns:a="http://schemas.openxmlformats.org/drawingml/2006/main" xmlns:r="http://schemas.openxmlformats.org/officeDocument/2006/relationships" xmlns:p="http://schemas.openxmlformats.org/presentationml/2006/main">
   <p:cSld>
     <p:spTree>
@@ -8553,7 +9322,7 @@
 </p:sld>
 </file>
 
-<file path=ppt/slides/slide13.xml><?xml version="1.0" encoding="utf-8"?>
+<file path=ppt/slides/slide15.xml><?xml version="1.0" encoding="utf-8"?>
 <p:sld xmlns:a="http://schemas.openxmlformats.org/drawingml/2006/main" xmlns:r="http://schemas.openxmlformats.org/officeDocument/2006/relationships" xmlns:p="http://schemas.openxmlformats.org/presentationml/2006/main">
   <p:cSld>
     <p:spTree>
@@ -8891,7 +9660,7 @@
 </p:sld>
 </file>
 
-<file path=ppt/slides/slide14.xml><?xml version="1.0" encoding="utf-8"?>
+<file path=ppt/slides/slide16.xml><?xml version="1.0" encoding="utf-8"?>
 <p:sld xmlns:a="http://schemas.openxmlformats.org/drawingml/2006/main" xmlns:r="http://schemas.openxmlformats.org/officeDocument/2006/relationships" xmlns:p="http://schemas.openxmlformats.org/presentationml/2006/main">
   <p:cSld>
     <p:spTree>
@@ -9148,7 +9917,7 @@
 </p:sld>
 </file>
 
-<file path=ppt/slides/slide15.xml><?xml version="1.0" encoding="utf-8"?>
+<file path=ppt/slides/slide17.xml><?xml version="1.0" encoding="utf-8"?>
 <p:sld xmlns:a="http://schemas.openxmlformats.org/drawingml/2006/main" xmlns:r="http://schemas.openxmlformats.org/officeDocument/2006/relationships" xmlns:p="http://schemas.openxmlformats.org/presentationml/2006/main">
   <p:cSld>
     <p:spTree>
@@ -9271,7 +10040,7 @@
 </p:sld>
 </file>
 
-<file path=ppt/slides/slide16.xml><?xml version="1.0" encoding="utf-8"?>
+<file path=ppt/slides/slide18.xml><?xml version="1.0" encoding="utf-8"?>
 <p:sld xmlns:a="http://schemas.openxmlformats.org/drawingml/2006/main" xmlns:r="http://schemas.openxmlformats.org/officeDocument/2006/relationships" xmlns:p="http://schemas.openxmlformats.org/presentationml/2006/main">
   <p:cSld>
     <p:spTree>
@@ -9378,7 +10147,7 @@
 </p:sld>
 </file>
 
-<file path=ppt/slides/slide17.xml><?xml version="1.0" encoding="utf-8"?>
+<file path=ppt/slides/slide19.xml><?xml version="1.0" encoding="utf-8"?>
 <p:sld xmlns:a="http://schemas.openxmlformats.org/drawingml/2006/main" xmlns:r="http://schemas.openxmlformats.org/officeDocument/2006/relationships" xmlns:p="http://schemas.openxmlformats.org/presentationml/2006/main">
   <p:cSld>
     <p:spTree>
@@ -10260,7 +11029,258 @@
 </p:sld>
 </file>
 
-<file path=ppt/slides/slide18.xml><?xml version="1.0" encoding="utf-8"?>
+<file path=ppt/slides/slide2.xml><?xml version="1.0" encoding="utf-8"?>
+<p:sld xmlns:a="http://schemas.openxmlformats.org/drawingml/2006/main" xmlns:r="http://schemas.openxmlformats.org/officeDocument/2006/relationships" xmlns:p="http://schemas.openxmlformats.org/presentationml/2006/main">
+  <p:cSld>
+    <p:spTree>
+      <p:nvGrpSpPr>
+        <p:cNvPr id="1" name=""/>
+        <p:cNvGrpSpPr/>
+        <p:nvPr/>
+      </p:nvGrpSpPr>
+      <p:grpSpPr>
+        <a:xfrm>
+          <a:off x="0" y="0"/>
+          <a:ext cx="0" cy="0"/>
+          <a:chOff x="0" y="0"/>
+          <a:chExt cx="0" cy="0"/>
+        </a:xfrm>
+      </p:grpSpPr>
+      <p:pic>
+        <p:nvPicPr>
+          <p:cNvPr id="10" name="Picture 9"/>
+          <p:cNvPicPr>
+            <a:picLocks noChangeAspect="1"/>
+          </p:cNvPicPr>
+          <p:nvPr/>
+        </p:nvPicPr>
+        <p:blipFill rotWithShape="1">
+          <a:blip r:embed="rId3">
+            <a:extLst>
+              <a:ext uri="{28A0092B-C50C-407E-A947-70E740481C1C}">
+                <a14:useLocalDpi xmlns:a14="http://schemas.microsoft.com/office/drawing/2010/main" val="0"/>
+              </a:ext>
+            </a:extLst>
+          </a:blip>
+          <a:srcRect l="50728" t="56371"/>
+          <a:stretch/>
+        </p:blipFill>
+        <p:spPr>
+          <a:xfrm>
+            <a:off x="10894024" y="5370653"/>
+            <a:ext cx="1297975" cy="1487348"/>
+          </a:xfrm>
+          <a:prstGeom prst="rect">
+            <a:avLst/>
+          </a:prstGeom>
+        </p:spPr>
+      </p:pic>
+      <p:sp>
+        <p:nvSpPr>
+          <p:cNvPr id="11" name="TextBox 10"/>
+          <p:cNvSpPr txBox="1"/>
+          <p:nvPr/>
+        </p:nvSpPr>
+        <p:spPr>
+          <a:xfrm>
+            <a:off x="347240" y="113388"/>
+            <a:ext cx="9799937" cy="1015663"/>
+          </a:xfrm>
+          <a:prstGeom prst="rect">
+            <a:avLst/>
+          </a:prstGeom>
+          <a:noFill/>
+        </p:spPr>
+        <p:txBody>
+          <a:bodyPr wrap="square" rtlCol="0">
+            <a:spAutoFit/>
+          </a:bodyPr>
+          <a:lstStyle/>
+          <a:p>
+            <a:r>
+              <a:rPr lang="en-US" sz="6000" dirty="0">
+                <a:latin typeface="Aliens &amp; cows" panose="00000500000000000000" pitchFamily="2" charset="0"/>
+              </a:rPr>
+              <a:t>Follow along</a:t>
+            </a:r>
+          </a:p>
+        </p:txBody>
+      </p:sp>
+      <p:sp>
+        <p:nvSpPr>
+          <p:cNvPr id="3" name="TextBox 2"/>
+          <p:cNvSpPr txBox="1"/>
+          <p:nvPr/>
+        </p:nvSpPr>
+        <p:spPr>
+          <a:xfrm>
+            <a:off x="462988" y="1365813"/>
+            <a:ext cx="8471462" cy="4401205"/>
+          </a:xfrm>
+          <a:prstGeom prst="rect">
+            <a:avLst/>
+          </a:prstGeom>
+          <a:noFill/>
+        </p:spPr>
+        <p:txBody>
+          <a:bodyPr wrap="square" rtlCol="0">
+            <a:spAutoFit/>
+          </a:bodyPr>
+          <a:lstStyle/>
+          <a:p>
+            <a:pPr marL="285750" indent="-285750">
+              <a:buFont typeface="Arial" panose="020B0604020202020204" pitchFamily="34" charset="0"/>
+              <a:buChar char="•"/>
+            </a:pPr>
+            <a:r>
+              <a:rPr lang="en-US" sz="2800" dirty="0">
+                <a:solidFill>
+                  <a:srgbClr val="707070"/>
+                </a:solidFill>
+                <a:latin typeface="Pragmatica" panose="020B0403040502020204" pitchFamily="34" charset="0"/>
+              </a:rPr>
+              <a:t>Download resources: </a:t>
+            </a:r>
+            <a:r>
+              <a:rPr lang="en-US" sz="2800" dirty="0">
+                <a:solidFill>
+                  <a:srgbClr val="707070"/>
+                </a:solidFill>
+                <a:latin typeface="Pragmatica" panose="020B0403040502020204" pitchFamily="34" charset="0"/>
+                <a:hlinkClick r:id="rId4"/>
+              </a:rPr>
+              <a:t>https://github.com/stringfestdata/fmi-intro-to-python/</a:t>
+            </a:r>
+            <a:endParaRPr lang="en-US" sz="2800" dirty="0">
+              <a:solidFill>
+                <a:srgbClr val="707070"/>
+              </a:solidFill>
+              <a:latin typeface="Pragmatica" panose="020B0403040502020204" pitchFamily="34" charset="0"/>
+            </a:endParaRPr>
+          </a:p>
+          <a:p>
+            <a:pPr marL="285750" indent="-285750">
+              <a:buFont typeface="Arial" panose="020B0604020202020204" pitchFamily="34" charset="0"/>
+              <a:buChar char="•"/>
+            </a:pPr>
+            <a:endParaRPr lang="en-US" sz="2800" dirty="0">
+              <a:solidFill>
+                <a:srgbClr val="707070"/>
+              </a:solidFill>
+              <a:latin typeface="Pragmatica" panose="020B0403040502020204" pitchFamily="34" charset="0"/>
+            </a:endParaRPr>
+          </a:p>
+          <a:p>
+            <a:pPr marL="285750" indent="-285750">
+              <a:buFont typeface="Arial" panose="020B0604020202020204" pitchFamily="34" charset="0"/>
+              <a:buChar char="•"/>
+            </a:pPr>
+            <a:r>
+              <a:rPr lang="en-US" sz="2800" dirty="0">
+                <a:solidFill>
+                  <a:srgbClr val="707070"/>
+                </a:solidFill>
+                <a:latin typeface="Pragmatica" panose="020B0403040502020204" pitchFamily="34" charset="0"/>
+              </a:rPr>
+              <a:t>Click through this link now to run during presentation:</a:t>
+            </a:r>
+          </a:p>
+          <a:p>
+            <a:pPr marL="285750" indent="-285750">
+              <a:buFont typeface="Arial" panose="020B0604020202020204" pitchFamily="34" charset="0"/>
+              <a:buChar char="•"/>
+            </a:pPr>
+            <a:endParaRPr lang="en-US" sz="2800" dirty="0">
+              <a:solidFill>
+                <a:srgbClr val="707070"/>
+              </a:solidFill>
+              <a:latin typeface="Pragmatica" panose="020B0403040502020204" pitchFamily="34" charset="0"/>
+            </a:endParaRPr>
+          </a:p>
+          <a:p>
+            <a:pPr marL="285750" indent="-285750">
+              <a:buFont typeface="Arial" panose="020B0604020202020204" pitchFamily="34" charset="0"/>
+              <a:buChar char="•"/>
+            </a:pPr>
+            <a:endParaRPr lang="en-US" sz="2800" dirty="0">
+              <a:solidFill>
+                <a:srgbClr val="707070"/>
+              </a:solidFill>
+              <a:latin typeface="Pragmatica" panose="020B0403040502020204" pitchFamily="34" charset="0"/>
+            </a:endParaRPr>
+          </a:p>
+          <a:p>
+            <a:endParaRPr lang="en-US" sz="2800" dirty="0">
+              <a:solidFill>
+                <a:srgbClr val="707070"/>
+              </a:solidFill>
+              <a:latin typeface="Pragmatica" panose="020B0403040502020204" pitchFamily="34" charset="0"/>
+            </a:endParaRPr>
+          </a:p>
+          <a:p>
+            <a:endParaRPr lang="en-US" sz="2800" dirty="0">
+              <a:solidFill>
+                <a:srgbClr val="707070"/>
+              </a:solidFill>
+              <a:latin typeface="Pragmatica" panose="020B0403040502020204" pitchFamily="34" charset="0"/>
+            </a:endParaRPr>
+          </a:p>
+          <a:p>
+            <a:r>
+              <a:rPr lang="en-US" sz="2800" dirty="0">
+                <a:solidFill>
+                  <a:srgbClr val="707070"/>
+                </a:solidFill>
+                <a:latin typeface="Pragmatica" panose="020B0403040502020204" pitchFamily="34" charset="0"/>
+              </a:rPr>
+              <a:t>(this could take some time so feel free to ask questions now)…</a:t>
+            </a:r>
+          </a:p>
+        </p:txBody>
+      </p:sp>
+      <p:pic>
+        <p:nvPicPr>
+          <p:cNvPr id="4" name="Picture 3">
+            <a:extLst>
+              <a:ext uri="{FF2B5EF4-FFF2-40B4-BE49-F238E27FC236}">
+                <a16:creationId xmlns:a16="http://schemas.microsoft.com/office/drawing/2014/main" id="{F51C6B1B-A060-47A7-9AD8-3F6C3CE0AD77}"/>
+              </a:ext>
+            </a:extLst>
+          </p:cNvPr>
+          <p:cNvPicPr>
+            <a:picLocks noChangeAspect="1"/>
+          </p:cNvPicPr>
+          <p:nvPr/>
+        </p:nvPicPr>
+        <p:blipFill rotWithShape="1">
+          <a:blip r:embed="rId5"/>
+          <a:srcRect t="43450"/>
+          <a:stretch/>
+        </p:blipFill>
+        <p:spPr>
+          <a:xfrm>
+            <a:off x="1515231" y="3429000"/>
+            <a:ext cx="5780952" cy="953261"/>
+          </a:xfrm>
+          <a:prstGeom prst="rect">
+            <a:avLst/>
+          </a:prstGeom>
+        </p:spPr>
+      </p:pic>
+    </p:spTree>
+    <p:extLst>
+      <p:ext uri="{BB962C8B-B14F-4D97-AF65-F5344CB8AC3E}">
+        <p14:creationId xmlns:p14="http://schemas.microsoft.com/office/powerpoint/2010/main" val="3830029867"/>
+      </p:ext>
+    </p:extLst>
+  </p:cSld>
+  <p:clrMapOvr>
+    <a:masterClrMapping/>
+  </p:clrMapOvr>
+</p:sld>
+</file>
+
+<file path=ppt/slides/slide20.xml><?xml version="1.0" encoding="utf-8"?>
 <p:sld xmlns:a="http://schemas.openxmlformats.org/drawingml/2006/main" xmlns:r="http://schemas.openxmlformats.org/officeDocument/2006/relationships" xmlns:p="http://schemas.openxmlformats.org/presentationml/2006/main">
   <p:cSld>
     <p:spTree>
@@ -10400,7 +11420,7 @@
 </p:sld>
 </file>
 
-<file path=ppt/slides/slide19.xml><?xml version="1.0" encoding="utf-8"?>
+<file path=ppt/slides/slide21.xml><?xml version="1.0" encoding="utf-8"?>
 <p:sld xmlns:a="http://schemas.openxmlformats.org/drawingml/2006/main" xmlns:r="http://schemas.openxmlformats.org/officeDocument/2006/relationships" xmlns:p="http://schemas.openxmlformats.org/presentationml/2006/main">
   <p:cSld>
     <p:spTree>
@@ -10627,258 +11647,7 @@
 </p:sld>
 </file>
 
-<file path=ppt/slides/slide2.xml><?xml version="1.0" encoding="utf-8"?>
-<p:sld xmlns:a="http://schemas.openxmlformats.org/drawingml/2006/main" xmlns:r="http://schemas.openxmlformats.org/officeDocument/2006/relationships" xmlns:p="http://schemas.openxmlformats.org/presentationml/2006/main">
-  <p:cSld>
-    <p:spTree>
-      <p:nvGrpSpPr>
-        <p:cNvPr id="1" name=""/>
-        <p:cNvGrpSpPr/>
-        <p:nvPr/>
-      </p:nvGrpSpPr>
-      <p:grpSpPr>
-        <a:xfrm>
-          <a:off x="0" y="0"/>
-          <a:ext cx="0" cy="0"/>
-          <a:chOff x="0" y="0"/>
-          <a:chExt cx="0" cy="0"/>
-        </a:xfrm>
-      </p:grpSpPr>
-      <p:pic>
-        <p:nvPicPr>
-          <p:cNvPr id="10" name="Picture 9"/>
-          <p:cNvPicPr>
-            <a:picLocks noChangeAspect="1"/>
-          </p:cNvPicPr>
-          <p:nvPr/>
-        </p:nvPicPr>
-        <p:blipFill rotWithShape="1">
-          <a:blip r:embed="rId3">
-            <a:extLst>
-              <a:ext uri="{28A0092B-C50C-407E-A947-70E740481C1C}">
-                <a14:useLocalDpi xmlns:a14="http://schemas.microsoft.com/office/drawing/2010/main" val="0"/>
-              </a:ext>
-            </a:extLst>
-          </a:blip>
-          <a:srcRect l="50728" t="56371"/>
-          <a:stretch/>
-        </p:blipFill>
-        <p:spPr>
-          <a:xfrm>
-            <a:off x="10894024" y="5370653"/>
-            <a:ext cx="1297975" cy="1487348"/>
-          </a:xfrm>
-          <a:prstGeom prst="rect">
-            <a:avLst/>
-          </a:prstGeom>
-        </p:spPr>
-      </p:pic>
-      <p:sp>
-        <p:nvSpPr>
-          <p:cNvPr id="11" name="TextBox 10"/>
-          <p:cNvSpPr txBox="1"/>
-          <p:nvPr/>
-        </p:nvSpPr>
-        <p:spPr>
-          <a:xfrm>
-            <a:off x="347240" y="113388"/>
-            <a:ext cx="9799937" cy="1015663"/>
-          </a:xfrm>
-          <a:prstGeom prst="rect">
-            <a:avLst/>
-          </a:prstGeom>
-          <a:noFill/>
-        </p:spPr>
-        <p:txBody>
-          <a:bodyPr wrap="square" rtlCol="0">
-            <a:spAutoFit/>
-          </a:bodyPr>
-          <a:lstStyle/>
-          <a:p>
-            <a:r>
-              <a:rPr lang="en-US" sz="6000" dirty="0">
-                <a:latin typeface="Aliens &amp; cows" panose="00000500000000000000" pitchFamily="2" charset="0"/>
-              </a:rPr>
-              <a:t>Follow along</a:t>
-            </a:r>
-          </a:p>
-        </p:txBody>
-      </p:sp>
-      <p:sp>
-        <p:nvSpPr>
-          <p:cNvPr id="3" name="TextBox 2"/>
-          <p:cNvSpPr txBox="1"/>
-          <p:nvPr/>
-        </p:nvSpPr>
-        <p:spPr>
-          <a:xfrm>
-            <a:off x="462988" y="1365813"/>
-            <a:ext cx="8471462" cy="4401205"/>
-          </a:xfrm>
-          <a:prstGeom prst="rect">
-            <a:avLst/>
-          </a:prstGeom>
-          <a:noFill/>
-        </p:spPr>
-        <p:txBody>
-          <a:bodyPr wrap="square" rtlCol="0">
-            <a:spAutoFit/>
-          </a:bodyPr>
-          <a:lstStyle/>
-          <a:p>
-            <a:pPr marL="285750" indent="-285750">
-              <a:buFont typeface="Arial" panose="020B0604020202020204" pitchFamily="34" charset="0"/>
-              <a:buChar char="•"/>
-            </a:pPr>
-            <a:r>
-              <a:rPr lang="en-US" sz="2800" dirty="0">
-                <a:solidFill>
-                  <a:srgbClr val="707070"/>
-                </a:solidFill>
-                <a:latin typeface="Pragmatica" panose="020B0403040502020204" pitchFamily="34" charset="0"/>
-              </a:rPr>
-              <a:t>Download resources: </a:t>
-            </a:r>
-            <a:r>
-              <a:rPr lang="en-US" sz="2800" dirty="0">
-                <a:solidFill>
-                  <a:srgbClr val="707070"/>
-                </a:solidFill>
-                <a:latin typeface="Pragmatica" panose="020B0403040502020204" pitchFamily="34" charset="0"/>
-                <a:hlinkClick r:id="rId4"/>
-              </a:rPr>
-              <a:t>https://github.com/stringfestdata/fmi-intro-to-python/</a:t>
-            </a:r>
-            <a:endParaRPr lang="en-US" sz="2800" dirty="0">
-              <a:solidFill>
-                <a:srgbClr val="707070"/>
-              </a:solidFill>
-              <a:latin typeface="Pragmatica" panose="020B0403040502020204" pitchFamily="34" charset="0"/>
-            </a:endParaRPr>
-          </a:p>
-          <a:p>
-            <a:pPr marL="285750" indent="-285750">
-              <a:buFont typeface="Arial" panose="020B0604020202020204" pitchFamily="34" charset="0"/>
-              <a:buChar char="•"/>
-            </a:pPr>
-            <a:endParaRPr lang="en-US" sz="2800" dirty="0">
-              <a:solidFill>
-                <a:srgbClr val="707070"/>
-              </a:solidFill>
-              <a:latin typeface="Pragmatica" panose="020B0403040502020204" pitchFamily="34" charset="0"/>
-            </a:endParaRPr>
-          </a:p>
-          <a:p>
-            <a:pPr marL="285750" indent="-285750">
-              <a:buFont typeface="Arial" panose="020B0604020202020204" pitchFamily="34" charset="0"/>
-              <a:buChar char="•"/>
-            </a:pPr>
-            <a:r>
-              <a:rPr lang="en-US" sz="2800" dirty="0">
-                <a:solidFill>
-                  <a:srgbClr val="707070"/>
-                </a:solidFill>
-                <a:latin typeface="Pragmatica" panose="020B0403040502020204" pitchFamily="34" charset="0"/>
-              </a:rPr>
-              <a:t>Click through this link now to run during presentation:</a:t>
-            </a:r>
-          </a:p>
-          <a:p>
-            <a:pPr marL="285750" indent="-285750">
-              <a:buFont typeface="Arial" panose="020B0604020202020204" pitchFamily="34" charset="0"/>
-              <a:buChar char="•"/>
-            </a:pPr>
-            <a:endParaRPr lang="en-US" sz="2800" dirty="0">
-              <a:solidFill>
-                <a:srgbClr val="707070"/>
-              </a:solidFill>
-              <a:latin typeface="Pragmatica" panose="020B0403040502020204" pitchFamily="34" charset="0"/>
-            </a:endParaRPr>
-          </a:p>
-          <a:p>
-            <a:pPr marL="285750" indent="-285750">
-              <a:buFont typeface="Arial" panose="020B0604020202020204" pitchFamily="34" charset="0"/>
-              <a:buChar char="•"/>
-            </a:pPr>
-            <a:endParaRPr lang="en-US" sz="2800" dirty="0">
-              <a:solidFill>
-                <a:srgbClr val="707070"/>
-              </a:solidFill>
-              <a:latin typeface="Pragmatica" panose="020B0403040502020204" pitchFamily="34" charset="0"/>
-            </a:endParaRPr>
-          </a:p>
-          <a:p>
-            <a:endParaRPr lang="en-US" sz="2800" dirty="0">
-              <a:solidFill>
-                <a:srgbClr val="707070"/>
-              </a:solidFill>
-              <a:latin typeface="Pragmatica" panose="020B0403040502020204" pitchFamily="34" charset="0"/>
-            </a:endParaRPr>
-          </a:p>
-          <a:p>
-            <a:endParaRPr lang="en-US" sz="2800" dirty="0">
-              <a:solidFill>
-                <a:srgbClr val="707070"/>
-              </a:solidFill>
-              <a:latin typeface="Pragmatica" panose="020B0403040502020204" pitchFamily="34" charset="0"/>
-            </a:endParaRPr>
-          </a:p>
-          <a:p>
-            <a:r>
-              <a:rPr lang="en-US" sz="2800" dirty="0">
-                <a:solidFill>
-                  <a:srgbClr val="707070"/>
-                </a:solidFill>
-                <a:latin typeface="Pragmatica" panose="020B0403040502020204" pitchFamily="34" charset="0"/>
-              </a:rPr>
-              <a:t>(this could take some time so feel free to ask questions now)…</a:t>
-            </a:r>
-          </a:p>
-        </p:txBody>
-      </p:sp>
-      <p:pic>
-        <p:nvPicPr>
-          <p:cNvPr id="4" name="Picture 3">
-            <a:extLst>
-              <a:ext uri="{FF2B5EF4-FFF2-40B4-BE49-F238E27FC236}">
-                <a16:creationId xmlns:a16="http://schemas.microsoft.com/office/drawing/2014/main" id="{F51C6B1B-A060-47A7-9AD8-3F6C3CE0AD77}"/>
-              </a:ext>
-            </a:extLst>
-          </p:cNvPr>
-          <p:cNvPicPr>
-            <a:picLocks noChangeAspect="1"/>
-          </p:cNvPicPr>
-          <p:nvPr/>
-        </p:nvPicPr>
-        <p:blipFill rotWithShape="1">
-          <a:blip r:embed="rId5"/>
-          <a:srcRect t="43450"/>
-          <a:stretch/>
-        </p:blipFill>
-        <p:spPr>
-          <a:xfrm>
-            <a:off x="1515231" y="3429000"/>
-            <a:ext cx="5780952" cy="953261"/>
-          </a:xfrm>
-          <a:prstGeom prst="rect">
-            <a:avLst/>
-          </a:prstGeom>
-        </p:spPr>
-      </p:pic>
-    </p:spTree>
-    <p:extLst>
-      <p:ext uri="{BB962C8B-B14F-4D97-AF65-F5344CB8AC3E}">
-        <p14:creationId xmlns:p14="http://schemas.microsoft.com/office/powerpoint/2010/main" val="3830029867"/>
-      </p:ext>
-    </p:extLst>
-  </p:cSld>
-  <p:clrMapOvr>
-    <a:masterClrMapping/>
-  </p:clrMapOvr>
-</p:sld>
-</file>
-
-<file path=ppt/slides/slide20.xml><?xml version="1.0" encoding="utf-8"?>
+<file path=ppt/slides/slide22.xml><?xml version="1.0" encoding="utf-8"?>
 <p:sld xmlns:a="http://schemas.openxmlformats.org/drawingml/2006/main" xmlns:r="http://schemas.openxmlformats.org/officeDocument/2006/relationships" xmlns:p="http://schemas.openxmlformats.org/presentationml/2006/main">
   <p:cSld>
     <p:spTree>
@@ -11092,7 +11861,7 @@
 </p:sld>
 </file>
 
-<file path=ppt/slides/slide21.xml><?xml version="1.0" encoding="utf-8"?>
+<file path=ppt/slides/slide23.xml><?xml version="1.0" encoding="utf-8"?>
 <p:sld xmlns:a="http://schemas.openxmlformats.org/drawingml/2006/main" xmlns:r="http://schemas.openxmlformats.org/officeDocument/2006/relationships" xmlns:p="http://schemas.openxmlformats.org/presentationml/2006/main">
   <p:cSld>
     <p:spTree>
@@ -11199,7 +11968,7 @@
 </p:sld>
 </file>
 
-<file path=ppt/slides/slide22.xml><?xml version="1.0" encoding="utf-8"?>
+<file path=ppt/slides/slide24.xml><?xml version="1.0" encoding="utf-8"?>
 <p:sld xmlns:a="http://schemas.openxmlformats.org/drawingml/2006/main" xmlns:r="http://schemas.openxmlformats.org/officeDocument/2006/relationships" xmlns:p="http://schemas.openxmlformats.org/presentationml/2006/main">
   <p:cSld>
     <p:spTree>
@@ -11561,7 +12330,7 @@
 </p:sld>
 </file>
 
-<file path=ppt/slides/slide23.xml><?xml version="1.0" encoding="utf-8"?>
+<file path=ppt/slides/slide25.xml><?xml version="1.0" encoding="utf-8"?>
 <p:sld xmlns:a="http://schemas.openxmlformats.org/drawingml/2006/main" xmlns:r="http://schemas.openxmlformats.org/officeDocument/2006/relationships" xmlns:p="http://schemas.openxmlformats.org/presentationml/2006/main">
   <p:cSld>
     <p:spTree>
@@ -11684,7 +12453,7 @@
 </p:sld>
 </file>
 
-<file path=ppt/slides/slide24.xml><?xml version="1.0" encoding="utf-8"?>
+<file path=ppt/slides/slide26.xml><?xml version="1.0" encoding="utf-8"?>
 <p:sld xmlns:a="http://schemas.openxmlformats.org/drawingml/2006/main" xmlns:r="http://schemas.openxmlformats.org/officeDocument/2006/relationships" xmlns:p="http://schemas.openxmlformats.org/presentationml/2006/main">
   <p:cSld>
     <p:spTree>
@@ -11791,7 +12560,7 @@
 </p:sld>
 </file>
 
-<file path=ppt/slides/slide25.xml><?xml version="1.0" encoding="utf-8"?>
+<file path=ppt/slides/slide27.xml><?xml version="1.0" encoding="utf-8"?>
 <p:sld xmlns:a="http://schemas.openxmlformats.org/drawingml/2006/main" xmlns:r="http://schemas.openxmlformats.org/officeDocument/2006/relationships" xmlns:p="http://schemas.openxmlformats.org/presentationml/2006/main">
   <p:cSld>
     <p:spTree>
@@ -12096,7 +12865,7 @@
 </p:sld>
 </file>
 
-<file path=ppt/slides/slide26.xml><?xml version="1.0" encoding="utf-8"?>
+<file path=ppt/slides/slide28.xml><?xml version="1.0" encoding="utf-8"?>
 <p:sld xmlns:a="http://schemas.openxmlformats.org/drawingml/2006/main" xmlns:r="http://schemas.openxmlformats.org/officeDocument/2006/relationships" xmlns:p="http://schemas.openxmlformats.org/presentationml/2006/main">
   <p:cSld>
     <p:spTree>
@@ -12300,7 +13069,7 @@
 </p:sld>
 </file>
 
-<file path=ppt/slides/slide27.xml><?xml version="1.0" encoding="utf-8"?>
+<file path=ppt/slides/slide29.xml><?xml version="1.0" encoding="utf-8"?>
 <p:sld xmlns:a="http://schemas.openxmlformats.org/drawingml/2006/main" xmlns:r="http://schemas.openxmlformats.org/officeDocument/2006/relationships" xmlns:p="http://schemas.openxmlformats.org/presentationml/2006/main">
   <p:cSld>
     <p:spTree>
@@ -12497,7 +13266,238 @@
 </p:sld>
 </file>
 
-<file path=ppt/slides/slide28.xml><?xml version="1.0" encoding="utf-8"?>
+<file path=ppt/slides/slide3.xml><?xml version="1.0" encoding="utf-8"?>
+<p:sld xmlns:a="http://schemas.openxmlformats.org/drawingml/2006/main" xmlns:r="http://schemas.openxmlformats.org/officeDocument/2006/relationships" xmlns:p="http://schemas.openxmlformats.org/presentationml/2006/main">
+  <p:cSld>
+    <p:spTree>
+      <p:nvGrpSpPr>
+        <p:cNvPr id="1" name=""/>
+        <p:cNvGrpSpPr/>
+        <p:nvPr/>
+      </p:nvGrpSpPr>
+      <p:grpSpPr>
+        <a:xfrm>
+          <a:off x="0" y="0"/>
+          <a:ext cx="0" cy="0"/>
+          <a:chOff x="0" y="0"/>
+          <a:chExt cx="0" cy="0"/>
+        </a:xfrm>
+      </p:grpSpPr>
+      <p:pic>
+        <p:nvPicPr>
+          <p:cNvPr id="10" name="Picture 9"/>
+          <p:cNvPicPr>
+            <a:picLocks noChangeAspect="1"/>
+          </p:cNvPicPr>
+          <p:nvPr/>
+        </p:nvPicPr>
+        <p:blipFill rotWithShape="1">
+          <a:blip r:embed="rId3">
+            <a:extLst>
+              <a:ext uri="{28A0092B-C50C-407E-A947-70E740481C1C}">
+                <a14:useLocalDpi xmlns:a14="http://schemas.microsoft.com/office/drawing/2010/main" val="0"/>
+              </a:ext>
+            </a:extLst>
+          </a:blip>
+          <a:srcRect l="50728" t="56371"/>
+          <a:stretch/>
+        </p:blipFill>
+        <p:spPr>
+          <a:xfrm>
+            <a:off x="10894024" y="5370653"/>
+            <a:ext cx="1297975" cy="1487348"/>
+          </a:xfrm>
+          <a:prstGeom prst="rect">
+            <a:avLst/>
+          </a:prstGeom>
+        </p:spPr>
+      </p:pic>
+      <p:sp>
+        <p:nvSpPr>
+          <p:cNvPr id="11" name="TextBox 10"/>
+          <p:cNvSpPr txBox="1"/>
+          <p:nvPr/>
+        </p:nvSpPr>
+        <p:spPr>
+          <a:xfrm>
+            <a:off x="347240" y="113388"/>
+            <a:ext cx="9799937" cy="1015663"/>
+          </a:xfrm>
+          <a:prstGeom prst="rect">
+            <a:avLst/>
+          </a:prstGeom>
+          <a:noFill/>
+        </p:spPr>
+        <p:txBody>
+          <a:bodyPr wrap="square" rtlCol="0">
+            <a:spAutoFit/>
+          </a:bodyPr>
+          <a:lstStyle/>
+          <a:p>
+            <a:r>
+              <a:rPr lang="en-US" sz="6000" dirty="0">
+                <a:latin typeface="Aliens &amp; cows" panose="00000500000000000000" pitchFamily="2" charset="0"/>
+              </a:rPr>
+              <a:t>Hi, I’m George</a:t>
+            </a:r>
+          </a:p>
+        </p:txBody>
+      </p:sp>
+      <p:pic>
+        <p:nvPicPr>
+          <p:cNvPr id="2" name="Picture 6" descr="Free photos of Cleveland">
+            <a:extLst>
+              <a:ext uri="{FF2B5EF4-FFF2-40B4-BE49-F238E27FC236}">
+                <a16:creationId xmlns:a16="http://schemas.microsoft.com/office/drawing/2014/main" id="{735B7E03-D415-5D79-F61E-E8B7630C0B94}"/>
+              </a:ext>
+            </a:extLst>
+          </p:cNvPr>
+          <p:cNvPicPr>
+            <a:picLocks noChangeAspect="1" noChangeArrowheads="1"/>
+          </p:cNvPicPr>
+          <p:nvPr/>
+        </p:nvPicPr>
+        <p:blipFill>
+          <a:blip r:embed="rId4" cstate="print">
+            <a:extLst>
+              <a:ext uri="{28A0092B-C50C-407E-A947-70E740481C1C}">
+                <a14:useLocalDpi xmlns:a14="http://schemas.microsoft.com/office/drawing/2010/main" val="0"/>
+              </a:ext>
+            </a:extLst>
+          </a:blip>
+          <a:srcRect/>
+          <a:stretch>
+            <a:fillRect/>
+          </a:stretch>
+        </p:blipFill>
+        <p:spPr bwMode="auto">
+          <a:xfrm>
+            <a:off x="2395007" y="1129051"/>
+            <a:ext cx="3811198" cy="2536829"/>
+          </a:xfrm>
+          <a:prstGeom prst="rect">
+            <a:avLst/>
+          </a:prstGeom>
+          <a:noFill/>
+          <a:extLst>
+            <a:ext uri="{909E8E84-426E-40DD-AFC4-6F175D3DCCD1}">
+              <a14:hiddenFill xmlns:a14="http://schemas.microsoft.com/office/drawing/2010/main">
+                <a:solidFill>
+                  <a:srgbClr val="FFFFFF"/>
+                </a:solidFill>
+              </a14:hiddenFill>
+            </a:ext>
+          </a:extLst>
+        </p:spPr>
+      </p:pic>
+      <p:pic>
+        <p:nvPicPr>
+          <p:cNvPr id="5" name="Picture 4" descr="Advancing into Analytics Cover Image">
+            <a:extLst>
+              <a:ext uri="{FF2B5EF4-FFF2-40B4-BE49-F238E27FC236}">
+                <a16:creationId xmlns:a16="http://schemas.microsoft.com/office/drawing/2014/main" id="{1B32CF75-EAC9-2BF3-264D-9FCCF83CE47D}"/>
+              </a:ext>
+            </a:extLst>
+          </p:cNvPr>
+          <p:cNvPicPr>
+            <a:picLocks noChangeAspect="1" noChangeArrowheads="1"/>
+          </p:cNvPicPr>
+          <p:nvPr/>
+        </p:nvPicPr>
+        <p:blipFill>
+          <a:blip r:embed="rId5" cstate="print">
+            <a:extLst>
+              <a:ext uri="{28A0092B-C50C-407E-A947-70E740481C1C}">
+                <a14:useLocalDpi xmlns:a14="http://schemas.microsoft.com/office/drawing/2010/main" val="0"/>
+              </a:ext>
+            </a:extLst>
+          </a:blip>
+          <a:srcRect/>
+          <a:stretch>
+            <a:fillRect/>
+          </a:stretch>
+        </p:blipFill>
+        <p:spPr bwMode="auto">
+          <a:xfrm>
+            <a:off x="7053234" y="2528472"/>
+            <a:ext cx="3093943" cy="4041068"/>
+          </a:xfrm>
+          <a:prstGeom prst="rect">
+            <a:avLst/>
+          </a:prstGeom>
+          <a:noFill/>
+          <a:extLst>
+            <a:ext uri="{909E8E84-426E-40DD-AFC4-6F175D3DCCD1}">
+              <a14:hiddenFill xmlns:a14="http://schemas.microsoft.com/office/drawing/2010/main">
+                <a:solidFill>
+                  <a:srgbClr val="FFFFFF"/>
+                </a:solidFill>
+              </a14:hiddenFill>
+            </a:ext>
+          </a:extLst>
+        </p:spPr>
+      </p:pic>
+      <p:pic>
+        <p:nvPicPr>
+          <p:cNvPr id="1026" name="Picture 2" descr="Microsoft Most Valuable Professional">
+            <a:extLst>
+              <a:ext uri="{FF2B5EF4-FFF2-40B4-BE49-F238E27FC236}">
+                <a16:creationId xmlns:a16="http://schemas.microsoft.com/office/drawing/2014/main" id="{09FDEC6E-AB1C-5FBB-3AC5-A60E34A22597}"/>
+              </a:ext>
+            </a:extLst>
+          </p:cNvPr>
+          <p:cNvPicPr>
+            <a:picLocks noChangeAspect="1" noChangeArrowheads="1"/>
+          </p:cNvPicPr>
+          <p:nvPr/>
+        </p:nvPicPr>
+        <p:blipFill>
+          <a:blip r:embed="rId6">
+            <a:extLst>
+              <a:ext uri="{28A0092B-C50C-407E-A947-70E740481C1C}">
+                <a14:useLocalDpi xmlns:a14="http://schemas.microsoft.com/office/drawing/2010/main" val="0"/>
+              </a:ext>
+            </a:extLst>
+          </a:blip>
+          <a:srcRect/>
+          <a:stretch>
+            <a:fillRect/>
+          </a:stretch>
+        </p:blipFill>
+        <p:spPr bwMode="auto">
+          <a:xfrm>
+            <a:off x="7096279" y="467129"/>
+            <a:ext cx="4277265" cy="1725714"/>
+          </a:xfrm>
+          <a:prstGeom prst="rect">
+            <a:avLst/>
+          </a:prstGeom>
+          <a:noFill/>
+          <a:extLst>
+            <a:ext uri="{909E8E84-426E-40DD-AFC4-6F175D3DCCD1}">
+              <a14:hiddenFill xmlns:a14="http://schemas.microsoft.com/office/drawing/2010/main">
+                <a:solidFill>
+                  <a:srgbClr val="FFFFFF"/>
+                </a:solidFill>
+              </a14:hiddenFill>
+            </a:ext>
+          </a:extLst>
+        </p:spPr>
+      </p:pic>
+    </p:spTree>
+    <p:extLst>
+      <p:ext uri="{BB962C8B-B14F-4D97-AF65-F5344CB8AC3E}">
+        <p14:creationId xmlns:p14="http://schemas.microsoft.com/office/powerpoint/2010/main" val="2068380419"/>
+      </p:ext>
+    </p:extLst>
+  </p:cSld>
+  <p:clrMapOvr>
+    <a:masterClrMapping/>
+  </p:clrMapOvr>
+</p:sld>
+</file>
+
+<file path=ppt/slides/slide30.xml><?xml version="1.0" encoding="utf-8"?>
 <p:sld xmlns:a="http://schemas.openxmlformats.org/drawingml/2006/main" xmlns:r="http://schemas.openxmlformats.org/officeDocument/2006/relationships" xmlns:p="http://schemas.openxmlformats.org/presentationml/2006/main">
   <p:cSld>
     <p:spTree>
@@ -12670,7 +13670,7 @@
 </p:sld>
 </file>
 
-<file path=ppt/slides/slide29.xml><?xml version="1.0" encoding="utf-8"?>
+<file path=ppt/slides/slide31.xml><?xml version="1.0" encoding="utf-8"?>
 <p:sld xmlns:a="http://schemas.openxmlformats.org/drawingml/2006/main" xmlns:r="http://schemas.openxmlformats.org/officeDocument/2006/relationships" xmlns:p="http://schemas.openxmlformats.org/presentationml/2006/main">
   <p:cSld>
     <p:spTree>
@@ -12812,177 +13812,7 @@
 </p:sld>
 </file>
 
-<file path=ppt/slides/slide3.xml><?xml version="1.0" encoding="utf-8"?>
-<p:sld xmlns:a="http://schemas.openxmlformats.org/drawingml/2006/main" xmlns:r="http://schemas.openxmlformats.org/officeDocument/2006/relationships" xmlns:p="http://schemas.openxmlformats.org/presentationml/2006/main">
-  <p:cSld>
-    <p:spTree>
-      <p:nvGrpSpPr>
-        <p:cNvPr id="1" name=""/>
-        <p:cNvGrpSpPr/>
-        <p:nvPr/>
-      </p:nvGrpSpPr>
-      <p:grpSpPr>
-        <a:xfrm>
-          <a:off x="0" y="0"/>
-          <a:ext cx="0" cy="0"/>
-          <a:chOff x="0" y="0"/>
-          <a:chExt cx="0" cy="0"/>
-        </a:xfrm>
-      </p:grpSpPr>
-      <p:pic>
-        <p:nvPicPr>
-          <p:cNvPr id="10" name="Picture 9"/>
-          <p:cNvPicPr>
-            <a:picLocks noChangeAspect="1"/>
-          </p:cNvPicPr>
-          <p:nvPr/>
-        </p:nvPicPr>
-        <p:blipFill rotWithShape="1">
-          <a:blip r:embed="rId3">
-            <a:extLst>
-              <a:ext uri="{28A0092B-C50C-407E-A947-70E740481C1C}">
-                <a14:useLocalDpi xmlns:a14="http://schemas.microsoft.com/office/drawing/2010/main" val="0"/>
-              </a:ext>
-            </a:extLst>
-          </a:blip>
-          <a:srcRect l="50728" t="56371"/>
-          <a:stretch/>
-        </p:blipFill>
-        <p:spPr>
-          <a:xfrm>
-            <a:off x="10894024" y="5370653"/>
-            <a:ext cx="1297975" cy="1487348"/>
-          </a:xfrm>
-          <a:prstGeom prst="rect">
-            <a:avLst/>
-          </a:prstGeom>
-        </p:spPr>
-      </p:pic>
-      <p:sp>
-        <p:nvSpPr>
-          <p:cNvPr id="11" name="TextBox 10"/>
-          <p:cNvSpPr txBox="1"/>
-          <p:nvPr/>
-        </p:nvSpPr>
-        <p:spPr>
-          <a:xfrm>
-            <a:off x="347240" y="113388"/>
-            <a:ext cx="9799937" cy="1015663"/>
-          </a:xfrm>
-          <a:prstGeom prst="rect">
-            <a:avLst/>
-          </a:prstGeom>
-          <a:noFill/>
-        </p:spPr>
-        <p:txBody>
-          <a:bodyPr wrap="square" rtlCol="0">
-            <a:spAutoFit/>
-          </a:bodyPr>
-          <a:lstStyle/>
-          <a:p>
-            <a:r>
-              <a:rPr lang="en-US" sz="6000" dirty="0">
-                <a:latin typeface="Aliens &amp; cows" panose="00000500000000000000" pitchFamily="2" charset="0"/>
-              </a:rPr>
-              <a:t>Learning objectives</a:t>
-            </a:r>
-          </a:p>
-        </p:txBody>
-      </p:sp>
-      <p:sp>
-        <p:nvSpPr>
-          <p:cNvPr id="3" name="TextBox 2"/>
-          <p:cNvSpPr txBox="1"/>
-          <p:nvPr/>
-        </p:nvSpPr>
-        <p:spPr>
-          <a:xfrm>
-            <a:off x="462987" y="1365813"/>
-            <a:ext cx="9595413" cy="1815882"/>
-          </a:xfrm>
-          <a:prstGeom prst="rect">
-            <a:avLst/>
-          </a:prstGeom>
-          <a:noFill/>
-        </p:spPr>
-        <p:txBody>
-          <a:bodyPr wrap="square" rtlCol="0">
-            <a:spAutoFit/>
-          </a:bodyPr>
-          <a:lstStyle/>
-          <a:p>
-            <a:pPr marL="285750" indent="-285750">
-              <a:buFont typeface="Arial" panose="020B0604020202020204" pitchFamily="34" charset="0"/>
-              <a:buChar char="•"/>
-            </a:pPr>
-            <a:r>
-              <a:rPr lang="en-US" sz="2800" dirty="0">
-                <a:solidFill>
-                  <a:srgbClr val="707070"/>
-                </a:solidFill>
-                <a:latin typeface="Pragmatica" panose="020B0403040502020204" pitchFamily="34" charset="0"/>
-              </a:rPr>
-              <a:t>Situate Excel &lt;&gt; Python in the data analytics stack</a:t>
-            </a:r>
-          </a:p>
-          <a:p>
-            <a:pPr marL="285750" indent="-285750">
-              <a:buFont typeface="Arial" panose="020B0604020202020204" pitchFamily="34" charset="0"/>
-              <a:buChar char="•"/>
-            </a:pPr>
-            <a:r>
-              <a:rPr lang="en-US" sz="2800" dirty="0">
-                <a:solidFill>
-                  <a:srgbClr val="707070"/>
-                </a:solidFill>
-                <a:latin typeface="Pragmatica" panose="020B0403040502020204" pitchFamily="34" charset="0"/>
-              </a:rPr>
-              <a:t>Chart a clear learning path from Excel to Python</a:t>
-            </a:r>
-          </a:p>
-          <a:p>
-            <a:pPr marL="285750" indent="-285750">
-              <a:buFont typeface="Arial" panose="020B0604020202020204" pitchFamily="34" charset="0"/>
-              <a:buChar char="•"/>
-            </a:pPr>
-            <a:r>
-              <a:rPr lang="en-US" sz="2800" dirty="0">
-                <a:solidFill>
-                  <a:srgbClr val="707070"/>
-                </a:solidFill>
-                <a:latin typeface="Pragmatica" panose="020B0403040502020204" pitchFamily="34" charset="0"/>
-              </a:rPr>
-              <a:t>Demonstrate tangible use cases for combining these tools</a:t>
-            </a:r>
-          </a:p>
-          <a:p>
-            <a:pPr marL="285750" indent="-285750">
-              <a:buFont typeface="Arial" panose="020B0604020202020204" pitchFamily="34" charset="0"/>
-              <a:buChar char="•"/>
-            </a:pPr>
-            <a:endParaRPr lang="en-US" sz="2800" dirty="0">
-              <a:solidFill>
-                <a:srgbClr val="707070"/>
-              </a:solidFill>
-              <a:latin typeface="Pragmatica" panose="020B0403040502020204" pitchFamily="34" charset="0"/>
-            </a:endParaRPr>
-          </a:p>
-        </p:txBody>
-      </p:sp>
-    </p:spTree>
-    <p:extLst>
-      <p:ext uri="{BB962C8B-B14F-4D97-AF65-F5344CB8AC3E}">
-        <p14:creationId xmlns:p14="http://schemas.microsoft.com/office/powerpoint/2010/main" val="1144046251"/>
-      </p:ext>
-    </p:extLst>
-  </p:cSld>
-  <p:clrMapOvr>
-    <a:masterClrMapping/>
-  </p:clrMapOvr>
-</p:sld>
-</file>
-
-<file path=ppt/slides/slide30.xml><?xml version="1.0" encoding="utf-8"?>
+<file path=ppt/slides/slide32.xml><?xml version="1.0" encoding="utf-8"?>
 <p:sld xmlns:a="http://schemas.openxmlformats.org/drawingml/2006/main" xmlns:r="http://schemas.openxmlformats.org/officeDocument/2006/relationships" xmlns:p="http://schemas.openxmlformats.org/presentationml/2006/main">
   <p:cSld>
     <p:spTree>
@@ -13298,95 +14128,257 @@
               <a:rPr lang="en-US" sz="6000" dirty="0">
                 <a:latin typeface="Aliens &amp; cows" panose="00000500000000000000" pitchFamily="2" charset="0"/>
               </a:rPr>
-              <a:t>Unofficial learning objective</a:t>
-            </a:r>
-          </a:p>
-        </p:txBody>
-      </p:sp>
-      <p:sp>
-        <p:nvSpPr>
-          <p:cNvPr id="3" name="TextBox 2"/>
-          <p:cNvSpPr txBox="1"/>
+              <a:t>Hi, I’m George</a:t>
+            </a:r>
+          </a:p>
+        </p:txBody>
+      </p:sp>
+      <p:pic>
+        <p:nvPicPr>
+          <p:cNvPr id="2" name="Picture 6" descr="Free photos of Cleveland">
+            <a:extLst>
+              <a:ext uri="{FF2B5EF4-FFF2-40B4-BE49-F238E27FC236}">
+                <a16:creationId xmlns:a16="http://schemas.microsoft.com/office/drawing/2014/main" id="{735B7E03-D415-5D79-F61E-E8B7630C0B94}"/>
+              </a:ext>
+            </a:extLst>
+          </p:cNvPr>
+          <p:cNvPicPr>
+            <a:picLocks noChangeAspect="1" noChangeArrowheads="1"/>
+          </p:cNvPicPr>
           <p:nvPr/>
-        </p:nvSpPr>
-        <p:spPr>
+        </p:nvPicPr>
+        <p:blipFill>
+          <a:blip r:embed="rId4" cstate="print">
+            <a:extLst>
+              <a:ext uri="{28A0092B-C50C-407E-A947-70E740481C1C}">
+                <a14:useLocalDpi xmlns:a14="http://schemas.microsoft.com/office/drawing/2010/main" val="0"/>
+              </a:ext>
+            </a:extLst>
+          </a:blip>
+          <a:srcRect/>
+          <a:stretch>
+            <a:fillRect/>
+          </a:stretch>
+        </p:blipFill>
+        <p:spPr bwMode="auto">
           <a:xfrm>
-            <a:off x="462987" y="1365813"/>
-            <a:ext cx="9595413" cy="1815882"/>
+            <a:off x="2395007" y="1129051"/>
+            <a:ext cx="3811198" cy="2536829"/>
           </a:xfrm>
           <a:prstGeom prst="rect">
             <a:avLst/>
           </a:prstGeom>
           <a:noFill/>
+          <a:extLst>
+            <a:ext uri="{909E8E84-426E-40DD-AFC4-6F175D3DCCD1}">
+              <a14:hiddenFill xmlns:a14="http://schemas.microsoft.com/office/drawing/2010/main">
+                <a:solidFill>
+                  <a:srgbClr val="FFFFFF"/>
+                </a:solidFill>
+              </a14:hiddenFill>
+            </a:ext>
+          </a:extLst>
         </p:spPr>
-        <p:txBody>
-          <a:bodyPr wrap="square" rtlCol="0">
-            <a:spAutoFit/>
-          </a:bodyPr>
-          <a:lstStyle/>
-          <a:p>
-            <a:pPr marL="285750" indent="-285750">
-              <a:buFont typeface="Arial" panose="020B0604020202020204" pitchFamily="34" charset="0"/>
-              <a:buChar char="•"/>
-            </a:pPr>
-            <a:r>
-              <a:rPr lang="en-US" sz="2800" dirty="0">
+      </p:pic>
+      <p:pic>
+        <p:nvPicPr>
+          <p:cNvPr id="5" name="Picture 4" descr="Advancing into Analytics Cover Image">
+            <a:extLst>
+              <a:ext uri="{FF2B5EF4-FFF2-40B4-BE49-F238E27FC236}">
+                <a16:creationId xmlns:a16="http://schemas.microsoft.com/office/drawing/2014/main" id="{1B32CF75-EAC9-2BF3-264D-9FCCF83CE47D}"/>
+              </a:ext>
+            </a:extLst>
+          </p:cNvPr>
+          <p:cNvPicPr>
+            <a:picLocks noChangeAspect="1" noChangeArrowheads="1"/>
+          </p:cNvPicPr>
+          <p:nvPr/>
+        </p:nvPicPr>
+        <p:blipFill>
+          <a:blip r:embed="rId5" cstate="print">
+            <a:extLst>
+              <a:ext uri="{28A0092B-C50C-407E-A947-70E740481C1C}">
+                <a14:useLocalDpi xmlns:a14="http://schemas.microsoft.com/office/drawing/2010/main" val="0"/>
+              </a:ext>
+            </a:extLst>
+          </a:blip>
+          <a:srcRect/>
+          <a:stretch>
+            <a:fillRect/>
+          </a:stretch>
+        </p:blipFill>
+        <p:spPr bwMode="auto">
+          <a:xfrm>
+            <a:off x="7053234" y="2528472"/>
+            <a:ext cx="3093943" cy="4041068"/>
+          </a:xfrm>
+          <a:prstGeom prst="rect">
+            <a:avLst/>
+          </a:prstGeom>
+          <a:noFill/>
+          <a:extLst>
+            <a:ext uri="{909E8E84-426E-40DD-AFC4-6F175D3DCCD1}">
+              <a14:hiddenFill xmlns:a14="http://schemas.microsoft.com/office/drawing/2010/main">
                 <a:solidFill>
-                  <a:srgbClr val="707070"/>
+                  <a:srgbClr val="FFFFFF"/>
                 </a:solidFill>
-                <a:latin typeface="Pragmatica" panose="020B0403040502020204" pitchFamily="34" charset="0"/>
-              </a:rPr>
-              <a:t>Having fun with data &amp; computers</a:t>
-            </a:r>
-          </a:p>
-          <a:p>
-            <a:pPr marL="285750" indent="-285750">
-              <a:buFont typeface="Arial" panose="020B0604020202020204" pitchFamily="34" charset="0"/>
-              <a:buChar char="•"/>
-            </a:pPr>
-            <a:r>
-              <a:rPr lang="en-US" sz="2800" dirty="0">
+              </a14:hiddenFill>
+            </a:ext>
+          </a:extLst>
+        </p:spPr>
+      </p:pic>
+      <p:pic>
+        <p:nvPicPr>
+          <p:cNvPr id="1026" name="Picture 2" descr="Microsoft Most Valuable Professional">
+            <a:extLst>
+              <a:ext uri="{FF2B5EF4-FFF2-40B4-BE49-F238E27FC236}">
+                <a16:creationId xmlns:a16="http://schemas.microsoft.com/office/drawing/2014/main" id="{09FDEC6E-AB1C-5FBB-3AC5-A60E34A22597}"/>
+              </a:ext>
+            </a:extLst>
+          </p:cNvPr>
+          <p:cNvPicPr>
+            <a:picLocks noChangeAspect="1" noChangeArrowheads="1"/>
+          </p:cNvPicPr>
+          <p:nvPr/>
+        </p:nvPicPr>
+        <p:blipFill>
+          <a:blip r:embed="rId6">
+            <a:extLst>
+              <a:ext uri="{28A0092B-C50C-407E-A947-70E740481C1C}">
+                <a14:useLocalDpi xmlns:a14="http://schemas.microsoft.com/office/drawing/2010/main" val="0"/>
+              </a:ext>
+            </a:extLst>
+          </a:blip>
+          <a:srcRect/>
+          <a:stretch>
+            <a:fillRect/>
+          </a:stretch>
+        </p:blipFill>
+        <p:spPr bwMode="auto">
+          <a:xfrm>
+            <a:off x="7096279" y="467129"/>
+            <a:ext cx="4277265" cy="1725714"/>
+          </a:xfrm>
+          <a:prstGeom prst="rect">
+            <a:avLst/>
+          </a:prstGeom>
+          <a:noFill/>
+          <a:extLst>
+            <a:ext uri="{909E8E84-426E-40DD-AFC4-6F175D3DCCD1}">
+              <a14:hiddenFill xmlns:a14="http://schemas.microsoft.com/office/drawing/2010/main">
                 <a:solidFill>
-                  <a:srgbClr val="707070"/>
+                  <a:srgbClr val="FFFFFF"/>
                 </a:solidFill>
-                <a:latin typeface="Pragmatica" panose="020B0403040502020204" pitchFamily="34" charset="0"/>
-              </a:rPr>
-              <a:t>Win a book… maybe? </a:t>
-            </a:r>
-          </a:p>
-          <a:p>
-            <a:pPr marL="742950" lvl="1" indent="-285750">
-              <a:buFont typeface="Arial" panose="020B0604020202020204" pitchFamily="34" charset="0"/>
-              <a:buChar char="•"/>
-            </a:pPr>
-            <a:r>
-              <a:rPr lang="en-US" sz="2800" dirty="0">
+              </a14:hiddenFill>
+            </a:ext>
+          </a:extLst>
+        </p:spPr>
+      </p:pic>
+      <p:pic>
+        <p:nvPicPr>
+          <p:cNvPr id="3" name="Picture 2" descr="Free photos of People">
+            <a:extLst>
+              <a:ext uri="{FF2B5EF4-FFF2-40B4-BE49-F238E27FC236}">
+                <a16:creationId xmlns:a16="http://schemas.microsoft.com/office/drawing/2014/main" id="{A86CCC75-DB4B-E404-8382-E55DB576A87B}"/>
+              </a:ext>
+            </a:extLst>
+          </p:cNvPr>
+          <p:cNvPicPr>
+            <a:picLocks noChangeAspect="1" noChangeArrowheads="1"/>
+          </p:cNvPicPr>
+          <p:nvPr/>
+        </p:nvPicPr>
+        <p:blipFill>
+          <a:blip r:embed="rId7" cstate="print">
+            <a:extLst>
+              <a:ext uri="{28A0092B-C50C-407E-A947-70E740481C1C}">
+                <a14:useLocalDpi xmlns:a14="http://schemas.microsoft.com/office/drawing/2010/main" val="0"/>
+              </a:ext>
+            </a:extLst>
+          </a:blip>
+          <a:srcRect/>
+          <a:stretch>
+            <a:fillRect/>
+          </a:stretch>
+        </p:blipFill>
+        <p:spPr bwMode="auto">
+          <a:xfrm>
+            <a:off x="1324626" y="3916394"/>
+            <a:ext cx="3829176" cy="2536829"/>
+          </a:xfrm>
+          <a:prstGeom prst="rect">
+            <a:avLst/>
+          </a:prstGeom>
+          <a:noFill/>
+          <a:extLst>
+            <a:ext uri="{909E8E84-426E-40DD-AFC4-6F175D3DCCD1}">
+              <a14:hiddenFill xmlns:a14="http://schemas.microsoft.com/office/drawing/2010/main">
                 <a:solidFill>
-                  <a:srgbClr val="707070"/>
+                  <a:srgbClr val="FFFFFF"/>
                 </a:solidFill>
-                <a:latin typeface="Pragmatica" panose="020B0403040502020204" pitchFamily="34" charset="0"/>
-              </a:rPr>
-              <a:t>Read for free, either way!</a:t>
-            </a:r>
-          </a:p>
-          <a:p>
-            <a:pPr marL="285750" indent="-285750">
-              <a:buFont typeface="Arial" panose="020B0604020202020204" pitchFamily="34" charset="0"/>
-              <a:buChar char="•"/>
-            </a:pPr>
-            <a:endParaRPr lang="en-US" sz="2800" dirty="0">
-              <a:solidFill>
-                <a:srgbClr val="707070"/>
-              </a:solidFill>
-              <a:latin typeface="Pragmatica" panose="020B0403040502020204" pitchFamily="34" charset="0"/>
-            </a:endParaRPr>
+              </a14:hiddenFill>
+            </a:ext>
+          </a:extLst>
+        </p:spPr>
+      </p:pic>
+      <p:sp>
+        <p:nvSpPr>
+          <p:cNvPr id="4" name="Multiplication Sign 3">
+            <a:extLst>
+              <a:ext uri="{FF2B5EF4-FFF2-40B4-BE49-F238E27FC236}">
+                <a16:creationId xmlns:a16="http://schemas.microsoft.com/office/drawing/2014/main" id="{2E39627E-16E0-C703-2F7A-26D06879605C}"/>
+              </a:ext>
+            </a:extLst>
+          </p:cNvPr>
+          <p:cNvSpPr/>
+          <p:nvPr/>
+        </p:nvSpPr>
+        <p:spPr>
+          <a:xfrm>
+            <a:off x="-205660" y="3051208"/>
+            <a:ext cx="7010400" cy="4267200"/>
+          </a:xfrm>
+          <a:prstGeom prst="mathMultiply">
+            <a:avLst>
+              <a:gd name="adj1" fmla="val 4936"/>
+            </a:avLst>
+          </a:prstGeom>
+          <a:solidFill>
+            <a:srgbClr val="CF3338"/>
+          </a:solidFill>
+          <a:ln>
+            <a:noFill/>
+          </a:ln>
+        </p:spPr>
+        <p:style>
+          <a:lnRef idx="2">
+            <a:schemeClr val="accent1">
+              <a:shade val="50000"/>
+            </a:schemeClr>
+          </a:lnRef>
+          <a:fillRef idx="1">
+            <a:schemeClr val="accent1"/>
+          </a:fillRef>
+          <a:effectRef idx="0">
+            <a:schemeClr val="accent1"/>
+          </a:effectRef>
+          <a:fontRef idx="minor">
+            <a:schemeClr val="lt1"/>
+          </a:fontRef>
+        </p:style>
+        <p:txBody>
+          <a:bodyPr rtlCol="0" anchor="ctr"/>
+          <a:lstStyle/>
+          <a:p>
+            <a:pPr algn="ctr"/>
+            <a:endParaRPr lang="en-US"/>
           </a:p>
         </p:txBody>
       </p:sp>
     </p:spTree>
     <p:extLst>
       <p:ext uri="{BB962C8B-B14F-4D97-AF65-F5344CB8AC3E}">
-        <p14:creationId xmlns:p14="http://schemas.microsoft.com/office/powerpoint/2010/main" val="3088404701"/>
+        <p14:creationId xmlns:p14="http://schemas.microsoft.com/office/powerpoint/2010/main" val="35701920"/>
       </p:ext>
     </p:extLst>
   </p:cSld>
@@ -13413,59 +14405,45 @@
           <a:chExt cx="0" cy="0"/>
         </a:xfrm>
       </p:grpSpPr>
-      <p:sp>
-        <p:nvSpPr>
-          <p:cNvPr id="4" name="Rectangle 3"/>
-          <p:cNvSpPr/>
+      <p:pic>
+        <p:nvPicPr>
+          <p:cNvPr id="10" name="Picture 9"/>
+          <p:cNvPicPr>
+            <a:picLocks noChangeAspect="1"/>
+          </p:cNvPicPr>
           <p:nvPr/>
-        </p:nvSpPr>
+        </p:nvPicPr>
+        <p:blipFill rotWithShape="1">
+          <a:blip r:embed="rId3">
+            <a:extLst>
+              <a:ext uri="{28A0092B-C50C-407E-A947-70E740481C1C}">
+                <a14:useLocalDpi xmlns:a14="http://schemas.microsoft.com/office/drawing/2010/main" val="0"/>
+              </a:ext>
+            </a:extLst>
+          </a:blip>
+          <a:srcRect l="50728" t="56371"/>
+          <a:stretch/>
+        </p:blipFill>
         <p:spPr>
           <a:xfrm>
-            <a:off x="0" y="0"/>
-            <a:ext cx="12192000" cy="6858000"/>
+            <a:off x="10894024" y="5370653"/>
+            <a:ext cx="1297975" cy="1487348"/>
           </a:xfrm>
           <a:prstGeom prst="rect">
             <a:avLst/>
           </a:prstGeom>
-          <a:solidFill>
-            <a:srgbClr val="CF3338"/>
-          </a:solidFill>
         </p:spPr>
-        <p:style>
-          <a:lnRef idx="2">
-            <a:schemeClr val="accent1">
-              <a:shade val="50000"/>
-            </a:schemeClr>
-          </a:lnRef>
-          <a:fillRef idx="1">
-            <a:schemeClr val="accent1"/>
-          </a:fillRef>
-          <a:effectRef idx="0">
-            <a:schemeClr val="accent1"/>
-          </a:effectRef>
-          <a:fontRef idx="minor">
-            <a:schemeClr val="lt1"/>
-          </a:fontRef>
-        </p:style>
-        <p:txBody>
-          <a:bodyPr rtlCol="0" anchor="ctr"/>
-          <a:lstStyle/>
-          <a:p>
-            <a:pPr algn="ctr"/>
-            <a:endParaRPr lang="en-US"/>
-          </a:p>
-        </p:txBody>
-      </p:sp>
-      <p:sp>
-        <p:nvSpPr>
-          <p:cNvPr id="5" name="TextBox 4"/>
+      </p:pic>
+      <p:sp>
+        <p:nvSpPr>
+          <p:cNvPr id="11" name="TextBox 10"/>
           <p:cNvSpPr txBox="1"/>
           <p:nvPr/>
         </p:nvSpPr>
         <p:spPr>
           <a:xfrm>
-            <a:off x="520861" y="393539"/>
-            <a:ext cx="10324617" cy="3139321"/>
+            <a:off x="347240" y="113388"/>
+            <a:ext cx="9799937" cy="1015663"/>
           </a:xfrm>
           <a:prstGeom prst="rect">
             <a:avLst/>
@@ -13479,21 +14457,98 @@
           <a:lstStyle/>
           <a:p>
             <a:r>
-              <a:rPr lang="en-US" sz="6600" b="1" dirty="0">
+              <a:rPr lang="en-US" sz="6000" dirty="0">
+                <a:latin typeface="Aliens &amp; cows" panose="00000500000000000000" pitchFamily="2" charset="0"/>
+              </a:rPr>
+              <a:t>Learning objectives</a:t>
+            </a:r>
+          </a:p>
+        </p:txBody>
+      </p:sp>
+      <p:sp>
+        <p:nvSpPr>
+          <p:cNvPr id="3" name="TextBox 2"/>
+          <p:cNvSpPr txBox="1"/>
+          <p:nvPr/>
+        </p:nvSpPr>
+        <p:spPr>
+          <a:xfrm>
+            <a:off x="462987" y="1365813"/>
+            <a:ext cx="9595413" cy="1815882"/>
+          </a:xfrm>
+          <a:prstGeom prst="rect">
+            <a:avLst/>
+          </a:prstGeom>
+          <a:noFill/>
+        </p:spPr>
+        <p:txBody>
+          <a:bodyPr wrap="square" rtlCol="0">
+            <a:spAutoFit/>
+          </a:bodyPr>
+          <a:lstStyle/>
+          <a:p>
+            <a:pPr marL="285750" indent="-285750">
+              <a:buFont typeface="Arial" panose="020B0604020202020204" pitchFamily="34" charset="0"/>
+              <a:buChar char="•"/>
+            </a:pPr>
+            <a:r>
+              <a:rPr lang="en-US" sz="2800" dirty="0">
                 <a:solidFill>
-                  <a:schemeClr val="bg1"/>
+                  <a:srgbClr val="707070"/>
                 </a:solidFill>
-                <a:latin typeface="Pragmatica" panose="020B0403040502020204"/>
+                <a:latin typeface="Pragmatica" panose="020B0403040502020204" pitchFamily="34" charset="0"/>
               </a:rPr>
-              <a:t>1. Open source means a license to build and distribute</a:t>
-            </a:r>
+              <a:t>Situate Excel &lt;&gt; Python in the data analytics stack</a:t>
+            </a:r>
+          </a:p>
+          <a:p>
+            <a:pPr marL="285750" indent="-285750">
+              <a:buFont typeface="Arial" panose="020B0604020202020204" pitchFamily="34" charset="0"/>
+              <a:buChar char="•"/>
+            </a:pPr>
+            <a:r>
+              <a:rPr lang="en-US" sz="2800" dirty="0">
+                <a:solidFill>
+                  <a:srgbClr val="707070"/>
+                </a:solidFill>
+                <a:latin typeface="Pragmatica" panose="020B0403040502020204" pitchFamily="34" charset="0"/>
+              </a:rPr>
+              <a:t>Chart a clear learning path from Excel to Python</a:t>
+            </a:r>
+          </a:p>
+          <a:p>
+            <a:pPr marL="285750" indent="-285750">
+              <a:buFont typeface="Arial" panose="020B0604020202020204" pitchFamily="34" charset="0"/>
+              <a:buChar char="•"/>
+            </a:pPr>
+            <a:r>
+              <a:rPr lang="en-US" sz="2800" dirty="0">
+                <a:solidFill>
+                  <a:srgbClr val="707070"/>
+                </a:solidFill>
+                <a:latin typeface="Pragmatica" panose="020B0403040502020204" pitchFamily="34" charset="0"/>
+              </a:rPr>
+              <a:t>Demonstrate tangible use cases for combining these tools</a:t>
+            </a:r>
+          </a:p>
+          <a:p>
+            <a:pPr marL="285750" indent="-285750">
+              <a:buFont typeface="Arial" panose="020B0604020202020204" pitchFamily="34" charset="0"/>
+              <a:buChar char="•"/>
+            </a:pPr>
+            <a:endParaRPr lang="en-US" sz="2800" dirty="0">
+              <a:solidFill>
+                <a:srgbClr val="707070"/>
+              </a:solidFill>
+              <a:latin typeface="Pragmatica" panose="020B0403040502020204" pitchFamily="34" charset="0"/>
+            </a:endParaRPr>
           </a:p>
         </p:txBody>
       </p:sp>
     </p:spTree>
     <p:extLst>
       <p:ext uri="{BB962C8B-B14F-4D97-AF65-F5344CB8AC3E}">
-        <p14:creationId xmlns:p14="http://schemas.microsoft.com/office/powerpoint/2010/main" val="2967702006"/>
+        <p14:creationId xmlns:p14="http://schemas.microsoft.com/office/powerpoint/2010/main" val="1144046251"/>
       </p:ext>
     </p:extLst>
   </p:cSld>
@@ -13575,6 +14630,283 @@
               <a:rPr lang="en-US" sz="6000" dirty="0">
                 <a:latin typeface="Aliens &amp; cows" panose="00000500000000000000" pitchFamily="2" charset="0"/>
               </a:rPr>
+              <a:t>Unofficial learning objective</a:t>
+            </a:r>
+          </a:p>
+        </p:txBody>
+      </p:sp>
+      <p:sp>
+        <p:nvSpPr>
+          <p:cNvPr id="3" name="TextBox 2"/>
+          <p:cNvSpPr txBox="1"/>
+          <p:nvPr/>
+        </p:nvSpPr>
+        <p:spPr>
+          <a:xfrm>
+            <a:off x="462987" y="1365813"/>
+            <a:ext cx="9595413" cy="1815882"/>
+          </a:xfrm>
+          <a:prstGeom prst="rect">
+            <a:avLst/>
+          </a:prstGeom>
+          <a:noFill/>
+        </p:spPr>
+        <p:txBody>
+          <a:bodyPr wrap="square" rtlCol="0">
+            <a:spAutoFit/>
+          </a:bodyPr>
+          <a:lstStyle/>
+          <a:p>
+            <a:pPr marL="285750" indent="-285750">
+              <a:buFont typeface="Arial" panose="020B0604020202020204" pitchFamily="34" charset="0"/>
+              <a:buChar char="•"/>
+            </a:pPr>
+            <a:r>
+              <a:rPr lang="en-US" sz="2800" dirty="0">
+                <a:solidFill>
+                  <a:srgbClr val="707070"/>
+                </a:solidFill>
+                <a:latin typeface="Pragmatica" panose="020B0403040502020204" pitchFamily="34" charset="0"/>
+              </a:rPr>
+              <a:t>Having fun with data &amp; computers</a:t>
+            </a:r>
+          </a:p>
+          <a:p>
+            <a:pPr marL="285750" indent="-285750">
+              <a:buFont typeface="Arial" panose="020B0604020202020204" pitchFamily="34" charset="0"/>
+              <a:buChar char="•"/>
+            </a:pPr>
+            <a:r>
+              <a:rPr lang="en-US" sz="2800" dirty="0">
+                <a:solidFill>
+                  <a:srgbClr val="707070"/>
+                </a:solidFill>
+                <a:latin typeface="Pragmatica" panose="020B0403040502020204" pitchFamily="34" charset="0"/>
+              </a:rPr>
+              <a:t>Win a book… maybe? </a:t>
+            </a:r>
+          </a:p>
+          <a:p>
+            <a:pPr marL="742950" lvl="1" indent="-285750">
+              <a:buFont typeface="Arial" panose="020B0604020202020204" pitchFamily="34" charset="0"/>
+              <a:buChar char="•"/>
+            </a:pPr>
+            <a:r>
+              <a:rPr lang="en-US" sz="2800" dirty="0">
+                <a:solidFill>
+                  <a:srgbClr val="707070"/>
+                </a:solidFill>
+                <a:latin typeface="Pragmatica" panose="020B0403040502020204" pitchFamily="34" charset="0"/>
+              </a:rPr>
+              <a:t>Read for free, either way!</a:t>
+            </a:r>
+          </a:p>
+          <a:p>
+            <a:pPr marL="285750" indent="-285750">
+              <a:buFont typeface="Arial" panose="020B0604020202020204" pitchFamily="34" charset="0"/>
+              <a:buChar char="•"/>
+            </a:pPr>
+            <a:endParaRPr lang="en-US" sz="2800" dirty="0">
+              <a:solidFill>
+                <a:srgbClr val="707070"/>
+              </a:solidFill>
+              <a:latin typeface="Pragmatica" panose="020B0403040502020204" pitchFamily="34" charset="0"/>
+            </a:endParaRPr>
+          </a:p>
+        </p:txBody>
+      </p:sp>
+    </p:spTree>
+    <p:extLst>
+      <p:ext uri="{BB962C8B-B14F-4D97-AF65-F5344CB8AC3E}">
+        <p14:creationId xmlns:p14="http://schemas.microsoft.com/office/powerpoint/2010/main" val="3088404701"/>
+      </p:ext>
+    </p:extLst>
+  </p:cSld>
+  <p:clrMapOvr>
+    <a:masterClrMapping/>
+  </p:clrMapOvr>
+</p:sld>
+</file>
+
+<file path=ppt/slides/slide7.xml><?xml version="1.0" encoding="utf-8"?>
+<p:sld xmlns:a="http://schemas.openxmlformats.org/drawingml/2006/main" xmlns:r="http://schemas.openxmlformats.org/officeDocument/2006/relationships" xmlns:p="http://schemas.openxmlformats.org/presentationml/2006/main">
+  <p:cSld>
+    <p:spTree>
+      <p:nvGrpSpPr>
+        <p:cNvPr id="1" name=""/>
+        <p:cNvGrpSpPr/>
+        <p:nvPr/>
+      </p:nvGrpSpPr>
+      <p:grpSpPr>
+        <a:xfrm>
+          <a:off x="0" y="0"/>
+          <a:ext cx="0" cy="0"/>
+          <a:chOff x="0" y="0"/>
+          <a:chExt cx="0" cy="0"/>
+        </a:xfrm>
+      </p:grpSpPr>
+      <p:sp>
+        <p:nvSpPr>
+          <p:cNvPr id="4" name="Rectangle 3"/>
+          <p:cNvSpPr/>
+          <p:nvPr/>
+        </p:nvSpPr>
+        <p:spPr>
+          <a:xfrm>
+            <a:off x="0" y="0"/>
+            <a:ext cx="12192000" cy="6858000"/>
+          </a:xfrm>
+          <a:prstGeom prst="rect">
+            <a:avLst/>
+          </a:prstGeom>
+          <a:solidFill>
+            <a:srgbClr val="CF3338"/>
+          </a:solidFill>
+        </p:spPr>
+        <p:style>
+          <a:lnRef idx="2">
+            <a:schemeClr val="accent1">
+              <a:shade val="50000"/>
+            </a:schemeClr>
+          </a:lnRef>
+          <a:fillRef idx="1">
+            <a:schemeClr val="accent1"/>
+          </a:fillRef>
+          <a:effectRef idx="0">
+            <a:schemeClr val="accent1"/>
+          </a:effectRef>
+          <a:fontRef idx="minor">
+            <a:schemeClr val="lt1"/>
+          </a:fontRef>
+        </p:style>
+        <p:txBody>
+          <a:bodyPr rtlCol="0" anchor="ctr"/>
+          <a:lstStyle/>
+          <a:p>
+            <a:pPr algn="ctr"/>
+            <a:endParaRPr lang="en-US"/>
+          </a:p>
+        </p:txBody>
+      </p:sp>
+      <p:sp>
+        <p:nvSpPr>
+          <p:cNvPr id="5" name="TextBox 4"/>
+          <p:cNvSpPr txBox="1"/>
+          <p:nvPr/>
+        </p:nvSpPr>
+        <p:spPr>
+          <a:xfrm>
+            <a:off x="520861" y="393539"/>
+            <a:ext cx="10324617" cy="3139321"/>
+          </a:xfrm>
+          <a:prstGeom prst="rect">
+            <a:avLst/>
+          </a:prstGeom>
+          <a:noFill/>
+        </p:spPr>
+        <p:txBody>
+          <a:bodyPr wrap="square" rtlCol="0">
+            <a:spAutoFit/>
+          </a:bodyPr>
+          <a:lstStyle/>
+          <a:p>
+            <a:r>
+              <a:rPr lang="en-US" sz="6600" b="1" dirty="0">
+                <a:solidFill>
+                  <a:schemeClr val="bg1"/>
+                </a:solidFill>
+                <a:latin typeface="Pragmatica" panose="020B0403040502020204"/>
+              </a:rPr>
+              <a:t>1. Open source means a license to build and distribute</a:t>
+            </a:r>
+          </a:p>
+        </p:txBody>
+      </p:sp>
+    </p:spTree>
+    <p:extLst>
+      <p:ext uri="{BB962C8B-B14F-4D97-AF65-F5344CB8AC3E}">
+        <p14:creationId xmlns:p14="http://schemas.microsoft.com/office/powerpoint/2010/main" val="2967702006"/>
+      </p:ext>
+    </p:extLst>
+  </p:cSld>
+  <p:clrMapOvr>
+    <a:masterClrMapping/>
+  </p:clrMapOvr>
+</p:sld>
+</file>
+
+<file path=ppt/slides/slide8.xml><?xml version="1.0" encoding="utf-8"?>
+<p:sld xmlns:a="http://schemas.openxmlformats.org/drawingml/2006/main" xmlns:r="http://schemas.openxmlformats.org/officeDocument/2006/relationships" xmlns:p="http://schemas.openxmlformats.org/presentationml/2006/main">
+  <p:cSld>
+    <p:spTree>
+      <p:nvGrpSpPr>
+        <p:cNvPr id="1" name=""/>
+        <p:cNvGrpSpPr/>
+        <p:nvPr/>
+      </p:nvGrpSpPr>
+      <p:grpSpPr>
+        <a:xfrm>
+          <a:off x="0" y="0"/>
+          <a:ext cx="0" cy="0"/>
+          <a:chOff x="0" y="0"/>
+          <a:chExt cx="0" cy="0"/>
+        </a:xfrm>
+      </p:grpSpPr>
+      <p:pic>
+        <p:nvPicPr>
+          <p:cNvPr id="10" name="Picture 9"/>
+          <p:cNvPicPr>
+            <a:picLocks noChangeAspect="1"/>
+          </p:cNvPicPr>
+          <p:nvPr/>
+        </p:nvPicPr>
+        <p:blipFill rotWithShape="1">
+          <a:blip r:embed="rId3">
+            <a:extLst>
+              <a:ext uri="{28A0092B-C50C-407E-A947-70E740481C1C}">
+                <a14:useLocalDpi xmlns:a14="http://schemas.microsoft.com/office/drawing/2010/main" val="0"/>
+              </a:ext>
+            </a:extLst>
+          </a:blip>
+          <a:srcRect l="50728" t="56371"/>
+          <a:stretch/>
+        </p:blipFill>
+        <p:spPr>
+          <a:xfrm>
+            <a:off x="10894024" y="5370653"/>
+            <a:ext cx="1297975" cy="1487348"/>
+          </a:xfrm>
+          <a:prstGeom prst="rect">
+            <a:avLst/>
+          </a:prstGeom>
+        </p:spPr>
+      </p:pic>
+      <p:sp>
+        <p:nvSpPr>
+          <p:cNvPr id="11" name="TextBox 10"/>
+          <p:cNvSpPr txBox="1"/>
+          <p:nvPr/>
+        </p:nvSpPr>
+        <p:spPr>
+          <a:xfrm>
+            <a:off x="347240" y="113388"/>
+            <a:ext cx="9799937" cy="1015663"/>
+          </a:xfrm>
+          <a:prstGeom prst="rect">
+            <a:avLst/>
+          </a:prstGeom>
+          <a:noFill/>
+        </p:spPr>
+        <p:txBody>
+          <a:bodyPr wrap="square" rtlCol="0">
+            <a:spAutoFit/>
+          </a:bodyPr>
+          <a:lstStyle/>
+          <a:p>
+            <a:r>
+              <a:rPr lang="en-US" sz="6000" dirty="0">
+                <a:latin typeface="Aliens &amp; cows" panose="00000500000000000000" pitchFamily="2" charset="0"/>
+              </a:rPr>
               <a:t>What is open source? </a:t>
             </a:r>
           </a:p>
@@ -13877,7 +15209,7 @@
 </p:sld>
 </file>
 
-<file path=ppt/slides/slide7.xml><?xml version="1.0" encoding="utf-8"?>
+<file path=ppt/slides/slide9.xml><?xml version="1.0" encoding="utf-8"?>
 <p:sld xmlns:a="http://schemas.openxmlformats.org/drawingml/2006/main" xmlns:r="http://schemas.openxmlformats.org/officeDocument/2006/relationships" xmlns:p="http://schemas.openxmlformats.org/presentationml/2006/main">
   <p:cSld>
     <p:spTree>
@@ -14276,605 +15608,6 @@
     <p:extLst>
       <p:ext uri="{BB962C8B-B14F-4D97-AF65-F5344CB8AC3E}">
         <p14:creationId xmlns:p14="http://schemas.microsoft.com/office/powerpoint/2010/main" val="2470518104"/>
-      </p:ext>
-    </p:extLst>
-  </p:cSld>
-  <p:clrMapOvr>
-    <a:masterClrMapping/>
-  </p:clrMapOvr>
-</p:sld>
-</file>
-
-<file path=ppt/slides/slide8.xml><?xml version="1.0" encoding="utf-8"?>
-<p:sld xmlns:a="http://schemas.openxmlformats.org/drawingml/2006/main" xmlns:r="http://schemas.openxmlformats.org/officeDocument/2006/relationships" xmlns:p="http://schemas.openxmlformats.org/presentationml/2006/main">
-  <p:cSld>
-    <p:spTree>
-      <p:nvGrpSpPr>
-        <p:cNvPr id="1" name=""/>
-        <p:cNvGrpSpPr/>
-        <p:nvPr/>
-      </p:nvGrpSpPr>
-      <p:grpSpPr>
-        <a:xfrm>
-          <a:off x="0" y="0"/>
-          <a:ext cx="0" cy="0"/>
-          <a:chOff x="0" y="0"/>
-          <a:chExt cx="0" cy="0"/>
-        </a:xfrm>
-      </p:grpSpPr>
-      <p:sp>
-        <p:nvSpPr>
-          <p:cNvPr id="4" name="Rectangle 3"/>
-          <p:cNvSpPr/>
-          <p:nvPr/>
-        </p:nvSpPr>
-        <p:spPr>
-          <a:xfrm>
-            <a:off x="6574420" y="0"/>
-            <a:ext cx="5617580" cy="6858000"/>
-          </a:xfrm>
-          <a:prstGeom prst="rect">
-            <a:avLst/>
-          </a:prstGeom>
-          <a:solidFill>
-            <a:srgbClr val="CF3338"/>
-          </a:solidFill>
-        </p:spPr>
-        <p:style>
-          <a:lnRef idx="2">
-            <a:schemeClr val="accent1">
-              <a:shade val="50000"/>
-            </a:schemeClr>
-          </a:lnRef>
-          <a:fillRef idx="1">
-            <a:schemeClr val="accent1"/>
-          </a:fillRef>
-          <a:effectRef idx="0">
-            <a:schemeClr val="accent1"/>
-          </a:effectRef>
-          <a:fontRef idx="minor">
-            <a:schemeClr val="lt1"/>
-          </a:fontRef>
-        </p:style>
-        <p:txBody>
-          <a:bodyPr rtlCol="0" anchor="ctr"/>
-          <a:lstStyle/>
-          <a:p>
-            <a:pPr algn="ctr"/>
-            <a:endParaRPr lang="en-US"/>
-          </a:p>
-        </p:txBody>
-      </p:sp>
-      <p:sp>
-        <p:nvSpPr>
-          <p:cNvPr id="5" name="TextBox 4"/>
-          <p:cNvSpPr txBox="1"/>
-          <p:nvPr/>
-        </p:nvSpPr>
-        <p:spPr>
-          <a:xfrm>
-            <a:off x="6817489" y="0"/>
-            <a:ext cx="4120587" cy="1446550"/>
-          </a:xfrm>
-          <a:prstGeom prst="rect">
-            <a:avLst/>
-          </a:prstGeom>
-          <a:noFill/>
-        </p:spPr>
-        <p:txBody>
-          <a:bodyPr wrap="square" rtlCol="0">
-            <a:spAutoFit/>
-          </a:bodyPr>
-          <a:lstStyle/>
-          <a:p>
-            <a:r>
-              <a:rPr lang="en-US" sz="8800" dirty="0">
-                <a:solidFill>
-                  <a:schemeClr val="bg1"/>
-                </a:solidFill>
-                <a:latin typeface="Aliens &amp; cows" panose="00000500000000000000" pitchFamily="2" charset="0"/>
-              </a:rPr>
-              <a:t>Demo</a:t>
-            </a:r>
-          </a:p>
-        </p:txBody>
-      </p:sp>
-      <p:pic>
-        <p:nvPicPr>
-          <p:cNvPr id="2" name="Picture 1"/>
-          <p:cNvPicPr>
-            <a:picLocks noChangeAspect="1"/>
-          </p:cNvPicPr>
-          <p:nvPr/>
-        </p:nvPicPr>
-        <p:blipFill rotWithShape="1">
-          <a:blip r:embed="rId3">
-            <a:extLst>
-              <a:ext uri="{28A0092B-C50C-407E-A947-70E740481C1C}">
-                <a14:useLocalDpi xmlns:a14="http://schemas.microsoft.com/office/drawing/2010/main" val="0"/>
-              </a:ext>
-            </a:extLst>
-          </a:blip>
-          <a:srcRect l="69227" t="33418" r="20112" b="50548"/>
-          <a:stretch/>
-        </p:blipFill>
-        <p:spPr>
-          <a:xfrm>
-            <a:off x="10386349" y="5029795"/>
-            <a:ext cx="1805651" cy="1991719"/>
-          </a:xfrm>
-          <a:prstGeom prst="rect">
-            <a:avLst/>
-          </a:prstGeom>
-        </p:spPr>
-      </p:pic>
-      <p:sp>
-        <p:nvSpPr>
-          <p:cNvPr id="3" name="TextBox 2"/>
-          <p:cNvSpPr txBox="1"/>
-          <p:nvPr/>
-        </p:nvSpPr>
-        <p:spPr>
-          <a:xfrm>
-            <a:off x="57991" y="218174"/>
-            <a:ext cx="6516429" cy="3970318"/>
-          </a:xfrm>
-          <a:prstGeom prst="rect">
-            <a:avLst/>
-          </a:prstGeom>
-          <a:noFill/>
-        </p:spPr>
-        <p:txBody>
-          <a:bodyPr wrap="square" rtlCol="0">
-            <a:spAutoFit/>
-          </a:bodyPr>
-          <a:lstStyle/>
-          <a:p>
-            <a:r>
-              <a:rPr lang="en-US" sz="2800" b="1" dirty="0">
-                <a:solidFill>
-                  <a:srgbClr val="CF3338"/>
-                </a:solidFill>
-                <a:latin typeface="Pragmatica" pitchFamily="2" charset="0"/>
-              </a:rPr>
-              <a:t>Navigate </a:t>
-            </a:r>
-            <a:r>
-              <a:rPr lang="en-US" sz="2800" b="1" dirty="0" err="1">
-                <a:solidFill>
-                  <a:srgbClr val="CF3338"/>
-                </a:solidFill>
-                <a:latin typeface="Pragmatica" pitchFamily="2" charset="0"/>
-              </a:rPr>
-              <a:t>Jupyter</a:t>
-            </a:r>
-            <a:r>
-              <a:rPr lang="en-US" sz="2800" b="1" dirty="0">
-                <a:solidFill>
-                  <a:srgbClr val="CF3338"/>
-                </a:solidFill>
-                <a:latin typeface="Pragmatica" pitchFamily="2" charset="0"/>
-              </a:rPr>
-              <a:t>, starting with 1 + 1</a:t>
-            </a:r>
-          </a:p>
-          <a:p>
-            <a:endParaRPr lang="en-US" sz="2800" b="1" dirty="0">
-              <a:solidFill>
-                <a:srgbClr val="CF3338"/>
-              </a:solidFill>
-              <a:latin typeface="Pragmatica" pitchFamily="2" charset="0"/>
-            </a:endParaRPr>
-          </a:p>
-          <a:p>
-            <a:r>
-              <a:rPr lang="en-US" sz="2800" b="1" dirty="0">
-                <a:solidFill>
-                  <a:srgbClr val="CF3338"/>
-                </a:solidFill>
-                <a:latin typeface="Pragmatica" pitchFamily="2" charset="0"/>
-              </a:rPr>
-              <a:t>File: Open a new </a:t>
-            </a:r>
-            <a:r>
-              <a:rPr lang="en-US" sz="2800" b="1" dirty="0">
-                <a:solidFill>
-                  <a:srgbClr val="CF3338"/>
-                </a:solidFill>
-                <a:latin typeface="Consolas" panose="020B0609020204030204" pitchFamily="49" charset="0"/>
-              </a:rPr>
-              <a:t>.</a:t>
-            </a:r>
-            <a:r>
-              <a:rPr lang="en-US" sz="2800" b="1" dirty="0" err="1">
-                <a:solidFill>
-                  <a:srgbClr val="CF3338"/>
-                </a:solidFill>
-                <a:latin typeface="Consolas" panose="020B0609020204030204" pitchFamily="49" charset="0"/>
-              </a:rPr>
-              <a:t>ipynb</a:t>
-            </a:r>
-            <a:r>
-              <a:rPr lang="en-US" sz="2800" b="1" dirty="0">
-                <a:solidFill>
-                  <a:srgbClr val="CF3338"/>
-                </a:solidFill>
-                <a:latin typeface="Pragmatica" pitchFamily="2" charset="0"/>
-              </a:rPr>
-              <a:t> notebook…</a:t>
-            </a:r>
-          </a:p>
-          <a:p>
-            <a:endParaRPr lang="en-US" sz="2800" b="1" dirty="0">
-              <a:solidFill>
-                <a:srgbClr val="CF3338"/>
-              </a:solidFill>
-              <a:latin typeface="Pragmatica" pitchFamily="2" charset="0"/>
-            </a:endParaRPr>
-          </a:p>
-          <a:p>
-            <a:endParaRPr lang="en-US" sz="2800" b="1" dirty="0">
-              <a:solidFill>
-                <a:srgbClr val="CF3338"/>
-              </a:solidFill>
-              <a:latin typeface="Pragmatica" pitchFamily="2" charset="0"/>
-            </a:endParaRPr>
-          </a:p>
-          <a:p>
-            <a:endParaRPr lang="en-US" sz="2800" b="1" dirty="0">
-              <a:solidFill>
-                <a:srgbClr val="CF3338"/>
-              </a:solidFill>
-              <a:latin typeface="Pragmatica" pitchFamily="2" charset="0"/>
-            </a:endParaRPr>
-          </a:p>
-          <a:p>
-            <a:endParaRPr lang="en-US" sz="2800" b="1" dirty="0">
-              <a:solidFill>
-                <a:srgbClr val="CF3338"/>
-              </a:solidFill>
-              <a:latin typeface="Pragmatica" pitchFamily="2" charset="0"/>
-            </a:endParaRPr>
-          </a:p>
-          <a:p>
-            <a:endParaRPr lang="en-US" sz="2800" b="1" dirty="0">
-              <a:solidFill>
-                <a:srgbClr val="CF3338"/>
-              </a:solidFill>
-              <a:latin typeface="Pragmatica" pitchFamily="2" charset="0"/>
-            </a:endParaRPr>
-          </a:p>
-          <a:p>
-            <a:endParaRPr lang="en-US" sz="2800" b="1" dirty="0">
-              <a:solidFill>
-                <a:srgbClr val="CF3338"/>
-              </a:solidFill>
-              <a:latin typeface="Pragmatica" pitchFamily="2" charset="0"/>
-            </a:endParaRPr>
-          </a:p>
-        </p:txBody>
-      </p:sp>
-      <p:pic>
-        <p:nvPicPr>
-          <p:cNvPr id="9" name="Picture 8">
-            <a:extLst>
-              <a:ext uri="{FF2B5EF4-FFF2-40B4-BE49-F238E27FC236}">
-                <a16:creationId xmlns:a16="http://schemas.microsoft.com/office/drawing/2014/main" id="{54086B7D-6DA5-45E4-BFAC-565935D853D4}"/>
-              </a:ext>
-            </a:extLst>
-          </p:cNvPr>
-          <p:cNvPicPr>
-            <a:picLocks noChangeAspect="1"/>
-          </p:cNvPicPr>
-          <p:nvPr/>
-        </p:nvPicPr>
-        <p:blipFill>
-          <a:blip r:embed="rId4"/>
-          <a:stretch>
-            <a:fillRect/>
-          </a:stretch>
-        </p:blipFill>
-        <p:spPr>
-          <a:xfrm>
-            <a:off x="392397" y="3923670"/>
-            <a:ext cx="9856197" cy="2646866"/>
-          </a:xfrm>
-          <a:prstGeom prst="rect">
-            <a:avLst/>
-          </a:prstGeom>
-        </p:spPr>
-      </p:pic>
-      <p:pic>
-        <p:nvPicPr>
-          <p:cNvPr id="11" name="Picture 10">
-            <a:extLst>
-              <a:ext uri="{FF2B5EF4-FFF2-40B4-BE49-F238E27FC236}">
-                <a16:creationId xmlns:a16="http://schemas.microsoft.com/office/drawing/2014/main" id="{3CD83BF2-3603-4E70-91DF-99EE1A9BEFA8}"/>
-              </a:ext>
-            </a:extLst>
-          </p:cNvPr>
-          <p:cNvPicPr>
-            <a:picLocks noChangeAspect="1"/>
-          </p:cNvPicPr>
-          <p:nvPr/>
-        </p:nvPicPr>
-        <p:blipFill>
-          <a:blip r:embed="rId5"/>
-          <a:stretch>
-            <a:fillRect/>
-          </a:stretch>
-        </p:blipFill>
-        <p:spPr>
-          <a:xfrm>
-            <a:off x="893963" y="2632993"/>
-            <a:ext cx="4844484" cy="835256"/>
-          </a:xfrm>
-          <a:prstGeom prst="rect">
-            <a:avLst/>
-          </a:prstGeom>
-        </p:spPr>
-      </p:pic>
-      <p:sp>
-        <p:nvSpPr>
-          <p:cNvPr id="13" name="TextBox 12">
-            <a:extLst>
-              <a:ext uri="{FF2B5EF4-FFF2-40B4-BE49-F238E27FC236}">
-                <a16:creationId xmlns:a16="http://schemas.microsoft.com/office/drawing/2014/main" id="{15039CAE-3A25-441F-86F2-FB512EB8851E}"/>
-              </a:ext>
-            </a:extLst>
-          </p:cNvPr>
-          <p:cNvSpPr txBox="1"/>
-          <p:nvPr/>
-        </p:nvSpPr>
-        <p:spPr>
-          <a:xfrm>
-            <a:off x="5429963" y="4120693"/>
-            <a:ext cx="1963024" cy="523220"/>
-          </a:xfrm>
-          <a:prstGeom prst="rect">
-            <a:avLst/>
-          </a:prstGeom>
-          <a:noFill/>
-        </p:spPr>
-        <p:txBody>
-          <a:bodyPr wrap="square" rtlCol="0">
-            <a:spAutoFit/>
-          </a:bodyPr>
-          <a:lstStyle/>
-          <a:p>
-            <a:r>
-              <a:rPr lang="en-US" sz="2800" dirty="0">
-                <a:solidFill>
-                  <a:srgbClr val="CF3338"/>
-                </a:solidFill>
-                <a:latin typeface="Aliens &amp; cows" panose="00000500000000000000" pitchFamily="2" charset="0"/>
-              </a:rPr>
-              <a:t>Menu bar</a:t>
-            </a:r>
-          </a:p>
-        </p:txBody>
-      </p:sp>
-      <p:sp>
-        <p:nvSpPr>
-          <p:cNvPr id="14" name="TextBox 13">
-            <a:extLst>
-              <a:ext uri="{FF2B5EF4-FFF2-40B4-BE49-F238E27FC236}">
-                <a16:creationId xmlns:a16="http://schemas.microsoft.com/office/drawing/2014/main" id="{B4BC673B-ED2C-4075-A2A9-AF56F43DCED5}"/>
-              </a:ext>
-            </a:extLst>
-          </p:cNvPr>
-          <p:cNvSpPr txBox="1"/>
-          <p:nvPr/>
-        </p:nvSpPr>
-        <p:spPr>
-          <a:xfrm>
-            <a:off x="6091171" y="4522932"/>
-            <a:ext cx="1963024" cy="523220"/>
-          </a:xfrm>
-          <a:prstGeom prst="rect">
-            <a:avLst/>
-          </a:prstGeom>
-          <a:noFill/>
-        </p:spPr>
-        <p:txBody>
-          <a:bodyPr wrap="square" rtlCol="0">
-            <a:spAutoFit/>
-          </a:bodyPr>
-          <a:lstStyle/>
-          <a:p>
-            <a:r>
-              <a:rPr lang="en-US" sz="2800" dirty="0">
-                <a:solidFill>
-                  <a:srgbClr val="CF3338"/>
-                </a:solidFill>
-                <a:latin typeface="Aliens &amp; cows" panose="00000500000000000000" pitchFamily="2" charset="0"/>
-              </a:rPr>
-              <a:t>Toolbar</a:t>
-            </a:r>
-          </a:p>
-        </p:txBody>
-      </p:sp>
-      <p:sp>
-        <p:nvSpPr>
-          <p:cNvPr id="15" name="TextBox 14">
-            <a:extLst>
-              <a:ext uri="{FF2B5EF4-FFF2-40B4-BE49-F238E27FC236}">
-                <a16:creationId xmlns:a16="http://schemas.microsoft.com/office/drawing/2014/main" id="{65490B59-D9B7-4C84-BA19-C822A1B450EF}"/>
-              </a:ext>
-            </a:extLst>
-          </p:cNvPr>
-          <p:cNvSpPr txBox="1"/>
-          <p:nvPr/>
-        </p:nvSpPr>
-        <p:spPr>
-          <a:xfrm>
-            <a:off x="1933748" y="5247103"/>
-            <a:ext cx="1963024" cy="523220"/>
-          </a:xfrm>
-          <a:prstGeom prst="rect">
-            <a:avLst/>
-          </a:prstGeom>
-          <a:noFill/>
-        </p:spPr>
-        <p:txBody>
-          <a:bodyPr wrap="square" rtlCol="0">
-            <a:spAutoFit/>
-          </a:bodyPr>
-          <a:lstStyle/>
-          <a:p>
-            <a:r>
-              <a:rPr lang="en-US" sz="2800" dirty="0">
-                <a:solidFill>
-                  <a:srgbClr val="CF3338"/>
-                </a:solidFill>
-                <a:latin typeface="Aliens &amp; cows" panose="00000500000000000000" pitchFamily="2" charset="0"/>
-              </a:rPr>
-              <a:t>Code cell</a:t>
-            </a:r>
-          </a:p>
-        </p:txBody>
-      </p:sp>
-      <p:pic>
-        <p:nvPicPr>
-          <p:cNvPr id="7" name="Picture 6">
-            <a:extLst>
-              <a:ext uri="{FF2B5EF4-FFF2-40B4-BE49-F238E27FC236}">
-                <a16:creationId xmlns:a16="http://schemas.microsoft.com/office/drawing/2014/main" id="{0F85E3EE-BAB2-4C99-9B93-4F60B150B0CA}"/>
-              </a:ext>
-            </a:extLst>
-          </p:cNvPr>
-          <p:cNvPicPr>
-            <a:picLocks noChangeAspect="1"/>
-          </p:cNvPicPr>
-          <p:nvPr/>
-        </p:nvPicPr>
-        <p:blipFill>
-          <a:blip r:embed="rId6"/>
-          <a:stretch>
-            <a:fillRect/>
-          </a:stretch>
-        </p:blipFill>
-        <p:spPr>
-          <a:xfrm>
-            <a:off x="9252068" y="829504"/>
-            <a:ext cx="2100460" cy="2605088"/>
-          </a:xfrm>
-          <a:prstGeom prst="rect">
-            <a:avLst/>
-          </a:prstGeom>
-        </p:spPr>
-      </p:pic>
-    </p:spTree>
-    <p:extLst>
-      <p:ext uri="{BB962C8B-B14F-4D97-AF65-F5344CB8AC3E}">
-        <p14:creationId xmlns:p14="http://schemas.microsoft.com/office/powerpoint/2010/main" val="160382419"/>
-      </p:ext>
-    </p:extLst>
-  </p:cSld>
-  <p:clrMapOvr>
-    <a:masterClrMapping/>
-  </p:clrMapOvr>
-</p:sld>
-</file>
-
-<file path=ppt/slides/slide9.xml><?xml version="1.0" encoding="utf-8"?>
-<p:sld xmlns:a="http://schemas.openxmlformats.org/drawingml/2006/main" xmlns:r="http://schemas.openxmlformats.org/officeDocument/2006/relationships" xmlns:p="http://schemas.openxmlformats.org/presentationml/2006/main">
-  <p:cSld>
-    <p:spTree>
-      <p:nvGrpSpPr>
-        <p:cNvPr id="1" name=""/>
-        <p:cNvGrpSpPr/>
-        <p:nvPr/>
-      </p:nvGrpSpPr>
-      <p:grpSpPr>
-        <a:xfrm>
-          <a:off x="0" y="0"/>
-          <a:ext cx="0" cy="0"/>
-          <a:chOff x="0" y="0"/>
-          <a:chExt cx="0" cy="0"/>
-        </a:xfrm>
-      </p:grpSpPr>
-      <p:sp>
-        <p:nvSpPr>
-          <p:cNvPr id="4" name="Rectangle 3"/>
-          <p:cNvSpPr/>
-          <p:nvPr/>
-        </p:nvSpPr>
-        <p:spPr>
-          <a:xfrm>
-            <a:off x="0" y="0"/>
-            <a:ext cx="12192000" cy="6858000"/>
-          </a:xfrm>
-          <a:prstGeom prst="rect">
-            <a:avLst/>
-          </a:prstGeom>
-          <a:solidFill>
-            <a:srgbClr val="CF3338"/>
-          </a:solidFill>
-        </p:spPr>
-        <p:style>
-          <a:lnRef idx="2">
-            <a:schemeClr val="accent1">
-              <a:shade val="50000"/>
-            </a:schemeClr>
-          </a:lnRef>
-          <a:fillRef idx="1">
-            <a:schemeClr val="accent1"/>
-          </a:fillRef>
-          <a:effectRef idx="0">
-            <a:schemeClr val="accent1"/>
-          </a:effectRef>
-          <a:fontRef idx="minor">
-            <a:schemeClr val="lt1"/>
-          </a:fontRef>
-        </p:style>
-        <p:txBody>
-          <a:bodyPr rtlCol="0" anchor="ctr"/>
-          <a:lstStyle/>
-          <a:p>
-            <a:pPr algn="ctr"/>
-            <a:endParaRPr lang="en-US"/>
-          </a:p>
-        </p:txBody>
-      </p:sp>
-      <p:sp>
-        <p:nvSpPr>
-          <p:cNvPr id="5" name="TextBox 4"/>
-          <p:cNvSpPr txBox="1"/>
-          <p:nvPr/>
-        </p:nvSpPr>
-        <p:spPr>
-          <a:xfrm>
-            <a:off x="520861" y="393539"/>
-            <a:ext cx="10324617" cy="2123658"/>
-          </a:xfrm>
-          <a:prstGeom prst="rect">
-            <a:avLst/>
-          </a:prstGeom>
-          <a:noFill/>
-        </p:spPr>
-        <p:txBody>
-          <a:bodyPr wrap="square" rtlCol="0">
-            <a:spAutoFit/>
-          </a:bodyPr>
-          <a:lstStyle/>
-          <a:p>
-            <a:r>
-              <a:rPr lang="en-US" sz="6600" b="1" dirty="0">
-                <a:solidFill>
-                  <a:schemeClr val="bg1"/>
-                </a:solidFill>
-                <a:latin typeface="Pragmatica" panose="020B0403040502020204"/>
-              </a:rPr>
-              <a:t>2. It’s finnicky… or maybe logical?</a:t>
-            </a:r>
-          </a:p>
-        </p:txBody>
-      </p:sp>
-    </p:spTree>
-    <p:extLst>
-      <p:ext uri="{BB962C8B-B14F-4D97-AF65-F5344CB8AC3E}">
-        <p14:creationId xmlns:p14="http://schemas.microsoft.com/office/powerpoint/2010/main" val="1991586970"/>
       </p:ext>
     </p:extLst>
   </p:cSld>

--- a/fmi-intro-to-python.pptx
+++ b/fmi-intro-to-python.pptx
@@ -5,7 +5,7 @@
     <p:sldMasterId id="2147483648" r:id="rId1"/>
   </p:sldMasterIdLst>
   <p:notesMasterIdLst>
-    <p:notesMasterId r:id="rId34"/>
+    <p:notesMasterId r:id="rId35"/>
   </p:notesMasterIdLst>
   <p:sldIdLst>
     <p:sldId id="256" r:id="rId2"/>
@@ -32,14 +32,15 @@
     <p:sldId id="350" r:id="rId23"/>
     <p:sldId id="343" r:id="rId24"/>
     <p:sldId id="346" r:id="rId25"/>
-    <p:sldId id="329" r:id="rId26"/>
-    <p:sldId id="306" r:id="rId27"/>
-    <p:sldId id="338" r:id="rId28"/>
-    <p:sldId id="356" r:id="rId29"/>
-    <p:sldId id="357" r:id="rId30"/>
-    <p:sldId id="355" r:id="rId31"/>
-    <p:sldId id="336" r:id="rId32"/>
-    <p:sldId id="358" r:id="rId33"/>
+    <p:sldId id="362" r:id="rId26"/>
+    <p:sldId id="329" r:id="rId27"/>
+    <p:sldId id="306" r:id="rId28"/>
+    <p:sldId id="338" r:id="rId29"/>
+    <p:sldId id="356" r:id="rId30"/>
+    <p:sldId id="357" r:id="rId31"/>
+    <p:sldId id="355" r:id="rId32"/>
+    <p:sldId id="336" r:id="rId33"/>
+    <p:sldId id="358" r:id="rId34"/>
   </p:sldIdLst>
   <p:sldSz cx="12192000" cy="6858000"/>
   <p:notesSz cx="6858000" cy="9144000"/>
@@ -1858,7 +1859,7 @@
           <a:p>
             <a:fld id="{4A469429-6ED5-4301-866D-519E2D1EB5BF}" type="datetimeFigureOut">
               <a:rPr lang="en-US" smtClean="0"/>
-              <a:t>2/16/2023</a:t>
+              <a:t>3/13/2023</a:t>
             </a:fld>
             <a:endParaRPr lang="en-US"/>
           </a:p>
@@ -3718,22 +3719,15 @@
           <a:p>
             <a:r>
               <a:rPr lang="en-US" dirty="0"/>
-              <a:t>Any questions so far about using R? </a:t>
-            </a:r>
-          </a:p>
-          <a:p>
+              <a:t>Now the Excel community is </a:t>
+            </a:r>
+            <a:r>
+              <a:rPr lang="en-US" dirty="0" err="1"/>
+              <a:t>sooo</a:t>
+            </a:r>
             <a:r>
               <a:rPr lang="en-US" dirty="0"/>
-              <a:t>Again I just want to show you how easy it is to get up and running there as an Excel user and what to expect when working with open source programs. </a:t>
-            </a:r>
-          </a:p>
-          <a:p>
-            <a:endParaRPr lang="en-US" dirty="0"/>
-          </a:p>
-          <a:p>
-            <a:r>
-              <a:rPr lang="en-US" dirty="0"/>
-              <a:t>Now I guess one of the questions I might have in your shoes is what’s the big deal, we can do the same kind of stuff with Power Query. So I want to acknowledge that. </a:t>
+              <a:t> welcoming that is can be jarring when you get elsewhere. The forums can be pretty brutal. So take some time to learn for yourself. </a:t>
             </a:r>
           </a:p>
         </p:txBody>
@@ -3764,7 +3758,7 @@
     </p:spTree>
     <p:extLst>
       <p:ext uri="{BB962C8B-B14F-4D97-AF65-F5344CB8AC3E}">
-        <p14:creationId xmlns:p14="http://schemas.microsoft.com/office/powerpoint/2010/main" val="2041702506"/>
+        <p14:creationId xmlns:p14="http://schemas.microsoft.com/office/powerpoint/2010/main" val="3884557377"/>
       </p:ext>
     </p:extLst>
   </p:cSld>
@@ -3818,39 +3812,25 @@
           <a:bodyPr/>
           <a:lstStyle/>
           <a:p>
-            <a:pPr>
-              <a:buClr>
-                <a:srgbClr val="CF3338"/>
-              </a:buClr>
-            </a:pPr>
-            <a:r>
-              <a:rPr lang="en-US" sz="1200" i="1" dirty="0">
-                <a:solidFill>
-                  <a:srgbClr val="707070"/>
-                </a:solidFill>
-                <a:latin typeface="Pragmatica" panose="020B0403040502020204" pitchFamily="34" charset="0"/>
-              </a:rPr>
-              <a:t>By the end of this book, you should be able to conduct exploratory data analysis and</a:t>
-            </a:r>
-          </a:p>
-          <a:p>
-            <a:pPr>
-              <a:buClr>
-                <a:srgbClr val="CF3338"/>
-              </a:buClr>
-            </a:pPr>
-            <a:r>
-              <a:rPr lang="en-US" sz="1200" i="1" dirty="0">
-                <a:solidFill>
-                  <a:srgbClr val="707070"/>
-                </a:solidFill>
-                <a:latin typeface="Pragmatica" panose="020B0403040502020204" pitchFamily="34" charset="0"/>
-              </a:rPr>
-              <a:t>hypothesis testing using a programming language.</a:t>
+            <a:r>
+              <a:rPr lang="en-US" dirty="0"/>
+              <a:t>Any questions so far about using R? </a:t>
+            </a:r>
+          </a:p>
+          <a:p>
+            <a:r>
+              <a:rPr lang="en-US" dirty="0"/>
+              <a:t>Again I just want to show you how easy it is to get up and running there as an Excel user and what to expect when working with open source programs. </a:t>
             </a:r>
           </a:p>
           <a:p>
             <a:endParaRPr lang="en-US" dirty="0"/>
+          </a:p>
+          <a:p>
+            <a:r>
+              <a:rPr lang="en-US" dirty="0"/>
+              <a:t>Now I guess one of the questions I might have in your shoes is what’s the big deal, we can do the same kind of stuff with Power Query. So I want to acknowledge that. </a:t>
+            </a:r>
           </a:p>
         </p:txBody>
       </p:sp>
@@ -3871,7 +3851,7 @@
           <a:p>
             <a:fld id="{3BB66621-ADCC-4EF8-8003-B9D3E881DCD2}" type="slidenum">
               <a:rPr lang="en-US" smtClean="0"/>
-              <a:t>27</a:t>
+              <a:t>26</a:t>
             </a:fld>
             <a:endParaRPr lang="en-US"/>
           </a:p>
@@ -3880,7 +3860,7 @@
     </p:spTree>
     <p:extLst>
       <p:ext uri="{BB962C8B-B14F-4D97-AF65-F5344CB8AC3E}">
-        <p14:creationId xmlns:p14="http://schemas.microsoft.com/office/powerpoint/2010/main" val="128776136"/>
+        <p14:creationId xmlns:p14="http://schemas.microsoft.com/office/powerpoint/2010/main" val="2041702506"/>
       </p:ext>
     </p:extLst>
   </p:cSld>
@@ -3996,7 +3976,7 @@
     </p:spTree>
     <p:extLst>
       <p:ext uri="{BB962C8B-B14F-4D97-AF65-F5344CB8AC3E}">
-        <p14:creationId xmlns:p14="http://schemas.microsoft.com/office/powerpoint/2010/main" val="2096946352"/>
+        <p14:creationId xmlns:p14="http://schemas.microsoft.com/office/powerpoint/2010/main" val="128776136"/>
       </p:ext>
     </p:extLst>
   </p:cSld>
@@ -4104,6 +4084,122 @@
             <a:fld id="{3BB66621-ADCC-4EF8-8003-B9D3E881DCD2}" type="slidenum">
               <a:rPr lang="en-US" smtClean="0"/>
               <a:t>29</a:t>
+            </a:fld>
+            <a:endParaRPr lang="en-US"/>
+          </a:p>
+        </p:txBody>
+      </p:sp>
+    </p:spTree>
+    <p:extLst>
+      <p:ext uri="{BB962C8B-B14F-4D97-AF65-F5344CB8AC3E}">
+        <p14:creationId xmlns:p14="http://schemas.microsoft.com/office/powerpoint/2010/main" val="2096946352"/>
+      </p:ext>
+    </p:extLst>
+  </p:cSld>
+  <p:clrMapOvr>
+    <a:masterClrMapping/>
+  </p:clrMapOvr>
+</p:notes>
+</file>
+
+<file path=ppt/notesSlides/notesSlide29.xml><?xml version="1.0" encoding="utf-8"?>
+<p:notes xmlns:a="http://schemas.openxmlformats.org/drawingml/2006/main" xmlns:r="http://schemas.openxmlformats.org/officeDocument/2006/relationships" xmlns:p="http://schemas.openxmlformats.org/presentationml/2006/main">
+  <p:cSld>
+    <p:spTree>
+      <p:nvGrpSpPr>
+        <p:cNvPr id="1" name=""/>
+        <p:cNvGrpSpPr/>
+        <p:nvPr/>
+      </p:nvGrpSpPr>
+      <p:grpSpPr>
+        <a:xfrm>
+          <a:off x="0" y="0"/>
+          <a:ext cx="0" cy="0"/>
+          <a:chOff x="0" y="0"/>
+          <a:chExt cx="0" cy="0"/>
+        </a:xfrm>
+      </p:grpSpPr>
+      <p:sp>
+        <p:nvSpPr>
+          <p:cNvPr id="2" name="Slide Image Placeholder 1"/>
+          <p:cNvSpPr>
+            <a:spLocks noGrp="1" noRot="1" noChangeAspect="1"/>
+          </p:cNvSpPr>
+          <p:nvPr>
+            <p:ph type="sldImg"/>
+          </p:nvPr>
+        </p:nvSpPr>
+        <p:spPr/>
+      </p:sp>
+      <p:sp>
+        <p:nvSpPr>
+          <p:cNvPr id="3" name="Notes Placeholder 2"/>
+          <p:cNvSpPr>
+            <a:spLocks noGrp="1"/>
+          </p:cNvSpPr>
+          <p:nvPr>
+            <p:ph type="body" idx="1"/>
+          </p:nvPr>
+        </p:nvSpPr>
+        <p:spPr/>
+        <p:txBody>
+          <a:bodyPr/>
+          <a:lstStyle/>
+          <a:p>
+            <a:pPr>
+              <a:buClr>
+                <a:srgbClr val="CF3338"/>
+              </a:buClr>
+            </a:pPr>
+            <a:r>
+              <a:rPr lang="en-US" sz="1200" i="1" dirty="0">
+                <a:solidFill>
+                  <a:srgbClr val="707070"/>
+                </a:solidFill>
+                <a:latin typeface="Pragmatica" panose="020B0403040502020204" pitchFamily="34" charset="0"/>
+              </a:rPr>
+              <a:t>By the end of this book, you should be able to conduct exploratory data analysis and</a:t>
+            </a:r>
+          </a:p>
+          <a:p>
+            <a:pPr>
+              <a:buClr>
+                <a:srgbClr val="CF3338"/>
+              </a:buClr>
+            </a:pPr>
+            <a:r>
+              <a:rPr lang="en-US" sz="1200" i="1" dirty="0">
+                <a:solidFill>
+                  <a:srgbClr val="707070"/>
+                </a:solidFill>
+                <a:latin typeface="Pragmatica" panose="020B0403040502020204" pitchFamily="34" charset="0"/>
+              </a:rPr>
+              <a:t>hypothesis testing using a programming language.</a:t>
+            </a:r>
+          </a:p>
+          <a:p>
+            <a:endParaRPr lang="en-US" dirty="0"/>
+          </a:p>
+        </p:txBody>
+      </p:sp>
+      <p:sp>
+        <p:nvSpPr>
+          <p:cNvPr id="4" name="Slide Number Placeholder 3"/>
+          <p:cNvSpPr>
+            <a:spLocks noGrp="1"/>
+          </p:cNvSpPr>
+          <p:nvPr>
+            <p:ph type="sldNum" sz="quarter" idx="5"/>
+          </p:nvPr>
+        </p:nvSpPr>
+        <p:spPr/>
+        <p:txBody>
+          <a:bodyPr/>
+          <a:lstStyle/>
+          <a:p>
+            <a:fld id="{3BB66621-ADCC-4EF8-8003-B9D3E881DCD2}" type="slidenum">
+              <a:rPr lang="en-US" smtClean="0"/>
+              <a:t>30</a:t>
             </a:fld>
             <a:endParaRPr lang="en-US"/>
           </a:p>
@@ -4859,7 +4955,7 @@
           <a:p>
             <a:fld id="{0138B082-EFC2-46C1-B47C-51736C670379}" type="datetimeFigureOut">
               <a:rPr lang="en-US" smtClean="0"/>
-              <a:t>2/16/2023</a:t>
+              <a:t>3/13/2023</a:t>
             </a:fld>
             <a:endParaRPr lang="en-US"/>
           </a:p>
@@ -5027,7 +5123,7 @@
           <a:p>
             <a:fld id="{0138B082-EFC2-46C1-B47C-51736C670379}" type="datetimeFigureOut">
               <a:rPr lang="en-US" smtClean="0"/>
-              <a:t>2/16/2023</a:t>
+              <a:t>3/13/2023</a:t>
             </a:fld>
             <a:endParaRPr lang="en-US"/>
           </a:p>
@@ -5205,7 +5301,7 @@
           <a:p>
             <a:fld id="{0138B082-EFC2-46C1-B47C-51736C670379}" type="datetimeFigureOut">
               <a:rPr lang="en-US" smtClean="0"/>
-              <a:t>2/16/2023</a:t>
+              <a:t>3/13/2023</a:t>
             </a:fld>
             <a:endParaRPr lang="en-US"/>
           </a:p>
@@ -5373,7 +5469,7 @@
           <a:p>
             <a:fld id="{0138B082-EFC2-46C1-B47C-51736C670379}" type="datetimeFigureOut">
               <a:rPr lang="en-US" smtClean="0"/>
-              <a:t>2/16/2023</a:t>
+              <a:t>3/13/2023</a:t>
             </a:fld>
             <a:endParaRPr lang="en-US"/>
           </a:p>
@@ -5618,7 +5714,7 @@
           <a:p>
             <a:fld id="{0138B082-EFC2-46C1-B47C-51736C670379}" type="datetimeFigureOut">
               <a:rPr lang="en-US" smtClean="0"/>
-              <a:t>2/16/2023</a:t>
+              <a:t>3/13/2023</a:t>
             </a:fld>
             <a:endParaRPr lang="en-US"/>
           </a:p>
@@ -5847,7 +5943,7 @@
           <a:p>
             <a:fld id="{0138B082-EFC2-46C1-B47C-51736C670379}" type="datetimeFigureOut">
               <a:rPr lang="en-US" smtClean="0"/>
-              <a:t>2/16/2023</a:t>
+              <a:t>3/13/2023</a:t>
             </a:fld>
             <a:endParaRPr lang="en-US"/>
           </a:p>
@@ -6211,7 +6307,7 @@
           <a:p>
             <a:fld id="{0138B082-EFC2-46C1-B47C-51736C670379}" type="datetimeFigureOut">
               <a:rPr lang="en-US" smtClean="0"/>
-              <a:t>2/16/2023</a:t>
+              <a:t>3/13/2023</a:t>
             </a:fld>
             <a:endParaRPr lang="en-US"/>
           </a:p>
@@ -6328,7 +6424,7 @@
           <a:p>
             <a:fld id="{0138B082-EFC2-46C1-B47C-51736C670379}" type="datetimeFigureOut">
               <a:rPr lang="en-US" smtClean="0"/>
-              <a:t>2/16/2023</a:t>
+              <a:t>3/13/2023</a:t>
             </a:fld>
             <a:endParaRPr lang="en-US"/>
           </a:p>
@@ -6423,7 +6519,7 @@
           <a:p>
             <a:fld id="{0138B082-EFC2-46C1-B47C-51736C670379}" type="datetimeFigureOut">
               <a:rPr lang="en-US" smtClean="0"/>
-              <a:t>2/16/2023</a:t>
+              <a:t>3/13/2023</a:t>
             </a:fld>
             <a:endParaRPr lang="en-US"/>
           </a:p>
@@ -6698,7 +6794,7 @@
           <a:p>
             <a:fld id="{0138B082-EFC2-46C1-B47C-51736C670379}" type="datetimeFigureOut">
               <a:rPr lang="en-US" smtClean="0"/>
-              <a:t>2/16/2023</a:t>
+              <a:t>3/13/2023</a:t>
             </a:fld>
             <a:endParaRPr lang="en-US"/>
           </a:p>
@@ -6950,7 +7046,7 @@
           <a:p>
             <a:fld id="{0138B082-EFC2-46C1-B47C-51736C670379}" type="datetimeFigureOut">
               <a:rPr lang="en-US" smtClean="0"/>
-              <a:t>2/16/2023</a:t>
+              <a:t>3/13/2023</a:t>
             </a:fld>
             <a:endParaRPr lang="en-US"/>
           </a:p>
@@ -7161,7 +7257,7 @@
           <a:p>
             <a:fld id="{0138B082-EFC2-46C1-B47C-51736C670379}" type="datetimeFigureOut">
               <a:rPr lang="en-US" smtClean="0"/>
-              <a:t>2/16/2023</a:t>
+              <a:t>3/13/2023</a:t>
             </a:fld>
             <a:endParaRPr lang="en-US"/>
           </a:p>
@@ -12368,6 +12464,415 @@
         </p:blipFill>
         <p:spPr>
           <a:xfrm>
+            <a:off x="10894024" y="5370653"/>
+            <a:ext cx="1297975" cy="1487348"/>
+          </a:xfrm>
+          <a:prstGeom prst="rect">
+            <a:avLst/>
+          </a:prstGeom>
+        </p:spPr>
+      </p:pic>
+      <p:sp>
+        <p:nvSpPr>
+          <p:cNvPr id="11" name="TextBox 10"/>
+          <p:cNvSpPr txBox="1"/>
+          <p:nvPr/>
+        </p:nvSpPr>
+        <p:spPr>
+          <a:xfrm>
+            <a:off x="347240" y="113388"/>
+            <a:ext cx="9799937" cy="1015663"/>
+          </a:xfrm>
+          <a:prstGeom prst="rect">
+            <a:avLst/>
+          </a:prstGeom>
+          <a:noFill/>
+        </p:spPr>
+        <p:txBody>
+          <a:bodyPr wrap="square" rtlCol="0">
+            <a:spAutoFit/>
+          </a:bodyPr>
+          <a:lstStyle/>
+          <a:p>
+            <a:r>
+              <a:rPr lang="en-US" sz="6000" dirty="0">
+                <a:latin typeface="Aliens &amp; cows" panose="00000500000000000000" pitchFamily="2" charset="0"/>
+              </a:rPr>
+              <a:t>5 ways to get help…</a:t>
+            </a:r>
+          </a:p>
+        </p:txBody>
+      </p:sp>
+      <p:sp>
+        <p:nvSpPr>
+          <p:cNvPr id="3" name="TextBox 2"/>
+          <p:cNvSpPr txBox="1"/>
+          <p:nvPr/>
+        </p:nvSpPr>
+        <p:spPr>
+          <a:xfrm>
+            <a:off x="255598" y="1271545"/>
+            <a:ext cx="7512090" cy="5262979"/>
+          </a:xfrm>
+          <a:prstGeom prst="rect">
+            <a:avLst/>
+          </a:prstGeom>
+          <a:noFill/>
+        </p:spPr>
+        <p:txBody>
+          <a:bodyPr wrap="square" rtlCol="0">
+            <a:spAutoFit/>
+          </a:bodyPr>
+          <a:lstStyle/>
+          <a:p>
+            <a:r>
+              <a:rPr lang="en-US" sz="2800" dirty="0">
+                <a:solidFill>
+                  <a:srgbClr val="707070"/>
+                </a:solidFill>
+                <a:latin typeface="Pragmatica" panose="020B0403040502020204" pitchFamily="34" charset="0"/>
+              </a:rPr>
+              <a:t>0. Web search it</a:t>
+            </a:r>
+          </a:p>
+          <a:p>
+            <a:pPr marL="514350" indent="-514350">
+              <a:buFont typeface="+mj-lt"/>
+              <a:buAutoNum type="arabicPeriod"/>
+            </a:pPr>
+            <a:r>
+              <a:rPr lang="en-US" sz="2800" dirty="0">
+                <a:solidFill>
+                  <a:srgbClr val="707070"/>
+                </a:solidFill>
+                <a:latin typeface="Pragmatica" panose="020B0403040502020204" pitchFamily="34" charset="0"/>
+              </a:rPr>
+              <a:t>Help documentation: </a:t>
+            </a:r>
+            <a:r>
+              <a:rPr lang="en-US" sz="2800" dirty="0">
+                <a:solidFill>
+                  <a:srgbClr val="707070"/>
+                </a:solidFill>
+                <a:latin typeface="Consolas" panose="020B0609020204030204" pitchFamily="49" charset="0"/>
+              </a:rPr>
+              <a:t>?</a:t>
+            </a:r>
+            <a:r>
+              <a:rPr lang="en-US" sz="2800" dirty="0">
+                <a:solidFill>
+                  <a:srgbClr val="707070"/>
+                </a:solidFill>
+                <a:latin typeface="Pragmatica" panose="020B0403040502020204" pitchFamily="34" charset="0"/>
+              </a:rPr>
+              <a:t> or </a:t>
+            </a:r>
+            <a:r>
+              <a:rPr lang="en-US" sz="2800" dirty="0">
+                <a:solidFill>
+                  <a:srgbClr val="707070"/>
+                </a:solidFill>
+                <a:latin typeface="Consolas" panose="020B0609020204030204" pitchFamily="49" charset="0"/>
+              </a:rPr>
+              <a:t>help()</a:t>
+            </a:r>
+          </a:p>
+          <a:p>
+            <a:pPr marL="514350" indent="-514350">
+              <a:buFont typeface="+mj-lt"/>
+              <a:buAutoNum type="arabicPeriod"/>
+            </a:pPr>
+            <a:r>
+              <a:rPr lang="en-US" sz="2800" dirty="0">
+                <a:solidFill>
+                  <a:srgbClr val="707070"/>
+                </a:solidFill>
+                <a:latin typeface="Pragmatica" panose="020B0403040502020204" pitchFamily="34" charset="0"/>
+              </a:rPr>
+              <a:t>Read package’s documentation</a:t>
+            </a:r>
+          </a:p>
+          <a:p>
+            <a:pPr marL="514350" indent="-514350">
+              <a:buFont typeface="+mj-lt"/>
+              <a:buAutoNum type="arabicPeriod"/>
+            </a:pPr>
+            <a:r>
+              <a:rPr lang="en-US" sz="2800" dirty="0">
+                <a:solidFill>
+                  <a:srgbClr val="707070"/>
+                </a:solidFill>
+                <a:latin typeface="Pragmatica" panose="020B0403040502020204" pitchFamily="34" charset="0"/>
+              </a:rPr>
+              <a:t>Visualize your code with </a:t>
+            </a:r>
+            <a:r>
+              <a:rPr lang="en-US" sz="2800" dirty="0" err="1">
+                <a:solidFill>
+                  <a:srgbClr val="707070"/>
+                </a:solidFill>
+                <a:latin typeface="Pragmatica" panose="020B0403040502020204" pitchFamily="34" charset="0"/>
+                <a:hlinkClick r:id="rId4"/>
+              </a:rPr>
+              <a:t>PythonTutor</a:t>
+            </a:r>
+            <a:endParaRPr lang="en-US" sz="2800" dirty="0">
+              <a:solidFill>
+                <a:srgbClr val="707070"/>
+              </a:solidFill>
+              <a:latin typeface="Pragmatica" panose="020B0403040502020204" pitchFamily="34" charset="0"/>
+            </a:endParaRPr>
+          </a:p>
+          <a:p>
+            <a:pPr marL="514350" indent="-514350">
+              <a:buFont typeface="+mj-lt"/>
+              <a:buAutoNum type="arabicPeriod"/>
+            </a:pPr>
+            <a:r>
+              <a:rPr lang="en-US" sz="2800" dirty="0">
+                <a:solidFill>
+                  <a:srgbClr val="707070"/>
+                </a:solidFill>
+                <a:latin typeface="Pragmatica" panose="020B0403040502020204" pitchFamily="34" charset="0"/>
+              </a:rPr>
+              <a:t>Compose an </a:t>
+            </a:r>
+            <a:r>
+              <a:rPr lang="en-US" sz="2800" dirty="0">
+                <a:solidFill>
+                  <a:srgbClr val="707070"/>
+                </a:solidFill>
+                <a:latin typeface="Pragmatica" panose="020B0403040502020204" pitchFamily="34" charset="0"/>
+                <a:hlinkClick r:id="rId5"/>
+              </a:rPr>
+              <a:t>MRE</a:t>
+            </a:r>
+            <a:endParaRPr lang="en-US" sz="2800" dirty="0">
+              <a:solidFill>
+                <a:srgbClr val="707070"/>
+              </a:solidFill>
+              <a:latin typeface="Pragmatica" panose="020B0403040502020204" pitchFamily="34" charset="0"/>
+            </a:endParaRPr>
+          </a:p>
+          <a:p>
+            <a:r>
+              <a:rPr lang="en-US" sz="2800" i="1" dirty="0">
+                <a:solidFill>
+                  <a:srgbClr val="707070"/>
+                </a:solidFill>
+                <a:latin typeface="Pragmatica" panose="020B0403040502020204" pitchFamily="34" charset="0"/>
+              </a:rPr>
+              <a:t>And then…</a:t>
+            </a:r>
+          </a:p>
+          <a:p>
+            <a:r>
+              <a:rPr lang="en-US" sz="2800" dirty="0">
+                <a:solidFill>
+                  <a:srgbClr val="707070"/>
+                </a:solidFill>
+                <a:latin typeface="Pragmatica" panose="020B0403040502020204" pitchFamily="34" charset="0"/>
+              </a:rPr>
+              <a:t>5. Hit the forums for help</a:t>
+            </a:r>
+          </a:p>
+          <a:p>
+            <a:endParaRPr lang="en-US" sz="2800" i="1" dirty="0">
+              <a:solidFill>
+                <a:srgbClr val="707070"/>
+              </a:solidFill>
+              <a:latin typeface="Pragmatica" panose="020B0403040502020204" pitchFamily="34" charset="0"/>
+            </a:endParaRPr>
+          </a:p>
+          <a:p>
+            <a:r>
+              <a:rPr lang="en-US" sz="2800" dirty="0">
+                <a:solidFill>
+                  <a:srgbClr val="707070"/>
+                </a:solidFill>
+                <a:latin typeface="Pragmatica" panose="020B0403040502020204" pitchFamily="34" charset="0"/>
+              </a:rPr>
+              <a:t>More: </a:t>
+            </a:r>
+            <a:r>
+              <a:rPr lang="en-US" sz="2800" dirty="0">
+                <a:solidFill>
+                  <a:srgbClr val="707070"/>
+                </a:solidFill>
+                <a:latin typeface="Pragmatica" panose="020B0403040502020204" pitchFamily="34" charset="0"/>
+                <a:hlinkClick r:id="rId6"/>
+              </a:rPr>
+              <a:t>https://stringfestanalytics.com/five-ways-to-get-help-in-python/</a:t>
+            </a:r>
+            <a:r>
+              <a:rPr lang="en-US" sz="2800" dirty="0">
+                <a:solidFill>
+                  <a:srgbClr val="707070"/>
+                </a:solidFill>
+                <a:latin typeface="Pragmatica" panose="020B0403040502020204" pitchFamily="34" charset="0"/>
+              </a:rPr>
+              <a:t>  </a:t>
+            </a:r>
+          </a:p>
+          <a:p>
+            <a:pPr marL="514350" indent="-514350">
+              <a:buFont typeface="+mj-lt"/>
+              <a:buAutoNum type="arabicPeriod"/>
+            </a:pPr>
+            <a:endParaRPr lang="en-US" sz="2800" dirty="0">
+              <a:solidFill>
+                <a:srgbClr val="707070"/>
+              </a:solidFill>
+              <a:latin typeface="Pragmatica" panose="020B0403040502020204" pitchFamily="34" charset="0"/>
+            </a:endParaRPr>
+          </a:p>
+        </p:txBody>
+      </p:sp>
+      <p:pic>
+        <p:nvPicPr>
+          <p:cNvPr id="1026" name="Picture 2">
+            <a:extLst>
+              <a:ext uri="{FF2B5EF4-FFF2-40B4-BE49-F238E27FC236}">
+                <a16:creationId xmlns:a16="http://schemas.microsoft.com/office/drawing/2014/main" id="{852D406E-2331-46A9-A399-A76B406632C0}"/>
+              </a:ext>
+            </a:extLst>
+          </p:cNvPr>
+          <p:cNvPicPr>
+            <a:picLocks noChangeAspect="1" noChangeArrowheads="1"/>
+          </p:cNvPicPr>
+          <p:nvPr/>
+        </p:nvPicPr>
+        <p:blipFill>
+          <a:blip r:embed="rId7">
+            <a:extLst>
+              <a:ext uri="{28A0092B-C50C-407E-A947-70E740481C1C}">
+                <a14:useLocalDpi xmlns:a14="http://schemas.microsoft.com/office/drawing/2010/main" val="0"/>
+              </a:ext>
+            </a:extLst>
+          </a:blip>
+          <a:srcRect/>
+          <a:stretch>
+            <a:fillRect/>
+          </a:stretch>
+        </p:blipFill>
+        <p:spPr bwMode="auto">
+          <a:xfrm>
+            <a:off x="7524749" y="3676650"/>
+            <a:ext cx="4667250" cy="3181350"/>
+          </a:xfrm>
+          <a:prstGeom prst="rect">
+            <a:avLst/>
+          </a:prstGeom>
+          <a:noFill/>
+          <a:extLst>
+            <a:ext uri="{909E8E84-426E-40DD-AFC4-6F175D3DCCD1}">
+              <a14:hiddenFill xmlns:a14="http://schemas.microsoft.com/office/drawing/2010/main">
+                <a:solidFill>
+                  <a:srgbClr val="FFFFFF"/>
+                </a:solidFill>
+              </a14:hiddenFill>
+            </a:ext>
+          </a:extLst>
+        </p:spPr>
+      </p:pic>
+      <p:pic>
+        <p:nvPicPr>
+          <p:cNvPr id="2" name="Picture 2">
+            <a:extLst>
+              <a:ext uri="{FF2B5EF4-FFF2-40B4-BE49-F238E27FC236}">
+                <a16:creationId xmlns:a16="http://schemas.microsoft.com/office/drawing/2014/main" id="{B3E0E063-4640-1C79-CE56-51337DFF6F5B}"/>
+              </a:ext>
+            </a:extLst>
+          </p:cNvPr>
+          <p:cNvPicPr>
+            <a:picLocks noChangeAspect="1" noChangeArrowheads="1"/>
+          </p:cNvPicPr>
+          <p:nvPr/>
+        </p:nvPicPr>
+        <p:blipFill>
+          <a:blip r:embed="rId8">
+            <a:extLst>
+              <a:ext uri="{28A0092B-C50C-407E-A947-70E740481C1C}">
+                <a14:useLocalDpi xmlns:a14="http://schemas.microsoft.com/office/drawing/2010/main" val="0"/>
+              </a:ext>
+            </a:extLst>
+          </a:blip>
+          <a:srcRect/>
+          <a:stretch>
+            <a:fillRect/>
+          </a:stretch>
+        </p:blipFill>
+        <p:spPr bwMode="auto">
+          <a:xfrm>
+            <a:off x="2600077" y="250010"/>
+            <a:ext cx="7153525" cy="6255985"/>
+          </a:xfrm>
+          <a:prstGeom prst="rect">
+            <a:avLst/>
+          </a:prstGeom>
+          <a:noFill/>
+          <a:extLst>
+            <a:ext uri="{909E8E84-426E-40DD-AFC4-6F175D3DCCD1}">
+              <a14:hiddenFill xmlns:a14="http://schemas.microsoft.com/office/drawing/2010/main">
+                <a:solidFill>
+                  <a:srgbClr val="FFFFFF"/>
+                </a:solidFill>
+              </a14:hiddenFill>
+            </a:ext>
+          </a:extLst>
+        </p:spPr>
+      </p:pic>
+    </p:spTree>
+    <p:extLst>
+      <p:ext uri="{BB962C8B-B14F-4D97-AF65-F5344CB8AC3E}">
+        <p14:creationId xmlns:p14="http://schemas.microsoft.com/office/powerpoint/2010/main" val="1832939062"/>
+      </p:ext>
+    </p:extLst>
+  </p:cSld>
+  <p:clrMapOvr>
+    <a:masterClrMapping/>
+  </p:clrMapOvr>
+</p:sld>
+</file>
+
+<file path=ppt/slides/slide26.xml><?xml version="1.0" encoding="utf-8"?>
+<p:sld xmlns:a="http://schemas.openxmlformats.org/drawingml/2006/main" xmlns:r="http://schemas.openxmlformats.org/officeDocument/2006/relationships" xmlns:p="http://schemas.openxmlformats.org/presentationml/2006/main">
+  <p:cSld>
+    <p:spTree>
+      <p:nvGrpSpPr>
+        <p:cNvPr id="1" name=""/>
+        <p:cNvGrpSpPr/>
+        <p:nvPr/>
+      </p:nvGrpSpPr>
+      <p:grpSpPr>
+        <a:xfrm>
+          <a:off x="0" y="0"/>
+          <a:ext cx="0" cy="0"/>
+          <a:chOff x="0" y="0"/>
+          <a:chExt cx="0" cy="0"/>
+        </a:xfrm>
+      </p:grpSpPr>
+      <p:pic>
+        <p:nvPicPr>
+          <p:cNvPr id="10" name="Picture 9"/>
+          <p:cNvPicPr>
+            <a:picLocks noChangeAspect="1"/>
+          </p:cNvPicPr>
+          <p:nvPr/>
+        </p:nvPicPr>
+        <p:blipFill rotWithShape="1">
+          <a:blip r:embed="rId3">
+            <a:extLst>
+              <a:ext uri="{28A0092B-C50C-407E-A947-70E740481C1C}">
+                <a14:useLocalDpi xmlns:a14="http://schemas.microsoft.com/office/drawing/2010/main" val="0"/>
+              </a:ext>
+            </a:extLst>
+          </a:blip>
+          <a:srcRect l="50728" t="56371"/>
+          <a:stretch/>
+        </p:blipFill>
+        <p:spPr>
+          <a:xfrm>
             <a:off x="8136460" y="2210765"/>
             <a:ext cx="4055539" cy="4647236"/>
           </a:xfrm>
@@ -12453,7 +12958,7 @@
 </p:sld>
 </file>
 
-<file path=ppt/slides/slide26.xml><?xml version="1.0" encoding="utf-8"?>
+<file path=ppt/slides/slide27.xml><?xml version="1.0" encoding="utf-8"?>
 <p:sld xmlns:a="http://schemas.openxmlformats.org/drawingml/2006/main" xmlns:r="http://schemas.openxmlformats.org/officeDocument/2006/relationships" xmlns:p="http://schemas.openxmlformats.org/presentationml/2006/main">
   <p:cSld>
     <p:spTree>
@@ -12560,7 +13065,7 @@
 </p:sld>
 </file>
 
-<file path=ppt/slides/slide27.xml><?xml version="1.0" encoding="utf-8"?>
+<file path=ppt/slides/slide28.xml><?xml version="1.0" encoding="utf-8"?>
 <p:sld xmlns:a="http://schemas.openxmlformats.org/drawingml/2006/main" xmlns:r="http://schemas.openxmlformats.org/officeDocument/2006/relationships" xmlns:p="http://schemas.openxmlformats.org/presentationml/2006/main">
   <p:cSld>
     <p:spTree>
@@ -12865,7 +13370,7 @@
 </p:sld>
 </file>
 
-<file path=ppt/slides/slide28.xml><?xml version="1.0" encoding="utf-8"?>
+<file path=ppt/slides/slide29.xml><?xml version="1.0" encoding="utf-8"?>
 <p:sld xmlns:a="http://schemas.openxmlformats.org/drawingml/2006/main" xmlns:r="http://schemas.openxmlformats.org/officeDocument/2006/relationships" xmlns:p="http://schemas.openxmlformats.org/presentationml/2006/main">
   <p:cSld>
     <p:spTree>
@@ -13060,203 +13565,6 @@
     <p:extLst>
       <p:ext uri="{BB962C8B-B14F-4D97-AF65-F5344CB8AC3E}">
         <p14:creationId xmlns:p14="http://schemas.microsoft.com/office/powerpoint/2010/main" val="1733762081"/>
-      </p:ext>
-    </p:extLst>
-  </p:cSld>
-  <p:clrMapOvr>
-    <a:masterClrMapping/>
-  </p:clrMapOvr>
-</p:sld>
-</file>
-
-<file path=ppt/slides/slide29.xml><?xml version="1.0" encoding="utf-8"?>
-<p:sld xmlns:a="http://schemas.openxmlformats.org/drawingml/2006/main" xmlns:r="http://schemas.openxmlformats.org/officeDocument/2006/relationships" xmlns:p="http://schemas.openxmlformats.org/presentationml/2006/main">
-  <p:cSld>
-    <p:spTree>
-      <p:nvGrpSpPr>
-        <p:cNvPr id="1" name=""/>
-        <p:cNvGrpSpPr/>
-        <p:nvPr/>
-      </p:nvGrpSpPr>
-      <p:grpSpPr>
-        <a:xfrm>
-          <a:off x="0" y="0"/>
-          <a:ext cx="0" cy="0"/>
-          <a:chOff x="0" y="0"/>
-          <a:chExt cx="0" cy="0"/>
-        </a:xfrm>
-      </p:grpSpPr>
-      <p:sp>
-        <p:nvSpPr>
-          <p:cNvPr id="11" name="TextBox 10"/>
-          <p:cNvSpPr txBox="1"/>
-          <p:nvPr/>
-        </p:nvSpPr>
-        <p:spPr>
-          <a:xfrm>
-            <a:off x="347240" y="113388"/>
-            <a:ext cx="10861534" cy="1015663"/>
-          </a:xfrm>
-          <a:prstGeom prst="rect">
-            <a:avLst/>
-          </a:prstGeom>
-          <a:noFill/>
-        </p:spPr>
-        <p:txBody>
-          <a:bodyPr wrap="square" rtlCol="0">
-            <a:spAutoFit/>
-          </a:bodyPr>
-          <a:lstStyle/>
-          <a:p>
-            <a:r>
-              <a:rPr lang="en-US" sz="6000" dirty="0">
-                <a:latin typeface="Aliens &amp; cows" panose="00000500000000000000" pitchFamily="2" charset="0"/>
-              </a:rPr>
-              <a:t>Recommended reading</a:t>
-            </a:r>
-          </a:p>
-        </p:txBody>
-      </p:sp>
-      <p:sp>
-        <p:nvSpPr>
-          <p:cNvPr id="4" name="TextBox 3">
-            <a:extLst>
-              <a:ext uri="{FF2B5EF4-FFF2-40B4-BE49-F238E27FC236}">
-                <a16:creationId xmlns:a16="http://schemas.microsoft.com/office/drawing/2014/main" id="{5A4F6C64-3E8D-4255-95B8-CF64265213DA}"/>
-              </a:ext>
-            </a:extLst>
-          </p:cNvPr>
-          <p:cNvSpPr txBox="1"/>
-          <p:nvPr/>
-        </p:nvSpPr>
-        <p:spPr>
-          <a:xfrm>
-            <a:off x="347241" y="1465093"/>
-            <a:ext cx="7110528" cy="1384995"/>
-          </a:xfrm>
-          <a:prstGeom prst="rect">
-            <a:avLst/>
-          </a:prstGeom>
-          <a:noFill/>
-        </p:spPr>
-        <p:txBody>
-          <a:bodyPr wrap="square" rtlCol="0">
-            <a:spAutoFit/>
-          </a:bodyPr>
-          <a:lstStyle/>
-          <a:p>
-            <a:pPr marL="457200" indent="-457200">
-              <a:buClr>
-                <a:srgbClr val="CF3338"/>
-              </a:buClr>
-              <a:buFont typeface="Arial" panose="020B0604020202020204" pitchFamily="34" charset="0"/>
-              <a:buChar char="•"/>
-            </a:pPr>
-            <a:r>
-              <a:rPr lang="en-US" sz="2800" i="1" dirty="0">
-                <a:solidFill>
-                  <a:srgbClr val="707070"/>
-                </a:solidFill>
-                <a:latin typeface="Pragmatica" panose="020B0403040502020204" pitchFamily="34" charset="0"/>
-              </a:rPr>
-              <a:t>Machine Learning and Data Science Blueprints for Finance </a:t>
-            </a:r>
-            <a:r>
-              <a:rPr lang="en-US" sz="2800" dirty="0">
-                <a:solidFill>
-                  <a:srgbClr val="707070"/>
-                </a:solidFill>
-                <a:latin typeface="Pragmatica" panose="020B0403040502020204" pitchFamily="34" charset="0"/>
-              </a:rPr>
-              <a:t>by Hariom </a:t>
-            </a:r>
-            <a:r>
-              <a:rPr lang="en-US" sz="2800" dirty="0" err="1">
-                <a:solidFill>
-                  <a:srgbClr val="707070"/>
-                </a:solidFill>
-                <a:latin typeface="Pragmatica" panose="020B0403040502020204" pitchFamily="34" charset="0"/>
-              </a:rPr>
-              <a:t>Tatasat</a:t>
-            </a:r>
-            <a:r>
-              <a:rPr lang="en-US" sz="2800" dirty="0">
-                <a:solidFill>
-                  <a:srgbClr val="707070"/>
-                </a:solidFill>
-                <a:latin typeface="Pragmatica" panose="020B0403040502020204" pitchFamily="34" charset="0"/>
-              </a:rPr>
-              <a:t> </a:t>
-            </a:r>
-            <a:r>
-              <a:rPr lang="en-US" sz="2800" i="1" dirty="0">
-                <a:solidFill>
-                  <a:srgbClr val="707070"/>
-                </a:solidFill>
-                <a:latin typeface="Pragmatica" panose="020B0403040502020204" pitchFamily="34" charset="0"/>
-              </a:rPr>
-              <a:t>et al.</a:t>
-            </a:r>
-            <a:endParaRPr lang="en-US" sz="2800" dirty="0">
-              <a:solidFill>
-                <a:srgbClr val="707070"/>
-              </a:solidFill>
-              <a:latin typeface="Pragmatica" panose="020B0403040502020204" pitchFamily="34" charset="0"/>
-            </a:endParaRPr>
-          </a:p>
-        </p:txBody>
-      </p:sp>
-      <p:pic>
-        <p:nvPicPr>
-          <p:cNvPr id="2050" name="Picture 2" descr="Machine Learning and Data Science Blueprints for Finance: From Building  Trading Strategies to Robo-Advisors Using Python: Tatsat, Hariom, Puri,  Sahil, Lookabaugh, Brad: 9781492073055: Amazon.com: Books">
-            <a:extLst>
-              <a:ext uri="{FF2B5EF4-FFF2-40B4-BE49-F238E27FC236}">
-                <a16:creationId xmlns:a16="http://schemas.microsoft.com/office/drawing/2014/main" id="{A704A7F4-EB77-77D3-352B-F475ADEB6CF0}"/>
-              </a:ext>
-            </a:extLst>
-          </p:cNvPr>
-          <p:cNvPicPr>
-            <a:picLocks noChangeAspect="1" noChangeArrowheads="1"/>
-          </p:cNvPicPr>
-          <p:nvPr/>
-        </p:nvPicPr>
-        <p:blipFill>
-          <a:blip r:embed="rId3">
-            <a:extLst>
-              <a:ext uri="{28A0092B-C50C-407E-A947-70E740481C1C}">
-                <a14:useLocalDpi xmlns:a14="http://schemas.microsoft.com/office/drawing/2010/main" val="0"/>
-              </a:ext>
-            </a:extLst>
-          </a:blip>
-          <a:srcRect/>
-          <a:stretch>
-            <a:fillRect/>
-          </a:stretch>
-        </p:blipFill>
-        <p:spPr bwMode="auto">
-          <a:xfrm>
-            <a:off x="7082299" y="1415845"/>
-            <a:ext cx="3949925" cy="5043948"/>
-          </a:xfrm>
-          <a:prstGeom prst="rect">
-            <a:avLst/>
-          </a:prstGeom>
-          <a:noFill/>
-          <a:extLst>
-            <a:ext uri="{909E8E84-426E-40DD-AFC4-6F175D3DCCD1}">
-              <a14:hiddenFill xmlns:a14="http://schemas.microsoft.com/office/drawing/2010/main">
-                <a:solidFill>
-                  <a:srgbClr val="FFFFFF"/>
-                </a:solidFill>
-              </a14:hiddenFill>
-            </a:ext>
-          </a:extLst>
-        </p:spPr>
-      </p:pic>
-    </p:spTree>
-    <p:extLst>
-      <p:ext uri="{BB962C8B-B14F-4D97-AF65-F5344CB8AC3E}">
-        <p14:creationId xmlns:p14="http://schemas.microsoft.com/office/powerpoint/2010/main" val="3875603922"/>
       </p:ext>
     </p:extLst>
   </p:cSld>
@@ -13514,6 +13822,203 @@
           <a:chExt cx="0" cy="0"/>
         </a:xfrm>
       </p:grpSpPr>
+      <p:sp>
+        <p:nvSpPr>
+          <p:cNvPr id="11" name="TextBox 10"/>
+          <p:cNvSpPr txBox="1"/>
+          <p:nvPr/>
+        </p:nvSpPr>
+        <p:spPr>
+          <a:xfrm>
+            <a:off x="347240" y="113388"/>
+            <a:ext cx="10861534" cy="1015663"/>
+          </a:xfrm>
+          <a:prstGeom prst="rect">
+            <a:avLst/>
+          </a:prstGeom>
+          <a:noFill/>
+        </p:spPr>
+        <p:txBody>
+          <a:bodyPr wrap="square" rtlCol="0">
+            <a:spAutoFit/>
+          </a:bodyPr>
+          <a:lstStyle/>
+          <a:p>
+            <a:r>
+              <a:rPr lang="en-US" sz="6000" dirty="0">
+                <a:latin typeface="Aliens &amp; cows" panose="00000500000000000000" pitchFamily="2" charset="0"/>
+              </a:rPr>
+              <a:t>Recommended reading</a:t>
+            </a:r>
+          </a:p>
+        </p:txBody>
+      </p:sp>
+      <p:sp>
+        <p:nvSpPr>
+          <p:cNvPr id="4" name="TextBox 3">
+            <a:extLst>
+              <a:ext uri="{FF2B5EF4-FFF2-40B4-BE49-F238E27FC236}">
+                <a16:creationId xmlns:a16="http://schemas.microsoft.com/office/drawing/2014/main" id="{5A4F6C64-3E8D-4255-95B8-CF64265213DA}"/>
+              </a:ext>
+            </a:extLst>
+          </p:cNvPr>
+          <p:cNvSpPr txBox="1"/>
+          <p:nvPr/>
+        </p:nvSpPr>
+        <p:spPr>
+          <a:xfrm>
+            <a:off x="347241" y="1465093"/>
+            <a:ext cx="7110528" cy="1384995"/>
+          </a:xfrm>
+          <a:prstGeom prst="rect">
+            <a:avLst/>
+          </a:prstGeom>
+          <a:noFill/>
+        </p:spPr>
+        <p:txBody>
+          <a:bodyPr wrap="square" rtlCol="0">
+            <a:spAutoFit/>
+          </a:bodyPr>
+          <a:lstStyle/>
+          <a:p>
+            <a:pPr marL="457200" indent="-457200">
+              <a:buClr>
+                <a:srgbClr val="CF3338"/>
+              </a:buClr>
+              <a:buFont typeface="Arial" panose="020B0604020202020204" pitchFamily="34" charset="0"/>
+              <a:buChar char="•"/>
+            </a:pPr>
+            <a:r>
+              <a:rPr lang="en-US" sz="2800" i="1" dirty="0">
+                <a:solidFill>
+                  <a:srgbClr val="707070"/>
+                </a:solidFill>
+                <a:latin typeface="Pragmatica" panose="020B0403040502020204" pitchFamily="34" charset="0"/>
+              </a:rPr>
+              <a:t>Machine Learning and Data Science Blueprints for Finance </a:t>
+            </a:r>
+            <a:r>
+              <a:rPr lang="en-US" sz="2800" dirty="0">
+                <a:solidFill>
+                  <a:srgbClr val="707070"/>
+                </a:solidFill>
+                <a:latin typeface="Pragmatica" panose="020B0403040502020204" pitchFamily="34" charset="0"/>
+              </a:rPr>
+              <a:t>by Hariom </a:t>
+            </a:r>
+            <a:r>
+              <a:rPr lang="en-US" sz="2800" dirty="0" err="1">
+                <a:solidFill>
+                  <a:srgbClr val="707070"/>
+                </a:solidFill>
+                <a:latin typeface="Pragmatica" panose="020B0403040502020204" pitchFamily="34" charset="0"/>
+              </a:rPr>
+              <a:t>Tatasat</a:t>
+            </a:r>
+            <a:r>
+              <a:rPr lang="en-US" sz="2800" dirty="0">
+                <a:solidFill>
+                  <a:srgbClr val="707070"/>
+                </a:solidFill>
+                <a:latin typeface="Pragmatica" panose="020B0403040502020204" pitchFamily="34" charset="0"/>
+              </a:rPr>
+              <a:t> </a:t>
+            </a:r>
+            <a:r>
+              <a:rPr lang="en-US" sz="2800" i="1" dirty="0">
+                <a:solidFill>
+                  <a:srgbClr val="707070"/>
+                </a:solidFill>
+                <a:latin typeface="Pragmatica" panose="020B0403040502020204" pitchFamily="34" charset="0"/>
+              </a:rPr>
+              <a:t>et al.</a:t>
+            </a:r>
+            <a:endParaRPr lang="en-US" sz="2800" dirty="0">
+              <a:solidFill>
+                <a:srgbClr val="707070"/>
+              </a:solidFill>
+              <a:latin typeface="Pragmatica" panose="020B0403040502020204" pitchFamily="34" charset="0"/>
+            </a:endParaRPr>
+          </a:p>
+        </p:txBody>
+      </p:sp>
+      <p:pic>
+        <p:nvPicPr>
+          <p:cNvPr id="2050" name="Picture 2" descr="Machine Learning and Data Science Blueprints for Finance: From Building  Trading Strategies to Robo-Advisors Using Python: Tatsat, Hariom, Puri,  Sahil, Lookabaugh, Brad: 9781492073055: Amazon.com: Books">
+            <a:extLst>
+              <a:ext uri="{FF2B5EF4-FFF2-40B4-BE49-F238E27FC236}">
+                <a16:creationId xmlns:a16="http://schemas.microsoft.com/office/drawing/2014/main" id="{A704A7F4-EB77-77D3-352B-F475ADEB6CF0}"/>
+              </a:ext>
+            </a:extLst>
+          </p:cNvPr>
+          <p:cNvPicPr>
+            <a:picLocks noChangeAspect="1" noChangeArrowheads="1"/>
+          </p:cNvPicPr>
+          <p:nvPr/>
+        </p:nvPicPr>
+        <p:blipFill>
+          <a:blip r:embed="rId3">
+            <a:extLst>
+              <a:ext uri="{28A0092B-C50C-407E-A947-70E740481C1C}">
+                <a14:useLocalDpi xmlns:a14="http://schemas.microsoft.com/office/drawing/2010/main" val="0"/>
+              </a:ext>
+            </a:extLst>
+          </a:blip>
+          <a:srcRect/>
+          <a:stretch>
+            <a:fillRect/>
+          </a:stretch>
+        </p:blipFill>
+        <p:spPr bwMode="auto">
+          <a:xfrm>
+            <a:off x="7082299" y="1415845"/>
+            <a:ext cx="3949925" cy="5043948"/>
+          </a:xfrm>
+          <a:prstGeom prst="rect">
+            <a:avLst/>
+          </a:prstGeom>
+          <a:noFill/>
+          <a:extLst>
+            <a:ext uri="{909E8E84-426E-40DD-AFC4-6F175D3DCCD1}">
+              <a14:hiddenFill xmlns:a14="http://schemas.microsoft.com/office/drawing/2010/main">
+                <a:solidFill>
+                  <a:srgbClr val="FFFFFF"/>
+                </a:solidFill>
+              </a14:hiddenFill>
+            </a:ext>
+          </a:extLst>
+        </p:spPr>
+      </p:pic>
+    </p:spTree>
+    <p:extLst>
+      <p:ext uri="{BB962C8B-B14F-4D97-AF65-F5344CB8AC3E}">
+        <p14:creationId xmlns:p14="http://schemas.microsoft.com/office/powerpoint/2010/main" val="3875603922"/>
+      </p:ext>
+    </p:extLst>
+  </p:cSld>
+  <p:clrMapOvr>
+    <a:masterClrMapping/>
+  </p:clrMapOvr>
+</p:sld>
+</file>
+
+<file path=ppt/slides/slide31.xml><?xml version="1.0" encoding="utf-8"?>
+<p:sld xmlns:a="http://schemas.openxmlformats.org/drawingml/2006/main" xmlns:r="http://schemas.openxmlformats.org/officeDocument/2006/relationships" xmlns:p="http://schemas.openxmlformats.org/presentationml/2006/main">
+  <p:cSld>
+    <p:spTree>
+      <p:nvGrpSpPr>
+        <p:cNvPr id="1" name=""/>
+        <p:cNvGrpSpPr/>
+        <p:nvPr/>
+      </p:nvGrpSpPr>
+      <p:grpSpPr>
+        <a:xfrm>
+          <a:off x="0" y="0"/>
+          <a:ext cx="0" cy="0"/>
+          <a:chOff x="0" y="0"/>
+          <a:chExt cx="0" cy="0"/>
+        </a:xfrm>
+      </p:grpSpPr>
       <p:pic>
         <p:nvPicPr>
           <p:cNvPr id="10" name="Picture 9"/>
@@ -13670,7 +14175,7 @@
 </p:sld>
 </file>
 
-<file path=ppt/slides/slide31.xml><?xml version="1.0" encoding="utf-8"?>
+<file path=ppt/slides/slide32.xml><?xml version="1.0" encoding="utf-8"?>
 <p:sld xmlns:a="http://schemas.openxmlformats.org/drawingml/2006/main" xmlns:r="http://schemas.openxmlformats.org/officeDocument/2006/relationships" xmlns:p="http://schemas.openxmlformats.org/presentationml/2006/main">
   <p:cSld>
     <p:spTree>
@@ -13812,7 +14317,7 @@
 </p:sld>
 </file>
 
-<file path=ppt/slides/slide32.xml><?xml version="1.0" encoding="utf-8"?>
+<file path=ppt/slides/slide33.xml><?xml version="1.0" encoding="utf-8"?>
 <p:sld xmlns:a="http://schemas.openxmlformats.org/drawingml/2006/main" xmlns:r="http://schemas.openxmlformats.org/officeDocument/2006/relationships" xmlns:p="http://schemas.openxmlformats.org/presentationml/2006/main">
   <p:cSld>
     <p:spTree>

--- a/fmi-intro-to-python.pptx
+++ b/fmi-intro-to-python.pptx
@@ -5,7 +5,7 @@
     <p:sldMasterId id="2147483648" r:id="rId1"/>
   </p:sldMasterIdLst>
   <p:notesMasterIdLst>
-    <p:notesMasterId r:id="rId35"/>
+    <p:notesMasterId r:id="rId34"/>
   </p:notesMasterIdLst>
   <p:sldIdLst>
     <p:sldId id="256" r:id="rId2"/>
@@ -40,7 +40,6 @@
     <p:sldId id="357" r:id="rId31"/>
     <p:sldId id="355" r:id="rId32"/>
     <p:sldId id="336" r:id="rId33"/>
-    <p:sldId id="358" r:id="rId34"/>
   </p:sldIdLst>
   <p:sldSz cx="12192000" cy="6858000"/>
   <p:notesSz cx="6858000" cy="9144000"/>
@@ -1859,7 +1858,7 @@
           <a:p>
             <a:fld id="{4A469429-6ED5-4301-866D-519E2D1EB5BF}" type="datetimeFigureOut">
               <a:rPr lang="en-US" smtClean="0"/>
-              <a:t>3/13/2023</a:t>
+              <a:t>3/14/2023</a:t>
             </a:fld>
             <a:endParaRPr lang="en-US"/>
           </a:p>
@@ -4955,7 +4954,7 @@
           <a:p>
             <a:fld id="{0138B082-EFC2-46C1-B47C-51736C670379}" type="datetimeFigureOut">
               <a:rPr lang="en-US" smtClean="0"/>
-              <a:t>3/13/2023</a:t>
+              <a:t>3/14/2023</a:t>
             </a:fld>
             <a:endParaRPr lang="en-US"/>
           </a:p>
@@ -5123,7 +5122,7 @@
           <a:p>
             <a:fld id="{0138B082-EFC2-46C1-B47C-51736C670379}" type="datetimeFigureOut">
               <a:rPr lang="en-US" smtClean="0"/>
-              <a:t>3/13/2023</a:t>
+              <a:t>3/14/2023</a:t>
             </a:fld>
             <a:endParaRPr lang="en-US"/>
           </a:p>
@@ -5301,7 +5300,7 @@
           <a:p>
             <a:fld id="{0138B082-EFC2-46C1-B47C-51736C670379}" type="datetimeFigureOut">
               <a:rPr lang="en-US" smtClean="0"/>
-              <a:t>3/13/2023</a:t>
+              <a:t>3/14/2023</a:t>
             </a:fld>
             <a:endParaRPr lang="en-US"/>
           </a:p>
@@ -5469,7 +5468,7 @@
           <a:p>
             <a:fld id="{0138B082-EFC2-46C1-B47C-51736C670379}" type="datetimeFigureOut">
               <a:rPr lang="en-US" smtClean="0"/>
-              <a:t>3/13/2023</a:t>
+              <a:t>3/14/2023</a:t>
             </a:fld>
             <a:endParaRPr lang="en-US"/>
           </a:p>
@@ -5714,7 +5713,7 @@
           <a:p>
             <a:fld id="{0138B082-EFC2-46C1-B47C-51736C670379}" type="datetimeFigureOut">
               <a:rPr lang="en-US" smtClean="0"/>
-              <a:t>3/13/2023</a:t>
+              <a:t>3/14/2023</a:t>
             </a:fld>
             <a:endParaRPr lang="en-US"/>
           </a:p>
@@ -5943,7 +5942,7 @@
           <a:p>
             <a:fld id="{0138B082-EFC2-46C1-B47C-51736C670379}" type="datetimeFigureOut">
               <a:rPr lang="en-US" smtClean="0"/>
-              <a:t>3/13/2023</a:t>
+              <a:t>3/14/2023</a:t>
             </a:fld>
             <a:endParaRPr lang="en-US"/>
           </a:p>
@@ -6307,7 +6306,7 @@
           <a:p>
             <a:fld id="{0138B082-EFC2-46C1-B47C-51736C670379}" type="datetimeFigureOut">
               <a:rPr lang="en-US" smtClean="0"/>
-              <a:t>3/13/2023</a:t>
+              <a:t>3/14/2023</a:t>
             </a:fld>
             <a:endParaRPr lang="en-US"/>
           </a:p>
@@ -6424,7 +6423,7 @@
           <a:p>
             <a:fld id="{0138B082-EFC2-46C1-B47C-51736C670379}" type="datetimeFigureOut">
               <a:rPr lang="en-US" smtClean="0"/>
-              <a:t>3/13/2023</a:t>
+              <a:t>3/14/2023</a:t>
             </a:fld>
             <a:endParaRPr lang="en-US"/>
           </a:p>
@@ -6519,7 +6518,7 @@
           <a:p>
             <a:fld id="{0138B082-EFC2-46C1-B47C-51736C670379}" type="datetimeFigureOut">
               <a:rPr lang="en-US" smtClean="0"/>
-              <a:t>3/13/2023</a:t>
+              <a:t>3/14/2023</a:t>
             </a:fld>
             <a:endParaRPr lang="en-US"/>
           </a:p>
@@ -6794,7 +6793,7 @@
           <a:p>
             <a:fld id="{0138B082-EFC2-46C1-B47C-51736C670379}" type="datetimeFigureOut">
               <a:rPr lang="en-US" smtClean="0"/>
-              <a:t>3/13/2023</a:t>
+              <a:t>3/14/2023</a:t>
             </a:fld>
             <a:endParaRPr lang="en-US"/>
           </a:p>
@@ -7046,7 +7045,7 @@
           <a:p>
             <a:fld id="{0138B082-EFC2-46C1-B47C-51736C670379}" type="datetimeFigureOut">
               <a:rPr lang="en-US" smtClean="0"/>
-              <a:t>3/13/2023</a:t>
+              <a:t>3/14/2023</a:t>
             </a:fld>
             <a:endParaRPr lang="en-US"/>
           </a:p>
@@ -7257,7 +7256,7 @@
           <a:p>
             <a:fld id="{0138B082-EFC2-46C1-B47C-51736C670379}" type="datetimeFigureOut">
               <a:rPr lang="en-US" smtClean="0"/>
-              <a:t>3/13/2023</a:t>
+              <a:t>3/14/2023</a:t>
             </a:fld>
             <a:endParaRPr lang="en-US"/>
           </a:p>
@@ -13971,7 +13970,7 @@
         </p:blipFill>
         <p:spPr bwMode="auto">
           <a:xfrm>
-            <a:off x="7082299" y="1415845"/>
+            <a:off x="7258849" y="1465093"/>
             <a:ext cx="3949925" cy="5043948"/>
           </a:xfrm>
           <a:prstGeom prst="rect">
@@ -14308,250 +14307,6 @@
     <p:extLst>
       <p:ext uri="{BB962C8B-B14F-4D97-AF65-F5344CB8AC3E}">
         <p14:creationId xmlns:p14="http://schemas.microsoft.com/office/powerpoint/2010/main" val="2312071835"/>
-      </p:ext>
-    </p:extLst>
-  </p:cSld>
-  <p:clrMapOvr>
-    <a:masterClrMapping/>
-  </p:clrMapOvr>
-</p:sld>
-</file>
-
-<file path=ppt/slides/slide33.xml><?xml version="1.0" encoding="utf-8"?>
-<p:sld xmlns:a="http://schemas.openxmlformats.org/drawingml/2006/main" xmlns:r="http://schemas.openxmlformats.org/officeDocument/2006/relationships" xmlns:p="http://schemas.openxmlformats.org/presentationml/2006/main">
-  <p:cSld>
-    <p:spTree>
-      <p:nvGrpSpPr>
-        <p:cNvPr id="1" name=""/>
-        <p:cNvGrpSpPr/>
-        <p:nvPr/>
-      </p:nvGrpSpPr>
-      <p:grpSpPr>
-        <a:xfrm>
-          <a:off x="0" y="0"/>
-          <a:ext cx="0" cy="0"/>
-          <a:chOff x="0" y="0"/>
-          <a:chExt cx="0" cy="0"/>
-        </a:xfrm>
-      </p:grpSpPr>
-      <p:pic>
-        <p:nvPicPr>
-          <p:cNvPr id="10" name="Picture 9"/>
-          <p:cNvPicPr>
-            <a:picLocks noChangeAspect="1"/>
-          </p:cNvPicPr>
-          <p:nvPr/>
-        </p:nvPicPr>
-        <p:blipFill rotWithShape="1">
-          <a:blip r:embed="rId2">
-            <a:extLst>
-              <a:ext uri="{28A0092B-C50C-407E-A947-70E740481C1C}">
-                <a14:useLocalDpi xmlns:a14="http://schemas.microsoft.com/office/drawing/2010/main" val="0"/>
-              </a:ext>
-            </a:extLst>
-          </a:blip>
-          <a:srcRect l="50728" t="56371"/>
-          <a:stretch/>
-        </p:blipFill>
-        <p:spPr>
-          <a:xfrm>
-            <a:off x="8136460" y="2210765"/>
-            <a:ext cx="4055539" cy="4647236"/>
-          </a:xfrm>
-          <a:prstGeom prst="rect">
-            <a:avLst/>
-          </a:prstGeom>
-        </p:spPr>
-      </p:pic>
-      <p:pic>
-        <p:nvPicPr>
-          <p:cNvPr id="4" name="Picture 3"/>
-          <p:cNvPicPr>
-            <a:picLocks noChangeAspect="1"/>
-          </p:cNvPicPr>
-          <p:nvPr/>
-        </p:nvPicPr>
-        <p:blipFill>
-          <a:blip r:embed="rId3">
-            <a:extLst>
-              <a:ext uri="{28A0092B-C50C-407E-A947-70E740481C1C}">
-                <a14:useLocalDpi xmlns:a14="http://schemas.microsoft.com/office/drawing/2010/main" val="0"/>
-              </a:ext>
-            </a:extLst>
-          </a:blip>
-          <a:stretch>
-            <a:fillRect/>
-          </a:stretch>
-        </p:blipFill>
-        <p:spPr>
-          <a:xfrm>
-            <a:off x="-538496" y="-2482770"/>
-            <a:ext cx="10171472" cy="7459883"/>
-          </a:xfrm>
-          <a:prstGeom prst="rect">
-            <a:avLst/>
-          </a:prstGeom>
-        </p:spPr>
-      </p:pic>
-      <p:sp>
-        <p:nvSpPr>
-          <p:cNvPr id="11" name="TextBox 10"/>
-          <p:cNvSpPr txBox="1"/>
-          <p:nvPr/>
-        </p:nvSpPr>
-        <p:spPr>
-          <a:xfrm>
-            <a:off x="324091" y="1687545"/>
-            <a:ext cx="7986531" cy="4401205"/>
-          </a:xfrm>
-          <a:prstGeom prst="rect">
-            <a:avLst/>
-          </a:prstGeom>
-          <a:noFill/>
-        </p:spPr>
-        <p:txBody>
-          <a:bodyPr wrap="square" rtlCol="0">
-            <a:spAutoFit/>
-          </a:bodyPr>
-          <a:lstStyle/>
-          <a:p>
-            <a:r>
-              <a:rPr lang="en-US" sz="2800" b="1" dirty="0">
-                <a:solidFill>
-                  <a:srgbClr val="707070"/>
-                </a:solidFill>
-                <a:latin typeface="Pragmatica" panose="020B0403040502020204" pitchFamily="34" charset="0"/>
-              </a:rPr>
-              <a:t>FEEBACK PLEASE</a:t>
-            </a:r>
-          </a:p>
-          <a:p>
-            <a:endParaRPr lang="en-US" sz="2800" b="1" dirty="0">
-              <a:solidFill>
-                <a:srgbClr val="707070"/>
-              </a:solidFill>
-              <a:latin typeface="Pragmatica" panose="020B0403040502020204" pitchFamily="34" charset="0"/>
-            </a:endParaRPr>
-          </a:p>
-          <a:p>
-            <a:r>
-              <a:rPr lang="en-US" sz="2800" b="1" dirty="0">
-                <a:solidFill>
-                  <a:srgbClr val="707070"/>
-                </a:solidFill>
-                <a:latin typeface="Pragmatica" panose="020B0403040502020204" pitchFamily="34" charset="0"/>
-              </a:rPr>
-              <a:t>Email to </a:t>
-            </a:r>
-            <a:r>
-              <a:rPr lang="en-US" sz="2800" b="1" dirty="0">
-                <a:solidFill>
-                  <a:srgbClr val="707070"/>
-                </a:solidFill>
-                <a:latin typeface="Pragmatica" panose="020B0403040502020204" pitchFamily="34" charset="0"/>
-                <a:hlinkClick r:id="rId4"/>
-              </a:rPr>
-              <a:t>George@stringfestanalytics.com</a:t>
-            </a:r>
-            <a:r>
-              <a:rPr lang="en-US" sz="2800" b="1" dirty="0">
-                <a:solidFill>
-                  <a:srgbClr val="707070"/>
-                </a:solidFill>
-                <a:latin typeface="Pragmatica" panose="020B0403040502020204" pitchFamily="34" charset="0"/>
-              </a:rPr>
-              <a:t> </a:t>
-            </a:r>
-          </a:p>
-          <a:p>
-            <a:pPr marL="457200" indent="-457200">
-              <a:buFont typeface="Arial" panose="020B0604020202020204" pitchFamily="34" charset="0"/>
-              <a:buChar char="•"/>
-            </a:pPr>
-            <a:r>
-              <a:rPr lang="en-US" sz="2800" dirty="0">
-                <a:solidFill>
-                  <a:srgbClr val="707070"/>
-                </a:solidFill>
-                <a:latin typeface="Pragmatica" panose="020B0403040502020204" pitchFamily="34" charset="0"/>
-              </a:rPr>
-              <a:t>What did you learn?</a:t>
-            </a:r>
-          </a:p>
-          <a:p>
-            <a:pPr marL="457200" indent="-457200">
-              <a:buFont typeface="Arial" panose="020B0604020202020204" pitchFamily="34" charset="0"/>
-              <a:buChar char="•"/>
-            </a:pPr>
-            <a:r>
-              <a:rPr lang="en-US" sz="2800" dirty="0">
-                <a:solidFill>
-                  <a:srgbClr val="707070"/>
-                </a:solidFill>
-                <a:latin typeface="Pragmatica" panose="020B0403040502020204" pitchFamily="34" charset="0"/>
-              </a:rPr>
-              <a:t>What did you enjoy?</a:t>
-            </a:r>
-          </a:p>
-          <a:p>
-            <a:pPr marL="457200" indent="-457200">
-              <a:buFont typeface="Arial" panose="020B0604020202020204" pitchFamily="34" charset="0"/>
-              <a:buChar char="•"/>
-            </a:pPr>
-            <a:r>
-              <a:rPr lang="en-US" sz="2800" dirty="0">
-                <a:solidFill>
-                  <a:srgbClr val="707070"/>
-                </a:solidFill>
-                <a:latin typeface="Pragmatica" panose="020B0403040502020204" pitchFamily="34" charset="0"/>
-              </a:rPr>
-              <a:t>What else would you like? </a:t>
-            </a:r>
-          </a:p>
-          <a:p>
-            <a:endParaRPr lang="en-US" sz="2800" b="1" dirty="0">
-              <a:solidFill>
-                <a:srgbClr val="707070"/>
-              </a:solidFill>
-              <a:latin typeface="Pragmatica" panose="020B0403040502020204" pitchFamily="34" charset="0"/>
-            </a:endParaRPr>
-          </a:p>
-          <a:p>
-            <a:r>
-              <a:rPr lang="en-US" sz="2800" dirty="0">
-                <a:solidFill>
-                  <a:srgbClr val="707070"/>
-                </a:solidFill>
-                <a:latin typeface="Pragmatica" panose="020B0403040502020204" pitchFamily="34" charset="0"/>
-              </a:rPr>
-              <a:t>Provide your mailing address for Stringfest swag!</a:t>
-            </a:r>
-          </a:p>
-          <a:p>
-            <a:endParaRPr lang="en-US" sz="2800" dirty="0">
-              <a:solidFill>
-                <a:srgbClr val="707070"/>
-              </a:solidFill>
-              <a:latin typeface="Pragmatica" panose="020B0403040502020204" pitchFamily="34" charset="0"/>
-            </a:endParaRPr>
-          </a:p>
-          <a:p>
-            <a:r>
-              <a:rPr lang="en-US" sz="2800" dirty="0">
-                <a:solidFill>
-                  <a:srgbClr val="707070"/>
-                </a:solidFill>
-                <a:latin typeface="Pragmatica" panose="020B0403040502020204" pitchFamily="34" charset="0"/>
-              </a:rPr>
-              <a:t>(I may use testimonials for marketing)</a:t>
-            </a:r>
-          </a:p>
-        </p:txBody>
-      </p:sp>
-    </p:spTree>
-    <p:extLst>
-      <p:ext uri="{BB962C8B-B14F-4D97-AF65-F5344CB8AC3E}">
-        <p14:creationId xmlns:p14="http://schemas.microsoft.com/office/powerpoint/2010/main" val="1737514512"/>
       </p:ext>
     </p:extLst>
   </p:cSld>

--- a/fmi-intro-to-python.pptx
+++ b/fmi-intro-to-python.pptx
@@ -9,9 +9,9 @@
   </p:notesMasterIdLst>
   <p:sldIdLst>
     <p:sldId id="256" r:id="rId2"/>
-    <p:sldId id="258" r:id="rId3"/>
-    <p:sldId id="360" r:id="rId4"/>
-    <p:sldId id="361" r:id="rId5"/>
+    <p:sldId id="360" r:id="rId3"/>
+    <p:sldId id="361" r:id="rId4"/>
+    <p:sldId id="258" r:id="rId5"/>
     <p:sldId id="330" r:id="rId6"/>
     <p:sldId id="266" r:id="rId7"/>
     <p:sldId id="267" r:id="rId8"/>
@@ -3194,7 +3194,7 @@
     </p:spTree>
     <p:extLst>
       <p:ext uri="{BB962C8B-B14F-4D97-AF65-F5344CB8AC3E}">
-        <p14:creationId xmlns:p14="http://schemas.microsoft.com/office/powerpoint/2010/main" val="2213468204"/>
+        <p14:creationId xmlns:p14="http://schemas.microsoft.com/office/powerpoint/2010/main" val="2598490024"/>
       </p:ext>
     </p:extLst>
   </p:cSld>
@@ -4291,7 +4291,7 @@
     </p:spTree>
     <p:extLst>
       <p:ext uri="{BB962C8B-B14F-4D97-AF65-F5344CB8AC3E}">
-        <p14:creationId xmlns:p14="http://schemas.microsoft.com/office/powerpoint/2010/main" val="2598490024"/>
+        <p14:creationId xmlns:p14="http://schemas.microsoft.com/office/powerpoint/2010/main" val="1171820938"/>
       </p:ext>
     </p:extLst>
   </p:cSld>
@@ -4375,7 +4375,7 @@
     </p:spTree>
     <p:extLst>
       <p:ext uri="{BB962C8B-B14F-4D97-AF65-F5344CB8AC3E}">
-        <p14:creationId xmlns:p14="http://schemas.microsoft.com/office/powerpoint/2010/main" val="1171820938"/>
+        <p14:creationId xmlns:p14="http://schemas.microsoft.com/office/powerpoint/2010/main" val="2213468204"/>
       </p:ext>
     </p:extLst>
   </p:cSld>
@@ -11196,176 +11196,156 @@
               <a:rPr lang="en-US" sz="6000" dirty="0">
                 <a:latin typeface="Aliens &amp; cows" panose="00000500000000000000" pitchFamily="2" charset="0"/>
               </a:rPr>
-              <a:t>Follow along</a:t>
-            </a:r>
-          </a:p>
-        </p:txBody>
-      </p:sp>
-      <p:sp>
-        <p:nvSpPr>
-          <p:cNvPr id="3" name="TextBox 2"/>
-          <p:cNvSpPr txBox="1"/>
+              <a:t>Hi, I’m George</a:t>
+            </a:r>
+          </a:p>
+        </p:txBody>
+      </p:sp>
+      <p:pic>
+        <p:nvPicPr>
+          <p:cNvPr id="2" name="Picture 6" descr="Free photos of Cleveland">
+            <a:extLst>
+              <a:ext uri="{FF2B5EF4-FFF2-40B4-BE49-F238E27FC236}">
+                <a16:creationId xmlns:a16="http://schemas.microsoft.com/office/drawing/2014/main" id="{735B7E03-D415-5D79-F61E-E8B7630C0B94}"/>
+              </a:ext>
+            </a:extLst>
+          </p:cNvPr>
+          <p:cNvPicPr>
+            <a:picLocks noChangeAspect="1" noChangeArrowheads="1"/>
+          </p:cNvPicPr>
           <p:nvPr/>
-        </p:nvSpPr>
-        <p:spPr>
+        </p:nvPicPr>
+        <p:blipFill>
+          <a:blip r:embed="rId4" cstate="print">
+            <a:extLst>
+              <a:ext uri="{28A0092B-C50C-407E-A947-70E740481C1C}">
+                <a14:useLocalDpi xmlns:a14="http://schemas.microsoft.com/office/drawing/2010/main" val="0"/>
+              </a:ext>
+            </a:extLst>
+          </a:blip>
+          <a:srcRect/>
+          <a:stretch>
+            <a:fillRect/>
+          </a:stretch>
+        </p:blipFill>
+        <p:spPr bwMode="auto">
           <a:xfrm>
-            <a:off x="462988" y="1365813"/>
-            <a:ext cx="8471462" cy="4401205"/>
+            <a:off x="2395007" y="1129051"/>
+            <a:ext cx="3811198" cy="2536829"/>
           </a:xfrm>
           <a:prstGeom prst="rect">
             <a:avLst/>
           </a:prstGeom>
           <a:noFill/>
+          <a:extLst>
+            <a:ext uri="{909E8E84-426E-40DD-AFC4-6F175D3DCCD1}">
+              <a14:hiddenFill xmlns:a14="http://schemas.microsoft.com/office/drawing/2010/main">
+                <a:solidFill>
+                  <a:srgbClr val="FFFFFF"/>
+                </a:solidFill>
+              </a14:hiddenFill>
+            </a:ext>
+          </a:extLst>
         </p:spPr>
-        <p:txBody>
-          <a:bodyPr wrap="square" rtlCol="0">
-            <a:spAutoFit/>
-          </a:bodyPr>
-          <a:lstStyle/>
-          <a:p>
-            <a:pPr marL="285750" indent="-285750">
-              <a:buFont typeface="Arial" panose="020B0604020202020204" pitchFamily="34" charset="0"/>
-              <a:buChar char="•"/>
-            </a:pPr>
-            <a:r>
-              <a:rPr lang="en-US" sz="2800" dirty="0">
-                <a:solidFill>
-                  <a:srgbClr val="707070"/>
-                </a:solidFill>
-                <a:latin typeface="Pragmatica" panose="020B0403040502020204" pitchFamily="34" charset="0"/>
-              </a:rPr>
-              <a:t>Download resources: </a:t>
-            </a:r>
-            <a:r>
-              <a:rPr lang="en-US" sz="2800" dirty="0">
-                <a:solidFill>
-                  <a:srgbClr val="707070"/>
-                </a:solidFill>
-                <a:latin typeface="Pragmatica" panose="020B0403040502020204" pitchFamily="34" charset="0"/>
-                <a:hlinkClick r:id="rId4"/>
-              </a:rPr>
-              <a:t>https://github.com/stringfestdata/fmi-intro-to-python/</a:t>
-            </a:r>
-            <a:endParaRPr lang="en-US" sz="2800" dirty="0">
-              <a:solidFill>
-                <a:srgbClr val="707070"/>
-              </a:solidFill>
-              <a:latin typeface="Pragmatica" panose="020B0403040502020204" pitchFamily="34" charset="0"/>
-            </a:endParaRPr>
-          </a:p>
-          <a:p>
-            <a:pPr marL="285750" indent="-285750">
-              <a:buFont typeface="Arial" panose="020B0604020202020204" pitchFamily="34" charset="0"/>
-              <a:buChar char="•"/>
-            </a:pPr>
-            <a:endParaRPr lang="en-US" sz="2800" dirty="0">
-              <a:solidFill>
-                <a:srgbClr val="707070"/>
-              </a:solidFill>
-              <a:latin typeface="Pragmatica" panose="020B0403040502020204" pitchFamily="34" charset="0"/>
-            </a:endParaRPr>
-          </a:p>
-          <a:p>
-            <a:pPr marL="285750" indent="-285750">
-              <a:buFont typeface="Arial" panose="020B0604020202020204" pitchFamily="34" charset="0"/>
-              <a:buChar char="•"/>
-            </a:pPr>
-            <a:r>
-              <a:rPr lang="en-US" sz="2800" dirty="0">
-                <a:solidFill>
-                  <a:srgbClr val="707070"/>
-                </a:solidFill>
-                <a:latin typeface="Pragmatica" panose="020B0403040502020204" pitchFamily="34" charset="0"/>
-              </a:rPr>
-              <a:t>Click through this link now to run during presentation:</a:t>
-            </a:r>
-          </a:p>
-          <a:p>
-            <a:pPr marL="285750" indent="-285750">
-              <a:buFont typeface="Arial" panose="020B0604020202020204" pitchFamily="34" charset="0"/>
-              <a:buChar char="•"/>
-            </a:pPr>
-            <a:endParaRPr lang="en-US" sz="2800" dirty="0">
-              <a:solidFill>
-                <a:srgbClr val="707070"/>
-              </a:solidFill>
-              <a:latin typeface="Pragmatica" panose="020B0403040502020204" pitchFamily="34" charset="0"/>
-            </a:endParaRPr>
-          </a:p>
-          <a:p>
-            <a:pPr marL="285750" indent="-285750">
-              <a:buFont typeface="Arial" panose="020B0604020202020204" pitchFamily="34" charset="0"/>
-              <a:buChar char="•"/>
-            </a:pPr>
-            <a:endParaRPr lang="en-US" sz="2800" dirty="0">
-              <a:solidFill>
-                <a:srgbClr val="707070"/>
-              </a:solidFill>
-              <a:latin typeface="Pragmatica" panose="020B0403040502020204" pitchFamily="34" charset="0"/>
-            </a:endParaRPr>
-          </a:p>
-          <a:p>
-            <a:endParaRPr lang="en-US" sz="2800" dirty="0">
-              <a:solidFill>
-                <a:srgbClr val="707070"/>
-              </a:solidFill>
-              <a:latin typeface="Pragmatica" panose="020B0403040502020204" pitchFamily="34" charset="0"/>
-            </a:endParaRPr>
-          </a:p>
-          <a:p>
-            <a:endParaRPr lang="en-US" sz="2800" dirty="0">
-              <a:solidFill>
-                <a:srgbClr val="707070"/>
-              </a:solidFill>
-              <a:latin typeface="Pragmatica" panose="020B0403040502020204" pitchFamily="34" charset="0"/>
-            </a:endParaRPr>
-          </a:p>
-          <a:p>
-            <a:r>
-              <a:rPr lang="en-US" sz="2800" dirty="0">
-                <a:solidFill>
-                  <a:srgbClr val="707070"/>
-                </a:solidFill>
-                <a:latin typeface="Pragmatica" panose="020B0403040502020204" pitchFamily="34" charset="0"/>
-              </a:rPr>
-              <a:t>(this could take some time so feel free to ask questions now)…</a:t>
-            </a:r>
-          </a:p>
-        </p:txBody>
-      </p:sp>
+      </p:pic>
       <p:pic>
         <p:nvPicPr>
-          <p:cNvPr id="4" name="Picture 3">
+          <p:cNvPr id="5" name="Picture 4" descr="Advancing into Analytics Cover Image">
             <a:extLst>
               <a:ext uri="{FF2B5EF4-FFF2-40B4-BE49-F238E27FC236}">
-                <a16:creationId xmlns:a16="http://schemas.microsoft.com/office/drawing/2014/main" id="{F51C6B1B-A060-47A7-9AD8-3F6C3CE0AD77}"/>
+                <a16:creationId xmlns:a16="http://schemas.microsoft.com/office/drawing/2014/main" id="{1B32CF75-EAC9-2BF3-264D-9FCCF83CE47D}"/>
               </a:ext>
             </a:extLst>
           </p:cNvPr>
           <p:cNvPicPr>
-            <a:picLocks noChangeAspect="1"/>
+            <a:picLocks noChangeAspect="1" noChangeArrowheads="1"/>
           </p:cNvPicPr>
           <p:nvPr/>
         </p:nvPicPr>
-        <p:blipFill rotWithShape="1">
-          <a:blip r:embed="rId5"/>
-          <a:srcRect t="43450"/>
-          <a:stretch/>
+        <p:blipFill>
+          <a:blip r:embed="rId5" cstate="print">
+            <a:extLst>
+              <a:ext uri="{28A0092B-C50C-407E-A947-70E740481C1C}">
+                <a14:useLocalDpi xmlns:a14="http://schemas.microsoft.com/office/drawing/2010/main" val="0"/>
+              </a:ext>
+            </a:extLst>
+          </a:blip>
+          <a:srcRect/>
+          <a:stretch>
+            <a:fillRect/>
+          </a:stretch>
         </p:blipFill>
-        <p:spPr>
+        <p:spPr bwMode="auto">
           <a:xfrm>
-            <a:off x="1515231" y="3429000"/>
-            <a:ext cx="5780952" cy="953261"/>
+            <a:off x="7053234" y="2528472"/>
+            <a:ext cx="3093943" cy="4041068"/>
           </a:xfrm>
           <a:prstGeom prst="rect">
             <a:avLst/>
           </a:prstGeom>
+          <a:noFill/>
+          <a:extLst>
+            <a:ext uri="{909E8E84-426E-40DD-AFC4-6F175D3DCCD1}">
+              <a14:hiddenFill xmlns:a14="http://schemas.microsoft.com/office/drawing/2010/main">
+                <a:solidFill>
+                  <a:srgbClr val="FFFFFF"/>
+                </a:solidFill>
+              </a14:hiddenFill>
+            </a:ext>
+          </a:extLst>
+        </p:spPr>
+      </p:pic>
+      <p:pic>
+        <p:nvPicPr>
+          <p:cNvPr id="1026" name="Picture 2" descr="Microsoft Most Valuable Professional">
+            <a:extLst>
+              <a:ext uri="{FF2B5EF4-FFF2-40B4-BE49-F238E27FC236}">
+                <a16:creationId xmlns:a16="http://schemas.microsoft.com/office/drawing/2014/main" id="{09FDEC6E-AB1C-5FBB-3AC5-A60E34A22597}"/>
+              </a:ext>
+            </a:extLst>
+          </p:cNvPr>
+          <p:cNvPicPr>
+            <a:picLocks noChangeAspect="1" noChangeArrowheads="1"/>
+          </p:cNvPicPr>
+          <p:nvPr/>
+        </p:nvPicPr>
+        <p:blipFill>
+          <a:blip r:embed="rId6">
+            <a:extLst>
+              <a:ext uri="{28A0092B-C50C-407E-A947-70E740481C1C}">
+                <a14:useLocalDpi xmlns:a14="http://schemas.microsoft.com/office/drawing/2010/main" val="0"/>
+              </a:ext>
+            </a:extLst>
+          </a:blip>
+          <a:srcRect/>
+          <a:stretch>
+            <a:fillRect/>
+          </a:stretch>
+        </p:blipFill>
+        <p:spPr bwMode="auto">
+          <a:xfrm>
+            <a:off x="7096279" y="467129"/>
+            <a:ext cx="4277265" cy="1725714"/>
+          </a:xfrm>
+          <a:prstGeom prst="rect">
+            <a:avLst/>
+          </a:prstGeom>
+          <a:noFill/>
+          <a:extLst>
+            <a:ext uri="{909E8E84-426E-40DD-AFC4-6F175D3DCCD1}">
+              <a14:hiddenFill xmlns:a14="http://schemas.microsoft.com/office/drawing/2010/main">
+                <a:solidFill>
+                  <a:srgbClr val="FFFFFF"/>
+                </a:solidFill>
+              </a14:hiddenFill>
+            </a:ext>
+          </a:extLst>
         </p:spPr>
       </p:pic>
     </p:spTree>
     <p:extLst>
       <p:ext uri="{BB962C8B-B14F-4D97-AF65-F5344CB8AC3E}">
-        <p14:creationId xmlns:p14="http://schemas.microsoft.com/office/powerpoint/2010/main" val="3830029867"/>
+        <p14:creationId xmlns:p14="http://schemas.microsoft.com/office/powerpoint/2010/main" val="2068380419"/>
       </p:ext>
     </p:extLst>
   </p:cSld>
@@ -13574,749 +13554,6 @@
 </file>
 
 <file path=ppt/slides/slide3.xml><?xml version="1.0" encoding="utf-8"?>
-<p:sld xmlns:a="http://schemas.openxmlformats.org/drawingml/2006/main" xmlns:r="http://schemas.openxmlformats.org/officeDocument/2006/relationships" xmlns:p="http://schemas.openxmlformats.org/presentationml/2006/main">
-  <p:cSld>
-    <p:spTree>
-      <p:nvGrpSpPr>
-        <p:cNvPr id="1" name=""/>
-        <p:cNvGrpSpPr/>
-        <p:nvPr/>
-      </p:nvGrpSpPr>
-      <p:grpSpPr>
-        <a:xfrm>
-          <a:off x="0" y="0"/>
-          <a:ext cx="0" cy="0"/>
-          <a:chOff x="0" y="0"/>
-          <a:chExt cx="0" cy="0"/>
-        </a:xfrm>
-      </p:grpSpPr>
-      <p:pic>
-        <p:nvPicPr>
-          <p:cNvPr id="10" name="Picture 9"/>
-          <p:cNvPicPr>
-            <a:picLocks noChangeAspect="1"/>
-          </p:cNvPicPr>
-          <p:nvPr/>
-        </p:nvPicPr>
-        <p:blipFill rotWithShape="1">
-          <a:blip r:embed="rId3">
-            <a:extLst>
-              <a:ext uri="{28A0092B-C50C-407E-A947-70E740481C1C}">
-                <a14:useLocalDpi xmlns:a14="http://schemas.microsoft.com/office/drawing/2010/main" val="0"/>
-              </a:ext>
-            </a:extLst>
-          </a:blip>
-          <a:srcRect l="50728" t="56371"/>
-          <a:stretch/>
-        </p:blipFill>
-        <p:spPr>
-          <a:xfrm>
-            <a:off x="10894024" y="5370653"/>
-            <a:ext cx="1297975" cy="1487348"/>
-          </a:xfrm>
-          <a:prstGeom prst="rect">
-            <a:avLst/>
-          </a:prstGeom>
-        </p:spPr>
-      </p:pic>
-      <p:sp>
-        <p:nvSpPr>
-          <p:cNvPr id="11" name="TextBox 10"/>
-          <p:cNvSpPr txBox="1"/>
-          <p:nvPr/>
-        </p:nvSpPr>
-        <p:spPr>
-          <a:xfrm>
-            <a:off x="347240" y="113388"/>
-            <a:ext cx="9799937" cy="1015663"/>
-          </a:xfrm>
-          <a:prstGeom prst="rect">
-            <a:avLst/>
-          </a:prstGeom>
-          <a:noFill/>
-        </p:spPr>
-        <p:txBody>
-          <a:bodyPr wrap="square" rtlCol="0">
-            <a:spAutoFit/>
-          </a:bodyPr>
-          <a:lstStyle/>
-          <a:p>
-            <a:r>
-              <a:rPr lang="en-US" sz="6000" dirty="0">
-                <a:latin typeface="Aliens &amp; cows" panose="00000500000000000000" pitchFamily="2" charset="0"/>
-              </a:rPr>
-              <a:t>Hi, I’m George</a:t>
-            </a:r>
-          </a:p>
-        </p:txBody>
-      </p:sp>
-      <p:pic>
-        <p:nvPicPr>
-          <p:cNvPr id="2" name="Picture 6" descr="Free photos of Cleveland">
-            <a:extLst>
-              <a:ext uri="{FF2B5EF4-FFF2-40B4-BE49-F238E27FC236}">
-                <a16:creationId xmlns:a16="http://schemas.microsoft.com/office/drawing/2014/main" id="{735B7E03-D415-5D79-F61E-E8B7630C0B94}"/>
-              </a:ext>
-            </a:extLst>
-          </p:cNvPr>
-          <p:cNvPicPr>
-            <a:picLocks noChangeAspect="1" noChangeArrowheads="1"/>
-          </p:cNvPicPr>
-          <p:nvPr/>
-        </p:nvPicPr>
-        <p:blipFill>
-          <a:blip r:embed="rId4" cstate="print">
-            <a:extLst>
-              <a:ext uri="{28A0092B-C50C-407E-A947-70E740481C1C}">
-                <a14:useLocalDpi xmlns:a14="http://schemas.microsoft.com/office/drawing/2010/main" val="0"/>
-              </a:ext>
-            </a:extLst>
-          </a:blip>
-          <a:srcRect/>
-          <a:stretch>
-            <a:fillRect/>
-          </a:stretch>
-        </p:blipFill>
-        <p:spPr bwMode="auto">
-          <a:xfrm>
-            <a:off x="2395007" y="1129051"/>
-            <a:ext cx="3811198" cy="2536829"/>
-          </a:xfrm>
-          <a:prstGeom prst="rect">
-            <a:avLst/>
-          </a:prstGeom>
-          <a:noFill/>
-          <a:extLst>
-            <a:ext uri="{909E8E84-426E-40DD-AFC4-6F175D3DCCD1}">
-              <a14:hiddenFill xmlns:a14="http://schemas.microsoft.com/office/drawing/2010/main">
-                <a:solidFill>
-                  <a:srgbClr val="FFFFFF"/>
-                </a:solidFill>
-              </a14:hiddenFill>
-            </a:ext>
-          </a:extLst>
-        </p:spPr>
-      </p:pic>
-      <p:pic>
-        <p:nvPicPr>
-          <p:cNvPr id="5" name="Picture 4" descr="Advancing into Analytics Cover Image">
-            <a:extLst>
-              <a:ext uri="{FF2B5EF4-FFF2-40B4-BE49-F238E27FC236}">
-                <a16:creationId xmlns:a16="http://schemas.microsoft.com/office/drawing/2014/main" id="{1B32CF75-EAC9-2BF3-264D-9FCCF83CE47D}"/>
-              </a:ext>
-            </a:extLst>
-          </p:cNvPr>
-          <p:cNvPicPr>
-            <a:picLocks noChangeAspect="1" noChangeArrowheads="1"/>
-          </p:cNvPicPr>
-          <p:nvPr/>
-        </p:nvPicPr>
-        <p:blipFill>
-          <a:blip r:embed="rId5" cstate="print">
-            <a:extLst>
-              <a:ext uri="{28A0092B-C50C-407E-A947-70E740481C1C}">
-                <a14:useLocalDpi xmlns:a14="http://schemas.microsoft.com/office/drawing/2010/main" val="0"/>
-              </a:ext>
-            </a:extLst>
-          </a:blip>
-          <a:srcRect/>
-          <a:stretch>
-            <a:fillRect/>
-          </a:stretch>
-        </p:blipFill>
-        <p:spPr bwMode="auto">
-          <a:xfrm>
-            <a:off x="7053234" y="2528472"/>
-            <a:ext cx="3093943" cy="4041068"/>
-          </a:xfrm>
-          <a:prstGeom prst="rect">
-            <a:avLst/>
-          </a:prstGeom>
-          <a:noFill/>
-          <a:extLst>
-            <a:ext uri="{909E8E84-426E-40DD-AFC4-6F175D3DCCD1}">
-              <a14:hiddenFill xmlns:a14="http://schemas.microsoft.com/office/drawing/2010/main">
-                <a:solidFill>
-                  <a:srgbClr val="FFFFFF"/>
-                </a:solidFill>
-              </a14:hiddenFill>
-            </a:ext>
-          </a:extLst>
-        </p:spPr>
-      </p:pic>
-      <p:pic>
-        <p:nvPicPr>
-          <p:cNvPr id="1026" name="Picture 2" descr="Microsoft Most Valuable Professional">
-            <a:extLst>
-              <a:ext uri="{FF2B5EF4-FFF2-40B4-BE49-F238E27FC236}">
-                <a16:creationId xmlns:a16="http://schemas.microsoft.com/office/drawing/2014/main" id="{09FDEC6E-AB1C-5FBB-3AC5-A60E34A22597}"/>
-              </a:ext>
-            </a:extLst>
-          </p:cNvPr>
-          <p:cNvPicPr>
-            <a:picLocks noChangeAspect="1" noChangeArrowheads="1"/>
-          </p:cNvPicPr>
-          <p:nvPr/>
-        </p:nvPicPr>
-        <p:blipFill>
-          <a:blip r:embed="rId6">
-            <a:extLst>
-              <a:ext uri="{28A0092B-C50C-407E-A947-70E740481C1C}">
-                <a14:useLocalDpi xmlns:a14="http://schemas.microsoft.com/office/drawing/2010/main" val="0"/>
-              </a:ext>
-            </a:extLst>
-          </a:blip>
-          <a:srcRect/>
-          <a:stretch>
-            <a:fillRect/>
-          </a:stretch>
-        </p:blipFill>
-        <p:spPr bwMode="auto">
-          <a:xfrm>
-            <a:off x="7096279" y="467129"/>
-            <a:ext cx="4277265" cy="1725714"/>
-          </a:xfrm>
-          <a:prstGeom prst="rect">
-            <a:avLst/>
-          </a:prstGeom>
-          <a:noFill/>
-          <a:extLst>
-            <a:ext uri="{909E8E84-426E-40DD-AFC4-6F175D3DCCD1}">
-              <a14:hiddenFill xmlns:a14="http://schemas.microsoft.com/office/drawing/2010/main">
-                <a:solidFill>
-                  <a:srgbClr val="FFFFFF"/>
-                </a:solidFill>
-              </a14:hiddenFill>
-            </a:ext>
-          </a:extLst>
-        </p:spPr>
-      </p:pic>
-    </p:spTree>
-    <p:extLst>
-      <p:ext uri="{BB962C8B-B14F-4D97-AF65-F5344CB8AC3E}">
-        <p14:creationId xmlns:p14="http://schemas.microsoft.com/office/powerpoint/2010/main" val="2068380419"/>
-      </p:ext>
-    </p:extLst>
-  </p:cSld>
-  <p:clrMapOvr>
-    <a:masterClrMapping/>
-  </p:clrMapOvr>
-</p:sld>
-</file>
-
-<file path=ppt/slides/slide30.xml><?xml version="1.0" encoding="utf-8"?>
-<p:sld xmlns:a="http://schemas.openxmlformats.org/drawingml/2006/main" xmlns:r="http://schemas.openxmlformats.org/officeDocument/2006/relationships" xmlns:p="http://schemas.openxmlformats.org/presentationml/2006/main">
-  <p:cSld>
-    <p:spTree>
-      <p:nvGrpSpPr>
-        <p:cNvPr id="1" name=""/>
-        <p:cNvGrpSpPr/>
-        <p:nvPr/>
-      </p:nvGrpSpPr>
-      <p:grpSpPr>
-        <a:xfrm>
-          <a:off x="0" y="0"/>
-          <a:ext cx="0" cy="0"/>
-          <a:chOff x="0" y="0"/>
-          <a:chExt cx="0" cy="0"/>
-        </a:xfrm>
-      </p:grpSpPr>
-      <p:sp>
-        <p:nvSpPr>
-          <p:cNvPr id="11" name="TextBox 10"/>
-          <p:cNvSpPr txBox="1"/>
-          <p:nvPr/>
-        </p:nvSpPr>
-        <p:spPr>
-          <a:xfrm>
-            <a:off x="347240" y="113388"/>
-            <a:ext cx="10861534" cy="1015663"/>
-          </a:xfrm>
-          <a:prstGeom prst="rect">
-            <a:avLst/>
-          </a:prstGeom>
-          <a:noFill/>
-        </p:spPr>
-        <p:txBody>
-          <a:bodyPr wrap="square" rtlCol="0">
-            <a:spAutoFit/>
-          </a:bodyPr>
-          <a:lstStyle/>
-          <a:p>
-            <a:r>
-              <a:rPr lang="en-US" sz="6000" dirty="0">
-                <a:latin typeface="Aliens &amp; cows" panose="00000500000000000000" pitchFamily="2" charset="0"/>
-              </a:rPr>
-              <a:t>Recommended reading</a:t>
-            </a:r>
-          </a:p>
-        </p:txBody>
-      </p:sp>
-      <p:sp>
-        <p:nvSpPr>
-          <p:cNvPr id="4" name="TextBox 3">
-            <a:extLst>
-              <a:ext uri="{FF2B5EF4-FFF2-40B4-BE49-F238E27FC236}">
-                <a16:creationId xmlns:a16="http://schemas.microsoft.com/office/drawing/2014/main" id="{5A4F6C64-3E8D-4255-95B8-CF64265213DA}"/>
-              </a:ext>
-            </a:extLst>
-          </p:cNvPr>
-          <p:cNvSpPr txBox="1"/>
-          <p:nvPr/>
-        </p:nvSpPr>
-        <p:spPr>
-          <a:xfrm>
-            <a:off x="347241" y="1465093"/>
-            <a:ext cx="7110528" cy="1384995"/>
-          </a:xfrm>
-          <a:prstGeom prst="rect">
-            <a:avLst/>
-          </a:prstGeom>
-          <a:noFill/>
-        </p:spPr>
-        <p:txBody>
-          <a:bodyPr wrap="square" rtlCol="0">
-            <a:spAutoFit/>
-          </a:bodyPr>
-          <a:lstStyle/>
-          <a:p>
-            <a:pPr marL="457200" indent="-457200">
-              <a:buClr>
-                <a:srgbClr val="CF3338"/>
-              </a:buClr>
-              <a:buFont typeface="Arial" panose="020B0604020202020204" pitchFamily="34" charset="0"/>
-              <a:buChar char="•"/>
-            </a:pPr>
-            <a:r>
-              <a:rPr lang="en-US" sz="2800" i="1" dirty="0">
-                <a:solidFill>
-                  <a:srgbClr val="707070"/>
-                </a:solidFill>
-                <a:latin typeface="Pragmatica" panose="020B0403040502020204" pitchFamily="34" charset="0"/>
-              </a:rPr>
-              <a:t>Machine Learning and Data Science Blueprints for Finance </a:t>
-            </a:r>
-            <a:r>
-              <a:rPr lang="en-US" sz="2800" dirty="0">
-                <a:solidFill>
-                  <a:srgbClr val="707070"/>
-                </a:solidFill>
-                <a:latin typeface="Pragmatica" panose="020B0403040502020204" pitchFamily="34" charset="0"/>
-              </a:rPr>
-              <a:t>by Hariom </a:t>
-            </a:r>
-            <a:r>
-              <a:rPr lang="en-US" sz="2800" dirty="0" err="1">
-                <a:solidFill>
-                  <a:srgbClr val="707070"/>
-                </a:solidFill>
-                <a:latin typeface="Pragmatica" panose="020B0403040502020204" pitchFamily="34" charset="0"/>
-              </a:rPr>
-              <a:t>Tatasat</a:t>
-            </a:r>
-            <a:r>
-              <a:rPr lang="en-US" sz="2800" dirty="0">
-                <a:solidFill>
-                  <a:srgbClr val="707070"/>
-                </a:solidFill>
-                <a:latin typeface="Pragmatica" panose="020B0403040502020204" pitchFamily="34" charset="0"/>
-              </a:rPr>
-              <a:t> </a:t>
-            </a:r>
-            <a:r>
-              <a:rPr lang="en-US" sz="2800" i="1" dirty="0">
-                <a:solidFill>
-                  <a:srgbClr val="707070"/>
-                </a:solidFill>
-                <a:latin typeface="Pragmatica" panose="020B0403040502020204" pitchFamily="34" charset="0"/>
-              </a:rPr>
-              <a:t>et al.</a:t>
-            </a:r>
-            <a:endParaRPr lang="en-US" sz="2800" dirty="0">
-              <a:solidFill>
-                <a:srgbClr val="707070"/>
-              </a:solidFill>
-              <a:latin typeface="Pragmatica" panose="020B0403040502020204" pitchFamily="34" charset="0"/>
-            </a:endParaRPr>
-          </a:p>
-        </p:txBody>
-      </p:sp>
-      <p:pic>
-        <p:nvPicPr>
-          <p:cNvPr id="2050" name="Picture 2" descr="Machine Learning and Data Science Blueprints for Finance: From Building  Trading Strategies to Robo-Advisors Using Python: Tatsat, Hariom, Puri,  Sahil, Lookabaugh, Brad: 9781492073055: Amazon.com: Books">
-            <a:extLst>
-              <a:ext uri="{FF2B5EF4-FFF2-40B4-BE49-F238E27FC236}">
-                <a16:creationId xmlns:a16="http://schemas.microsoft.com/office/drawing/2014/main" id="{A704A7F4-EB77-77D3-352B-F475ADEB6CF0}"/>
-              </a:ext>
-            </a:extLst>
-          </p:cNvPr>
-          <p:cNvPicPr>
-            <a:picLocks noChangeAspect="1" noChangeArrowheads="1"/>
-          </p:cNvPicPr>
-          <p:nvPr/>
-        </p:nvPicPr>
-        <p:blipFill>
-          <a:blip r:embed="rId3">
-            <a:extLst>
-              <a:ext uri="{28A0092B-C50C-407E-A947-70E740481C1C}">
-                <a14:useLocalDpi xmlns:a14="http://schemas.microsoft.com/office/drawing/2010/main" val="0"/>
-              </a:ext>
-            </a:extLst>
-          </a:blip>
-          <a:srcRect/>
-          <a:stretch>
-            <a:fillRect/>
-          </a:stretch>
-        </p:blipFill>
-        <p:spPr bwMode="auto">
-          <a:xfrm>
-            <a:off x="7258849" y="1465093"/>
-            <a:ext cx="3949925" cy="5043948"/>
-          </a:xfrm>
-          <a:prstGeom prst="rect">
-            <a:avLst/>
-          </a:prstGeom>
-          <a:noFill/>
-          <a:extLst>
-            <a:ext uri="{909E8E84-426E-40DD-AFC4-6F175D3DCCD1}">
-              <a14:hiddenFill xmlns:a14="http://schemas.microsoft.com/office/drawing/2010/main">
-                <a:solidFill>
-                  <a:srgbClr val="FFFFFF"/>
-                </a:solidFill>
-              </a14:hiddenFill>
-            </a:ext>
-          </a:extLst>
-        </p:spPr>
-      </p:pic>
-    </p:spTree>
-    <p:extLst>
-      <p:ext uri="{BB962C8B-B14F-4D97-AF65-F5344CB8AC3E}">
-        <p14:creationId xmlns:p14="http://schemas.microsoft.com/office/powerpoint/2010/main" val="3875603922"/>
-      </p:ext>
-    </p:extLst>
-  </p:cSld>
-  <p:clrMapOvr>
-    <a:masterClrMapping/>
-  </p:clrMapOvr>
-</p:sld>
-</file>
-
-<file path=ppt/slides/slide31.xml><?xml version="1.0" encoding="utf-8"?>
-<p:sld xmlns:a="http://schemas.openxmlformats.org/drawingml/2006/main" xmlns:r="http://schemas.openxmlformats.org/officeDocument/2006/relationships" xmlns:p="http://schemas.openxmlformats.org/presentationml/2006/main">
-  <p:cSld>
-    <p:spTree>
-      <p:nvGrpSpPr>
-        <p:cNvPr id="1" name=""/>
-        <p:cNvGrpSpPr/>
-        <p:nvPr/>
-      </p:nvGrpSpPr>
-      <p:grpSpPr>
-        <a:xfrm>
-          <a:off x="0" y="0"/>
-          <a:ext cx="0" cy="0"/>
-          <a:chOff x="0" y="0"/>
-          <a:chExt cx="0" cy="0"/>
-        </a:xfrm>
-      </p:grpSpPr>
-      <p:pic>
-        <p:nvPicPr>
-          <p:cNvPr id="10" name="Picture 9"/>
-          <p:cNvPicPr>
-            <a:picLocks noChangeAspect="1"/>
-          </p:cNvPicPr>
-          <p:nvPr/>
-        </p:nvPicPr>
-        <p:blipFill rotWithShape="1">
-          <a:blip r:embed="rId2">
-            <a:extLst>
-              <a:ext uri="{28A0092B-C50C-407E-A947-70E740481C1C}">
-                <a14:useLocalDpi xmlns:a14="http://schemas.microsoft.com/office/drawing/2010/main" val="0"/>
-              </a:ext>
-            </a:extLst>
-          </a:blip>
-          <a:srcRect l="50728" t="56371"/>
-          <a:stretch/>
-        </p:blipFill>
-        <p:spPr>
-          <a:xfrm>
-            <a:off x="10894024" y="5370653"/>
-            <a:ext cx="1297975" cy="1487348"/>
-          </a:xfrm>
-          <a:prstGeom prst="rect">
-            <a:avLst/>
-          </a:prstGeom>
-        </p:spPr>
-      </p:pic>
-      <p:sp>
-        <p:nvSpPr>
-          <p:cNvPr id="11" name="TextBox 10"/>
-          <p:cNvSpPr txBox="1"/>
-          <p:nvPr/>
-        </p:nvSpPr>
-        <p:spPr>
-          <a:xfrm>
-            <a:off x="347240" y="113388"/>
-            <a:ext cx="10861534" cy="1015663"/>
-          </a:xfrm>
-          <a:prstGeom prst="rect">
-            <a:avLst/>
-          </a:prstGeom>
-          <a:noFill/>
-        </p:spPr>
-        <p:txBody>
-          <a:bodyPr wrap="square" rtlCol="0">
-            <a:spAutoFit/>
-          </a:bodyPr>
-          <a:lstStyle/>
-          <a:p>
-            <a:r>
-              <a:rPr lang="en-US" sz="6000" dirty="0">
-                <a:latin typeface="Aliens &amp; cows" panose="00000500000000000000" pitchFamily="2" charset="0"/>
-              </a:rPr>
-              <a:t>Get in touch</a:t>
-            </a:r>
-          </a:p>
-        </p:txBody>
-      </p:sp>
-      <p:sp>
-        <p:nvSpPr>
-          <p:cNvPr id="4" name="TextBox 3">
-            <a:extLst>
-              <a:ext uri="{FF2B5EF4-FFF2-40B4-BE49-F238E27FC236}">
-                <a16:creationId xmlns:a16="http://schemas.microsoft.com/office/drawing/2014/main" id="{5A4F6C64-3E8D-4255-95B8-CF64265213DA}"/>
-              </a:ext>
-            </a:extLst>
-          </p:cNvPr>
-          <p:cNvSpPr txBox="1"/>
-          <p:nvPr/>
-        </p:nvSpPr>
-        <p:spPr>
-          <a:xfrm>
-            <a:off x="347239" y="1424949"/>
-            <a:ext cx="6352413" cy="1384995"/>
-          </a:xfrm>
-          <a:prstGeom prst="rect">
-            <a:avLst/>
-          </a:prstGeom>
-          <a:noFill/>
-        </p:spPr>
-        <p:txBody>
-          <a:bodyPr wrap="square" rtlCol="0">
-            <a:spAutoFit/>
-          </a:bodyPr>
-          <a:lstStyle/>
-          <a:p>
-            <a:pPr marL="514350" indent="-514350">
-              <a:buClr>
-                <a:srgbClr val="CF3338"/>
-              </a:buClr>
-              <a:buFont typeface="Arial" panose="020B0604020202020204" pitchFamily="34" charset="0"/>
-              <a:buChar char="•"/>
-            </a:pPr>
-            <a:r>
-              <a:rPr lang="en-US" sz="2800" dirty="0">
-                <a:solidFill>
-                  <a:srgbClr val="707070"/>
-                </a:solidFill>
-                <a:latin typeface="Pragmatica" panose="020B0403040502020204" pitchFamily="34" charset="0"/>
-              </a:rPr>
-              <a:t>george@stringfestanalytics.com</a:t>
-            </a:r>
-          </a:p>
-          <a:p>
-            <a:pPr marL="514350" indent="-514350">
-              <a:buClr>
-                <a:srgbClr val="CF3338"/>
-              </a:buClr>
-              <a:buFont typeface="Arial" panose="020B0604020202020204" pitchFamily="34" charset="0"/>
-              <a:buChar char="•"/>
-            </a:pPr>
-            <a:r>
-              <a:rPr lang="en-US" sz="2800" dirty="0">
-                <a:solidFill>
-                  <a:srgbClr val="707070"/>
-                </a:solidFill>
-                <a:latin typeface="Pragmatica" panose="020B0403040502020204" pitchFamily="34" charset="0"/>
-              </a:rPr>
-              <a:t>stringfestanalytics.com/book</a:t>
-            </a:r>
-          </a:p>
-          <a:p>
-            <a:pPr marL="514350" indent="-514350">
-              <a:buClr>
-                <a:srgbClr val="CF3338"/>
-              </a:buClr>
-              <a:buFont typeface="Arial" panose="020B0604020202020204" pitchFamily="34" charset="0"/>
-              <a:buChar char="•"/>
-            </a:pPr>
-            <a:r>
-              <a:rPr lang="en-US" sz="2800" dirty="0">
-                <a:solidFill>
-                  <a:srgbClr val="707070"/>
-                </a:solidFill>
-                <a:latin typeface="Pragmatica" panose="020B0403040502020204" pitchFamily="34" charset="0"/>
-              </a:rPr>
-              <a:t>linkedin.com/in/gjmount  </a:t>
-            </a:r>
-          </a:p>
-        </p:txBody>
-      </p:sp>
-    </p:spTree>
-    <p:extLst>
-      <p:ext uri="{BB962C8B-B14F-4D97-AF65-F5344CB8AC3E}">
-        <p14:creationId xmlns:p14="http://schemas.microsoft.com/office/powerpoint/2010/main" val="3593041649"/>
-      </p:ext>
-    </p:extLst>
-  </p:cSld>
-  <p:clrMapOvr>
-    <a:masterClrMapping/>
-  </p:clrMapOvr>
-</p:sld>
-</file>
-
-<file path=ppt/slides/slide32.xml><?xml version="1.0" encoding="utf-8"?>
-<p:sld xmlns:a="http://schemas.openxmlformats.org/drawingml/2006/main" xmlns:r="http://schemas.openxmlformats.org/officeDocument/2006/relationships" xmlns:p="http://schemas.openxmlformats.org/presentationml/2006/main">
-  <p:cSld>
-    <p:spTree>
-      <p:nvGrpSpPr>
-        <p:cNvPr id="1" name=""/>
-        <p:cNvGrpSpPr/>
-        <p:nvPr/>
-      </p:nvGrpSpPr>
-      <p:grpSpPr>
-        <a:xfrm>
-          <a:off x="0" y="0"/>
-          <a:ext cx="0" cy="0"/>
-          <a:chOff x="0" y="0"/>
-          <a:chExt cx="0" cy="0"/>
-        </a:xfrm>
-      </p:grpSpPr>
-      <p:pic>
-        <p:nvPicPr>
-          <p:cNvPr id="10" name="Picture 9"/>
-          <p:cNvPicPr>
-            <a:picLocks noChangeAspect="1"/>
-          </p:cNvPicPr>
-          <p:nvPr/>
-        </p:nvPicPr>
-        <p:blipFill rotWithShape="1">
-          <a:blip r:embed="rId2">
-            <a:extLst>
-              <a:ext uri="{28A0092B-C50C-407E-A947-70E740481C1C}">
-                <a14:useLocalDpi xmlns:a14="http://schemas.microsoft.com/office/drawing/2010/main" val="0"/>
-              </a:ext>
-            </a:extLst>
-          </a:blip>
-          <a:srcRect l="50728" t="56371"/>
-          <a:stretch/>
-        </p:blipFill>
-        <p:spPr>
-          <a:xfrm>
-            <a:off x="8136460" y="2210765"/>
-            <a:ext cx="4055539" cy="4647236"/>
-          </a:xfrm>
-          <a:prstGeom prst="rect">
-            <a:avLst/>
-          </a:prstGeom>
-        </p:spPr>
-      </p:pic>
-      <p:pic>
-        <p:nvPicPr>
-          <p:cNvPr id="4" name="Picture 3"/>
-          <p:cNvPicPr>
-            <a:picLocks noChangeAspect="1"/>
-          </p:cNvPicPr>
-          <p:nvPr/>
-        </p:nvPicPr>
-        <p:blipFill>
-          <a:blip r:embed="rId3">
-            <a:extLst>
-              <a:ext uri="{28A0092B-C50C-407E-A947-70E740481C1C}">
-                <a14:useLocalDpi xmlns:a14="http://schemas.microsoft.com/office/drawing/2010/main" val="0"/>
-              </a:ext>
-            </a:extLst>
-          </a:blip>
-          <a:stretch>
-            <a:fillRect/>
-          </a:stretch>
-        </p:blipFill>
-        <p:spPr>
-          <a:xfrm>
-            <a:off x="-538496" y="-2482770"/>
-            <a:ext cx="10171472" cy="7459883"/>
-          </a:xfrm>
-          <a:prstGeom prst="rect">
-            <a:avLst/>
-          </a:prstGeom>
-        </p:spPr>
-      </p:pic>
-      <p:sp>
-        <p:nvSpPr>
-          <p:cNvPr id="11" name="TextBox 10"/>
-          <p:cNvSpPr txBox="1"/>
-          <p:nvPr/>
-        </p:nvSpPr>
-        <p:spPr>
-          <a:xfrm>
-            <a:off x="324091" y="1687545"/>
-            <a:ext cx="7986531" cy="1384995"/>
-          </a:xfrm>
-          <a:prstGeom prst="rect">
-            <a:avLst/>
-          </a:prstGeom>
-          <a:noFill/>
-        </p:spPr>
-        <p:txBody>
-          <a:bodyPr wrap="square" rtlCol="0">
-            <a:spAutoFit/>
-          </a:bodyPr>
-          <a:lstStyle/>
-          <a:p>
-            <a:r>
-              <a:rPr lang="en-US" sz="2800" b="1" dirty="0">
-                <a:solidFill>
-                  <a:srgbClr val="707070"/>
-                </a:solidFill>
-                <a:latin typeface="Pragmatica" panose="020B0403040502020204" pitchFamily="34" charset="0"/>
-              </a:rPr>
-              <a:t>Questions?</a:t>
-            </a:r>
-          </a:p>
-          <a:p>
-            <a:endParaRPr lang="en-US" sz="2800" b="1" dirty="0">
-              <a:solidFill>
-                <a:srgbClr val="707070"/>
-              </a:solidFill>
-              <a:latin typeface="Pragmatica" panose="020B0403040502020204" pitchFamily="34" charset="0"/>
-            </a:endParaRPr>
-          </a:p>
-          <a:p>
-            <a:r>
-              <a:rPr lang="en-US" sz="2800" b="1" i="1" dirty="0">
-                <a:solidFill>
-                  <a:srgbClr val="707070"/>
-                </a:solidFill>
-                <a:latin typeface="Pragmatica" panose="020B0403040502020204" pitchFamily="34" charset="0"/>
-              </a:rPr>
-              <a:t>Who wants to win a book?</a:t>
-            </a:r>
-          </a:p>
-        </p:txBody>
-      </p:sp>
-    </p:spTree>
-    <p:extLst>
-      <p:ext uri="{BB962C8B-B14F-4D97-AF65-F5344CB8AC3E}">
-        <p14:creationId xmlns:p14="http://schemas.microsoft.com/office/powerpoint/2010/main" val="2312071835"/>
-      </p:ext>
-    </p:extLst>
-  </p:cSld>
-  <p:clrMapOvr>
-    <a:masterClrMapping/>
-  </p:clrMapOvr>
-</p:sld>
-</file>
-
-<file path=ppt/slides/slide4.xml><?xml version="1.0" encoding="utf-8"?>
 <p:sld xmlns:a="http://schemas.openxmlformats.org/drawingml/2006/main" xmlns:r="http://schemas.openxmlformats.org/officeDocument/2006/relationships" xmlns:p="http://schemas.openxmlformats.org/presentationml/2006/main">
   <p:cSld>
     <p:spTree>
@@ -14639,6 +13876,769 @@
     <p:extLst>
       <p:ext uri="{BB962C8B-B14F-4D97-AF65-F5344CB8AC3E}">
         <p14:creationId xmlns:p14="http://schemas.microsoft.com/office/powerpoint/2010/main" val="35701920"/>
+      </p:ext>
+    </p:extLst>
+  </p:cSld>
+  <p:clrMapOvr>
+    <a:masterClrMapping/>
+  </p:clrMapOvr>
+</p:sld>
+</file>
+
+<file path=ppt/slides/slide30.xml><?xml version="1.0" encoding="utf-8"?>
+<p:sld xmlns:a="http://schemas.openxmlformats.org/drawingml/2006/main" xmlns:r="http://schemas.openxmlformats.org/officeDocument/2006/relationships" xmlns:p="http://schemas.openxmlformats.org/presentationml/2006/main">
+  <p:cSld>
+    <p:spTree>
+      <p:nvGrpSpPr>
+        <p:cNvPr id="1" name=""/>
+        <p:cNvGrpSpPr/>
+        <p:nvPr/>
+      </p:nvGrpSpPr>
+      <p:grpSpPr>
+        <a:xfrm>
+          <a:off x="0" y="0"/>
+          <a:ext cx="0" cy="0"/>
+          <a:chOff x="0" y="0"/>
+          <a:chExt cx="0" cy="0"/>
+        </a:xfrm>
+      </p:grpSpPr>
+      <p:sp>
+        <p:nvSpPr>
+          <p:cNvPr id="11" name="TextBox 10"/>
+          <p:cNvSpPr txBox="1"/>
+          <p:nvPr/>
+        </p:nvSpPr>
+        <p:spPr>
+          <a:xfrm>
+            <a:off x="347240" y="113388"/>
+            <a:ext cx="10861534" cy="1015663"/>
+          </a:xfrm>
+          <a:prstGeom prst="rect">
+            <a:avLst/>
+          </a:prstGeom>
+          <a:noFill/>
+        </p:spPr>
+        <p:txBody>
+          <a:bodyPr wrap="square" rtlCol="0">
+            <a:spAutoFit/>
+          </a:bodyPr>
+          <a:lstStyle/>
+          <a:p>
+            <a:r>
+              <a:rPr lang="en-US" sz="6000" dirty="0">
+                <a:latin typeface="Aliens &amp; cows" panose="00000500000000000000" pitchFamily="2" charset="0"/>
+              </a:rPr>
+              <a:t>Recommended reading</a:t>
+            </a:r>
+          </a:p>
+        </p:txBody>
+      </p:sp>
+      <p:sp>
+        <p:nvSpPr>
+          <p:cNvPr id="4" name="TextBox 3">
+            <a:extLst>
+              <a:ext uri="{FF2B5EF4-FFF2-40B4-BE49-F238E27FC236}">
+                <a16:creationId xmlns:a16="http://schemas.microsoft.com/office/drawing/2014/main" id="{5A4F6C64-3E8D-4255-95B8-CF64265213DA}"/>
+              </a:ext>
+            </a:extLst>
+          </p:cNvPr>
+          <p:cNvSpPr txBox="1"/>
+          <p:nvPr/>
+        </p:nvSpPr>
+        <p:spPr>
+          <a:xfrm>
+            <a:off x="347241" y="1465093"/>
+            <a:ext cx="7110528" cy="1384995"/>
+          </a:xfrm>
+          <a:prstGeom prst="rect">
+            <a:avLst/>
+          </a:prstGeom>
+          <a:noFill/>
+        </p:spPr>
+        <p:txBody>
+          <a:bodyPr wrap="square" rtlCol="0">
+            <a:spAutoFit/>
+          </a:bodyPr>
+          <a:lstStyle/>
+          <a:p>
+            <a:pPr marL="457200" indent="-457200">
+              <a:buClr>
+                <a:srgbClr val="CF3338"/>
+              </a:buClr>
+              <a:buFont typeface="Arial" panose="020B0604020202020204" pitchFamily="34" charset="0"/>
+              <a:buChar char="•"/>
+            </a:pPr>
+            <a:r>
+              <a:rPr lang="en-US" sz="2800" i="1" dirty="0">
+                <a:solidFill>
+                  <a:srgbClr val="707070"/>
+                </a:solidFill>
+                <a:latin typeface="Pragmatica" panose="020B0403040502020204" pitchFamily="34" charset="0"/>
+              </a:rPr>
+              <a:t>Machine Learning and Data Science Blueprints for Finance </a:t>
+            </a:r>
+            <a:r>
+              <a:rPr lang="en-US" sz="2800" dirty="0">
+                <a:solidFill>
+                  <a:srgbClr val="707070"/>
+                </a:solidFill>
+                <a:latin typeface="Pragmatica" panose="020B0403040502020204" pitchFamily="34" charset="0"/>
+              </a:rPr>
+              <a:t>by Hariom </a:t>
+            </a:r>
+            <a:r>
+              <a:rPr lang="en-US" sz="2800" dirty="0" err="1">
+                <a:solidFill>
+                  <a:srgbClr val="707070"/>
+                </a:solidFill>
+                <a:latin typeface="Pragmatica" panose="020B0403040502020204" pitchFamily="34" charset="0"/>
+              </a:rPr>
+              <a:t>Tatasat</a:t>
+            </a:r>
+            <a:r>
+              <a:rPr lang="en-US" sz="2800" dirty="0">
+                <a:solidFill>
+                  <a:srgbClr val="707070"/>
+                </a:solidFill>
+                <a:latin typeface="Pragmatica" panose="020B0403040502020204" pitchFamily="34" charset="0"/>
+              </a:rPr>
+              <a:t> </a:t>
+            </a:r>
+            <a:r>
+              <a:rPr lang="en-US" sz="2800" i="1" dirty="0">
+                <a:solidFill>
+                  <a:srgbClr val="707070"/>
+                </a:solidFill>
+                <a:latin typeface="Pragmatica" panose="020B0403040502020204" pitchFamily="34" charset="0"/>
+              </a:rPr>
+              <a:t>et al.</a:t>
+            </a:r>
+            <a:endParaRPr lang="en-US" sz="2800" dirty="0">
+              <a:solidFill>
+                <a:srgbClr val="707070"/>
+              </a:solidFill>
+              <a:latin typeface="Pragmatica" panose="020B0403040502020204" pitchFamily="34" charset="0"/>
+            </a:endParaRPr>
+          </a:p>
+        </p:txBody>
+      </p:sp>
+      <p:pic>
+        <p:nvPicPr>
+          <p:cNvPr id="2050" name="Picture 2" descr="Machine Learning and Data Science Blueprints for Finance: From Building  Trading Strategies to Robo-Advisors Using Python: Tatsat, Hariom, Puri,  Sahil, Lookabaugh, Brad: 9781492073055: Amazon.com: Books">
+            <a:extLst>
+              <a:ext uri="{FF2B5EF4-FFF2-40B4-BE49-F238E27FC236}">
+                <a16:creationId xmlns:a16="http://schemas.microsoft.com/office/drawing/2014/main" id="{A704A7F4-EB77-77D3-352B-F475ADEB6CF0}"/>
+              </a:ext>
+            </a:extLst>
+          </p:cNvPr>
+          <p:cNvPicPr>
+            <a:picLocks noChangeAspect="1" noChangeArrowheads="1"/>
+          </p:cNvPicPr>
+          <p:nvPr/>
+        </p:nvPicPr>
+        <p:blipFill>
+          <a:blip r:embed="rId3">
+            <a:extLst>
+              <a:ext uri="{28A0092B-C50C-407E-A947-70E740481C1C}">
+                <a14:useLocalDpi xmlns:a14="http://schemas.microsoft.com/office/drawing/2010/main" val="0"/>
+              </a:ext>
+            </a:extLst>
+          </a:blip>
+          <a:srcRect/>
+          <a:stretch>
+            <a:fillRect/>
+          </a:stretch>
+        </p:blipFill>
+        <p:spPr bwMode="auto">
+          <a:xfrm>
+            <a:off x="7258849" y="1465093"/>
+            <a:ext cx="3949925" cy="5043948"/>
+          </a:xfrm>
+          <a:prstGeom prst="rect">
+            <a:avLst/>
+          </a:prstGeom>
+          <a:noFill/>
+          <a:extLst>
+            <a:ext uri="{909E8E84-426E-40DD-AFC4-6F175D3DCCD1}">
+              <a14:hiddenFill xmlns:a14="http://schemas.microsoft.com/office/drawing/2010/main">
+                <a:solidFill>
+                  <a:srgbClr val="FFFFFF"/>
+                </a:solidFill>
+              </a14:hiddenFill>
+            </a:ext>
+          </a:extLst>
+        </p:spPr>
+      </p:pic>
+    </p:spTree>
+    <p:extLst>
+      <p:ext uri="{BB962C8B-B14F-4D97-AF65-F5344CB8AC3E}">
+        <p14:creationId xmlns:p14="http://schemas.microsoft.com/office/powerpoint/2010/main" val="3875603922"/>
+      </p:ext>
+    </p:extLst>
+  </p:cSld>
+  <p:clrMapOvr>
+    <a:masterClrMapping/>
+  </p:clrMapOvr>
+</p:sld>
+</file>
+
+<file path=ppt/slides/slide31.xml><?xml version="1.0" encoding="utf-8"?>
+<p:sld xmlns:a="http://schemas.openxmlformats.org/drawingml/2006/main" xmlns:r="http://schemas.openxmlformats.org/officeDocument/2006/relationships" xmlns:p="http://schemas.openxmlformats.org/presentationml/2006/main">
+  <p:cSld>
+    <p:spTree>
+      <p:nvGrpSpPr>
+        <p:cNvPr id="1" name=""/>
+        <p:cNvGrpSpPr/>
+        <p:nvPr/>
+      </p:nvGrpSpPr>
+      <p:grpSpPr>
+        <a:xfrm>
+          <a:off x="0" y="0"/>
+          <a:ext cx="0" cy="0"/>
+          <a:chOff x="0" y="0"/>
+          <a:chExt cx="0" cy="0"/>
+        </a:xfrm>
+      </p:grpSpPr>
+      <p:pic>
+        <p:nvPicPr>
+          <p:cNvPr id="10" name="Picture 9"/>
+          <p:cNvPicPr>
+            <a:picLocks noChangeAspect="1"/>
+          </p:cNvPicPr>
+          <p:nvPr/>
+        </p:nvPicPr>
+        <p:blipFill rotWithShape="1">
+          <a:blip r:embed="rId2">
+            <a:extLst>
+              <a:ext uri="{28A0092B-C50C-407E-A947-70E740481C1C}">
+                <a14:useLocalDpi xmlns:a14="http://schemas.microsoft.com/office/drawing/2010/main" val="0"/>
+              </a:ext>
+            </a:extLst>
+          </a:blip>
+          <a:srcRect l="50728" t="56371"/>
+          <a:stretch/>
+        </p:blipFill>
+        <p:spPr>
+          <a:xfrm>
+            <a:off x="10894024" y="5370653"/>
+            <a:ext cx="1297975" cy="1487348"/>
+          </a:xfrm>
+          <a:prstGeom prst="rect">
+            <a:avLst/>
+          </a:prstGeom>
+        </p:spPr>
+      </p:pic>
+      <p:sp>
+        <p:nvSpPr>
+          <p:cNvPr id="11" name="TextBox 10"/>
+          <p:cNvSpPr txBox="1"/>
+          <p:nvPr/>
+        </p:nvSpPr>
+        <p:spPr>
+          <a:xfrm>
+            <a:off x="347240" y="113388"/>
+            <a:ext cx="10861534" cy="1015663"/>
+          </a:xfrm>
+          <a:prstGeom prst="rect">
+            <a:avLst/>
+          </a:prstGeom>
+          <a:noFill/>
+        </p:spPr>
+        <p:txBody>
+          <a:bodyPr wrap="square" rtlCol="0">
+            <a:spAutoFit/>
+          </a:bodyPr>
+          <a:lstStyle/>
+          <a:p>
+            <a:r>
+              <a:rPr lang="en-US" sz="6000" dirty="0">
+                <a:latin typeface="Aliens &amp; cows" panose="00000500000000000000" pitchFamily="2" charset="0"/>
+              </a:rPr>
+              <a:t>Get in touch</a:t>
+            </a:r>
+          </a:p>
+        </p:txBody>
+      </p:sp>
+      <p:sp>
+        <p:nvSpPr>
+          <p:cNvPr id="4" name="TextBox 3">
+            <a:extLst>
+              <a:ext uri="{FF2B5EF4-FFF2-40B4-BE49-F238E27FC236}">
+                <a16:creationId xmlns:a16="http://schemas.microsoft.com/office/drawing/2014/main" id="{5A4F6C64-3E8D-4255-95B8-CF64265213DA}"/>
+              </a:ext>
+            </a:extLst>
+          </p:cNvPr>
+          <p:cNvSpPr txBox="1"/>
+          <p:nvPr/>
+        </p:nvSpPr>
+        <p:spPr>
+          <a:xfrm>
+            <a:off x="347239" y="1424949"/>
+            <a:ext cx="6352413" cy="1384995"/>
+          </a:xfrm>
+          <a:prstGeom prst="rect">
+            <a:avLst/>
+          </a:prstGeom>
+          <a:noFill/>
+        </p:spPr>
+        <p:txBody>
+          <a:bodyPr wrap="square" rtlCol="0">
+            <a:spAutoFit/>
+          </a:bodyPr>
+          <a:lstStyle/>
+          <a:p>
+            <a:pPr marL="514350" indent="-514350">
+              <a:buClr>
+                <a:srgbClr val="CF3338"/>
+              </a:buClr>
+              <a:buFont typeface="Arial" panose="020B0604020202020204" pitchFamily="34" charset="0"/>
+              <a:buChar char="•"/>
+            </a:pPr>
+            <a:r>
+              <a:rPr lang="en-US" sz="2800" dirty="0">
+                <a:solidFill>
+                  <a:srgbClr val="707070"/>
+                </a:solidFill>
+                <a:latin typeface="Pragmatica" panose="020B0403040502020204" pitchFamily="34" charset="0"/>
+              </a:rPr>
+              <a:t>george@stringfestanalytics.com</a:t>
+            </a:r>
+          </a:p>
+          <a:p>
+            <a:pPr marL="514350" indent="-514350">
+              <a:buClr>
+                <a:srgbClr val="CF3338"/>
+              </a:buClr>
+              <a:buFont typeface="Arial" panose="020B0604020202020204" pitchFamily="34" charset="0"/>
+              <a:buChar char="•"/>
+            </a:pPr>
+            <a:r>
+              <a:rPr lang="en-US" sz="2800" dirty="0">
+                <a:solidFill>
+                  <a:srgbClr val="707070"/>
+                </a:solidFill>
+                <a:latin typeface="Pragmatica" panose="020B0403040502020204" pitchFamily="34" charset="0"/>
+              </a:rPr>
+              <a:t>stringfestanalytics.com/book</a:t>
+            </a:r>
+          </a:p>
+          <a:p>
+            <a:pPr marL="514350" indent="-514350">
+              <a:buClr>
+                <a:srgbClr val="CF3338"/>
+              </a:buClr>
+              <a:buFont typeface="Arial" panose="020B0604020202020204" pitchFamily="34" charset="0"/>
+              <a:buChar char="•"/>
+            </a:pPr>
+            <a:r>
+              <a:rPr lang="en-US" sz="2800" dirty="0">
+                <a:solidFill>
+                  <a:srgbClr val="707070"/>
+                </a:solidFill>
+                <a:latin typeface="Pragmatica" panose="020B0403040502020204" pitchFamily="34" charset="0"/>
+              </a:rPr>
+              <a:t>linkedin.com/in/gjmount  </a:t>
+            </a:r>
+          </a:p>
+        </p:txBody>
+      </p:sp>
+    </p:spTree>
+    <p:extLst>
+      <p:ext uri="{BB962C8B-B14F-4D97-AF65-F5344CB8AC3E}">
+        <p14:creationId xmlns:p14="http://schemas.microsoft.com/office/powerpoint/2010/main" val="3593041649"/>
+      </p:ext>
+    </p:extLst>
+  </p:cSld>
+  <p:clrMapOvr>
+    <a:masterClrMapping/>
+  </p:clrMapOvr>
+</p:sld>
+</file>
+
+<file path=ppt/slides/slide32.xml><?xml version="1.0" encoding="utf-8"?>
+<p:sld xmlns:a="http://schemas.openxmlformats.org/drawingml/2006/main" xmlns:r="http://schemas.openxmlformats.org/officeDocument/2006/relationships" xmlns:p="http://schemas.openxmlformats.org/presentationml/2006/main">
+  <p:cSld>
+    <p:spTree>
+      <p:nvGrpSpPr>
+        <p:cNvPr id="1" name=""/>
+        <p:cNvGrpSpPr/>
+        <p:nvPr/>
+      </p:nvGrpSpPr>
+      <p:grpSpPr>
+        <a:xfrm>
+          <a:off x="0" y="0"/>
+          <a:ext cx="0" cy="0"/>
+          <a:chOff x="0" y="0"/>
+          <a:chExt cx="0" cy="0"/>
+        </a:xfrm>
+      </p:grpSpPr>
+      <p:pic>
+        <p:nvPicPr>
+          <p:cNvPr id="10" name="Picture 9"/>
+          <p:cNvPicPr>
+            <a:picLocks noChangeAspect="1"/>
+          </p:cNvPicPr>
+          <p:nvPr/>
+        </p:nvPicPr>
+        <p:blipFill rotWithShape="1">
+          <a:blip r:embed="rId2">
+            <a:extLst>
+              <a:ext uri="{28A0092B-C50C-407E-A947-70E740481C1C}">
+                <a14:useLocalDpi xmlns:a14="http://schemas.microsoft.com/office/drawing/2010/main" val="0"/>
+              </a:ext>
+            </a:extLst>
+          </a:blip>
+          <a:srcRect l="50728" t="56371"/>
+          <a:stretch/>
+        </p:blipFill>
+        <p:spPr>
+          <a:xfrm>
+            <a:off x="8136460" y="2210765"/>
+            <a:ext cx="4055539" cy="4647236"/>
+          </a:xfrm>
+          <a:prstGeom prst="rect">
+            <a:avLst/>
+          </a:prstGeom>
+        </p:spPr>
+      </p:pic>
+      <p:pic>
+        <p:nvPicPr>
+          <p:cNvPr id="4" name="Picture 3"/>
+          <p:cNvPicPr>
+            <a:picLocks noChangeAspect="1"/>
+          </p:cNvPicPr>
+          <p:nvPr/>
+        </p:nvPicPr>
+        <p:blipFill>
+          <a:blip r:embed="rId3">
+            <a:extLst>
+              <a:ext uri="{28A0092B-C50C-407E-A947-70E740481C1C}">
+                <a14:useLocalDpi xmlns:a14="http://schemas.microsoft.com/office/drawing/2010/main" val="0"/>
+              </a:ext>
+            </a:extLst>
+          </a:blip>
+          <a:stretch>
+            <a:fillRect/>
+          </a:stretch>
+        </p:blipFill>
+        <p:spPr>
+          <a:xfrm>
+            <a:off x="-538496" y="-2482770"/>
+            <a:ext cx="10171472" cy="7459883"/>
+          </a:xfrm>
+          <a:prstGeom prst="rect">
+            <a:avLst/>
+          </a:prstGeom>
+        </p:spPr>
+      </p:pic>
+      <p:sp>
+        <p:nvSpPr>
+          <p:cNvPr id="11" name="TextBox 10"/>
+          <p:cNvSpPr txBox="1"/>
+          <p:nvPr/>
+        </p:nvSpPr>
+        <p:spPr>
+          <a:xfrm>
+            <a:off x="324091" y="1687545"/>
+            <a:ext cx="7986531" cy="1384995"/>
+          </a:xfrm>
+          <a:prstGeom prst="rect">
+            <a:avLst/>
+          </a:prstGeom>
+          <a:noFill/>
+        </p:spPr>
+        <p:txBody>
+          <a:bodyPr wrap="square" rtlCol="0">
+            <a:spAutoFit/>
+          </a:bodyPr>
+          <a:lstStyle/>
+          <a:p>
+            <a:r>
+              <a:rPr lang="en-US" sz="2800" b="1" dirty="0">
+                <a:solidFill>
+                  <a:srgbClr val="707070"/>
+                </a:solidFill>
+                <a:latin typeface="Pragmatica" panose="020B0403040502020204" pitchFamily="34" charset="0"/>
+              </a:rPr>
+              <a:t>Questions?</a:t>
+            </a:r>
+          </a:p>
+          <a:p>
+            <a:endParaRPr lang="en-US" sz="2800" b="1" dirty="0">
+              <a:solidFill>
+                <a:srgbClr val="707070"/>
+              </a:solidFill>
+              <a:latin typeface="Pragmatica" panose="020B0403040502020204" pitchFamily="34" charset="0"/>
+            </a:endParaRPr>
+          </a:p>
+          <a:p>
+            <a:r>
+              <a:rPr lang="en-US" sz="2800" b="1" i="1" dirty="0">
+                <a:solidFill>
+                  <a:srgbClr val="707070"/>
+                </a:solidFill>
+                <a:latin typeface="Pragmatica" panose="020B0403040502020204" pitchFamily="34" charset="0"/>
+              </a:rPr>
+              <a:t>Who wants to win a book?</a:t>
+            </a:r>
+          </a:p>
+        </p:txBody>
+      </p:sp>
+    </p:spTree>
+    <p:extLst>
+      <p:ext uri="{BB962C8B-B14F-4D97-AF65-F5344CB8AC3E}">
+        <p14:creationId xmlns:p14="http://schemas.microsoft.com/office/powerpoint/2010/main" val="2312071835"/>
+      </p:ext>
+    </p:extLst>
+  </p:cSld>
+  <p:clrMapOvr>
+    <a:masterClrMapping/>
+  </p:clrMapOvr>
+</p:sld>
+</file>
+
+<file path=ppt/slides/slide4.xml><?xml version="1.0" encoding="utf-8"?>
+<p:sld xmlns:a="http://schemas.openxmlformats.org/drawingml/2006/main" xmlns:r="http://schemas.openxmlformats.org/officeDocument/2006/relationships" xmlns:p="http://schemas.openxmlformats.org/presentationml/2006/main">
+  <p:cSld>
+    <p:spTree>
+      <p:nvGrpSpPr>
+        <p:cNvPr id="1" name=""/>
+        <p:cNvGrpSpPr/>
+        <p:nvPr/>
+      </p:nvGrpSpPr>
+      <p:grpSpPr>
+        <a:xfrm>
+          <a:off x="0" y="0"/>
+          <a:ext cx="0" cy="0"/>
+          <a:chOff x="0" y="0"/>
+          <a:chExt cx="0" cy="0"/>
+        </a:xfrm>
+      </p:grpSpPr>
+      <p:pic>
+        <p:nvPicPr>
+          <p:cNvPr id="10" name="Picture 9"/>
+          <p:cNvPicPr>
+            <a:picLocks noChangeAspect="1"/>
+          </p:cNvPicPr>
+          <p:nvPr/>
+        </p:nvPicPr>
+        <p:blipFill rotWithShape="1">
+          <a:blip r:embed="rId3">
+            <a:extLst>
+              <a:ext uri="{28A0092B-C50C-407E-A947-70E740481C1C}">
+                <a14:useLocalDpi xmlns:a14="http://schemas.microsoft.com/office/drawing/2010/main" val="0"/>
+              </a:ext>
+            </a:extLst>
+          </a:blip>
+          <a:srcRect l="50728" t="56371"/>
+          <a:stretch/>
+        </p:blipFill>
+        <p:spPr>
+          <a:xfrm>
+            <a:off x="10894024" y="5370653"/>
+            <a:ext cx="1297975" cy="1487348"/>
+          </a:xfrm>
+          <a:prstGeom prst="rect">
+            <a:avLst/>
+          </a:prstGeom>
+        </p:spPr>
+      </p:pic>
+      <p:sp>
+        <p:nvSpPr>
+          <p:cNvPr id="11" name="TextBox 10"/>
+          <p:cNvSpPr txBox="1"/>
+          <p:nvPr/>
+        </p:nvSpPr>
+        <p:spPr>
+          <a:xfrm>
+            <a:off x="347240" y="113388"/>
+            <a:ext cx="9799937" cy="1015663"/>
+          </a:xfrm>
+          <a:prstGeom prst="rect">
+            <a:avLst/>
+          </a:prstGeom>
+          <a:noFill/>
+        </p:spPr>
+        <p:txBody>
+          <a:bodyPr wrap="square" rtlCol="0">
+            <a:spAutoFit/>
+          </a:bodyPr>
+          <a:lstStyle/>
+          <a:p>
+            <a:r>
+              <a:rPr lang="en-US" sz="6000" dirty="0">
+                <a:latin typeface="Aliens &amp; cows" panose="00000500000000000000" pitchFamily="2" charset="0"/>
+              </a:rPr>
+              <a:t>Follow along</a:t>
+            </a:r>
+          </a:p>
+        </p:txBody>
+      </p:sp>
+      <p:sp>
+        <p:nvSpPr>
+          <p:cNvPr id="3" name="TextBox 2"/>
+          <p:cNvSpPr txBox="1"/>
+          <p:nvPr/>
+        </p:nvSpPr>
+        <p:spPr>
+          <a:xfrm>
+            <a:off x="462988" y="1365813"/>
+            <a:ext cx="8471462" cy="4401205"/>
+          </a:xfrm>
+          <a:prstGeom prst="rect">
+            <a:avLst/>
+          </a:prstGeom>
+          <a:noFill/>
+        </p:spPr>
+        <p:txBody>
+          <a:bodyPr wrap="square" rtlCol="0">
+            <a:spAutoFit/>
+          </a:bodyPr>
+          <a:lstStyle/>
+          <a:p>
+            <a:pPr marL="285750" indent="-285750">
+              <a:buFont typeface="Arial" panose="020B0604020202020204" pitchFamily="34" charset="0"/>
+              <a:buChar char="•"/>
+            </a:pPr>
+            <a:r>
+              <a:rPr lang="en-US" sz="2800" dirty="0">
+                <a:solidFill>
+                  <a:srgbClr val="707070"/>
+                </a:solidFill>
+                <a:latin typeface="Pragmatica" panose="020B0403040502020204" pitchFamily="34" charset="0"/>
+              </a:rPr>
+              <a:t>Download resources: </a:t>
+            </a:r>
+            <a:r>
+              <a:rPr lang="en-US" sz="2800" dirty="0">
+                <a:solidFill>
+                  <a:srgbClr val="707070"/>
+                </a:solidFill>
+                <a:latin typeface="Pragmatica" panose="020B0403040502020204" pitchFamily="34" charset="0"/>
+                <a:hlinkClick r:id="rId4"/>
+              </a:rPr>
+              <a:t>https://github.com/stringfestdata/fmi-intro-to-python/</a:t>
+            </a:r>
+            <a:endParaRPr lang="en-US" sz="2800" dirty="0">
+              <a:solidFill>
+                <a:srgbClr val="707070"/>
+              </a:solidFill>
+              <a:latin typeface="Pragmatica" panose="020B0403040502020204" pitchFamily="34" charset="0"/>
+            </a:endParaRPr>
+          </a:p>
+          <a:p>
+            <a:pPr marL="285750" indent="-285750">
+              <a:buFont typeface="Arial" panose="020B0604020202020204" pitchFamily="34" charset="0"/>
+              <a:buChar char="•"/>
+            </a:pPr>
+            <a:endParaRPr lang="en-US" sz="2800" dirty="0">
+              <a:solidFill>
+                <a:srgbClr val="707070"/>
+              </a:solidFill>
+              <a:latin typeface="Pragmatica" panose="020B0403040502020204" pitchFamily="34" charset="0"/>
+            </a:endParaRPr>
+          </a:p>
+          <a:p>
+            <a:pPr marL="285750" indent="-285750">
+              <a:buFont typeface="Arial" panose="020B0604020202020204" pitchFamily="34" charset="0"/>
+              <a:buChar char="•"/>
+            </a:pPr>
+            <a:r>
+              <a:rPr lang="en-US" sz="2800" dirty="0">
+                <a:solidFill>
+                  <a:srgbClr val="707070"/>
+                </a:solidFill>
+                <a:latin typeface="Pragmatica" panose="020B0403040502020204" pitchFamily="34" charset="0"/>
+              </a:rPr>
+              <a:t>Click through this link now to run during presentation:</a:t>
+            </a:r>
+          </a:p>
+          <a:p>
+            <a:pPr marL="285750" indent="-285750">
+              <a:buFont typeface="Arial" panose="020B0604020202020204" pitchFamily="34" charset="0"/>
+              <a:buChar char="•"/>
+            </a:pPr>
+            <a:endParaRPr lang="en-US" sz="2800" dirty="0">
+              <a:solidFill>
+                <a:srgbClr val="707070"/>
+              </a:solidFill>
+              <a:latin typeface="Pragmatica" panose="020B0403040502020204" pitchFamily="34" charset="0"/>
+            </a:endParaRPr>
+          </a:p>
+          <a:p>
+            <a:pPr marL="285750" indent="-285750">
+              <a:buFont typeface="Arial" panose="020B0604020202020204" pitchFamily="34" charset="0"/>
+              <a:buChar char="•"/>
+            </a:pPr>
+            <a:endParaRPr lang="en-US" sz="2800" dirty="0">
+              <a:solidFill>
+                <a:srgbClr val="707070"/>
+              </a:solidFill>
+              <a:latin typeface="Pragmatica" panose="020B0403040502020204" pitchFamily="34" charset="0"/>
+            </a:endParaRPr>
+          </a:p>
+          <a:p>
+            <a:endParaRPr lang="en-US" sz="2800" dirty="0">
+              <a:solidFill>
+                <a:srgbClr val="707070"/>
+              </a:solidFill>
+              <a:latin typeface="Pragmatica" panose="020B0403040502020204" pitchFamily="34" charset="0"/>
+            </a:endParaRPr>
+          </a:p>
+          <a:p>
+            <a:endParaRPr lang="en-US" sz="2800" dirty="0">
+              <a:solidFill>
+                <a:srgbClr val="707070"/>
+              </a:solidFill>
+              <a:latin typeface="Pragmatica" panose="020B0403040502020204" pitchFamily="34" charset="0"/>
+            </a:endParaRPr>
+          </a:p>
+          <a:p>
+            <a:r>
+              <a:rPr lang="en-US" sz="2800" dirty="0">
+                <a:solidFill>
+                  <a:srgbClr val="707070"/>
+                </a:solidFill>
+                <a:latin typeface="Pragmatica" panose="020B0403040502020204" pitchFamily="34" charset="0"/>
+              </a:rPr>
+              <a:t>(this could take some time so feel free to ask questions now)…</a:t>
+            </a:r>
+          </a:p>
+        </p:txBody>
+      </p:sp>
+      <p:pic>
+        <p:nvPicPr>
+          <p:cNvPr id="4" name="Picture 3">
+            <a:extLst>
+              <a:ext uri="{FF2B5EF4-FFF2-40B4-BE49-F238E27FC236}">
+                <a16:creationId xmlns:a16="http://schemas.microsoft.com/office/drawing/2014/main" id="{F51C6B1B-A060-47A7-9AD8-3F6C3CE0AD77}"/>
+              </a:ext>
+            </a:extLst>
+          </p:cNvPr>
+          <p:cNvPicPr>
+            <a:picLocks noChangeAspect="1"/>
+          </p:cNvPicPr>
+          <p:nvPr/>
+        </p:nvPicPr>
+        <p:blipFill rotWithShape="1">
+          <a:blip r:embed="rId5"/>
+          <a:srcRect t="43450"/>
+          <a:stretch/>
+        </p:blipFill>
+        <p:spPr>
+          <a:xfrm>
+            <a:off x="1515231" y="3429000"/>
+            <a:ext cx="5780952" cy="953261"/>
+          </a:xfrm>
+          <a:prstGeom prst="rect">
+            <a:avLst/>
+          </a:prstGeom>
+        </p:spPr>
+      </p:pic>
+    </p:spTree>
+    <p:extLst>
+      <p:ext uri="{BB962C8B-B14F-4D97-AF65-F5344CB8AC3E}">
+        <p14:creationId xmlns:p14="http://schemas.microsoft.com/office/powerpoint/2010/main" val="3830029867"/>
       </p:ext>
     </p:extLst>
   </p:cSld>
